--- a/Architecture.pptx
+++ b/Architecture.pptx
@@ -3328,10 +3328,10 @@
       </p:grpSpPr>
       <p:grpSp>
         <p:nvGrpSpPr>
-          <p:cNvPr id="1051" name="Group 1050">
-            <a:extLst>
-              <a:ext uri="{FF2B5EF4-FFF2-40B4-BE49-F238E27FC236}">
-                <a16:creationId xmlns:a16="http://schemas.microsoft.com/office/drawing/2014/main" id="{C3036835-78B2-4686-970F-0814347D8D56}"/>
+          <p:cNvPr id="5" name="Group 4">
+            <a:extLst>
+              <a:ext uri="{FF2B5EF4-FFF2-40B4-BE49-F238E27FC236}">
+                <a16:creationId xmlns:a16="http://schemas.microsoft.com/office/drawing/2014/main" id="{D2532184-F808-4F27-B345-1045AD7F4867}"/>
               </a:ext>
             </a:extLst>
           </p:cNvPr>
@@ -3346,722 +3346,12 @@
             <a:chExt cx="17034405" cy="15761848"/>
           </a:xfrm>
         </p:grpSpPr>
-        <p:sp>
-          <p:nvSpPr>
-            <p:cNvPr id="2" name="Rectangle: Rounded Corners 1">
+        <p:grpSp>
+          <p:nvGrpSpPr>
+            <p:cNvPr id="1051" name="Group 1050">
               <a:extLst>
                 <a:ext uri="{FF2B5EF4-FFF2-40B4-BE49-F238E27FC236}">
-                  <a16:creationId xmlns:a16="http://schemas.microsoft.com/office/drawing/2014/main" id="{0E377626-B539-44C7-8D1B-38C33EA7CE78}"/>
-                </a:ext>
-              </a:extLst>
-            </p:cNvPr>
-            <p:cNvSpPr/>
-            <p:nvPr/>
-          </p:nvSpPr>
-          <p:spPr>
-            <a:xfrm>
-              <a:off x="1657118" y="-762000"/>
-              <a:ext cx="3236520" cy="12706350"/>
-            </a:xfrm>
-            <a:prstGeom prst="roundRect">
-              <a:avLst/>
-            </a:prstGeom>
-            <a:solidFill>
-              <a:schemeClr val="bg1">
-                <a:lumMod val="85000"/>
-              </a:schemeClr>
-            </a:solidFill>
-            <a:ln>
-              <a:noFill/>
-            </a:ln>
-          </p:spPr>
-          <p:style>
-            <a:lnRef idx="2">
-              <a:schemeClr val="accent1">
-                <a:shade val="50000"/>
-              </a:schemeClr>
-            </a:lnRef>
-            <a:fillRef idx="1">
-              <a:schemeClr val="accent1"/>
-            </a:fillRef>
-            <a:effectRef idx="0">
-              <a:schemeClr val="accent1"/>
-            </a:effectRef>
-            <a:fontRef idx="minor">
-              <a:schemeClr val="lt1"/>
-            </a:fontRef>
-          </p:style>
-          <p:txBody>
-            <a:bodyPr rtlCol="0" anchor="t"/>
-            <a:lstStyle/>
-            <a:p>
-              <a:pPr algn="ctr"/>
-              <a:r>
-                <a:rPr lang="pt-PT" sz="3200" dirty="0" err="1">
-                  <a:solidFill>
-                    <a:schemeClr val="tx1"/>
-                  </a:solidFill>
-                </a:rPr>
-                <a:t>Services</a:t>
-              </a:r>
-              <a:endParaRPr lang="en-US" sz="3200" dirty="0">
-                <a:solidFill>
-                  <a:schemeClr val="tx1"/>
-                </a:solidFill>
-              </a:endParaRPr>
-            </a:p>
-          </p:txBody>
-        </p:sp>
-        <p:sp>
-          <p:nvSpPr>
-            <p:cNvPr id="3" name="Rectangle: Rounded Corners 2">
-              <a:extLst>
-                <a:ext uri="{FF2B5EF4-FFF2-40B4-BE49-F238E27FC236}">
-                  <a16:creationId xmlns:a16="http://schemas.microsoft.com/office/drawing/2014/main" id="{FFA75B0E-9D63-4199-A43D-311B48457F7C}"/>
-                </a:ext>
-              </a:extLst>
-            </p:cNvPr>
-            <p:cNvSpPr/>
-            <p:nvPr/>
-          </p:nvSpPr>
-          <p:spPr>
-            <a:xfrm>
-              <a:off x="1915483" y="8964801"/>
-              <a:ext cx="2743200" cy="2743200"/>
-            </a:xfrm>
-            <a:prstGeom prst="roundRect">
-              <a:avLst/>
-            </a:prstGeom>
-            <a:solidFill>
-              <a:srgbClr val="C00000"/>
-            </a:solidFill>
-            <a:ln>
-              <a:noFill/>
-            </a:ln>
-          </p:spPr>
-          <p:style>
-            <a:lnRef idx="2">
-              <a:schemeClr val="accent1">
-                <a:shade val="50000"/>
-              </a:schemeClr>
-            </a:lnRef>
-            <a:fillRef idx="1">
-              <a:schemeClr val="accent1"/>
-            </a:fillRef>
-            <a:effectRef idx="0">
-              <a:schemeClr val="accent1"/>
-            </a:effectRef>
-            <a:fontRef idx="minor">
-              <a:schemeClr val="lt1"/>
-            </a:fontRef>
-          </p:style>
-          <p:txBody>
-            <a:bodyPr rtlCol="0" anchor="ctr"/>
-            <a:lstStyle/>
-            <a:p>
-              <a:pPr algn="ctr"/>
-              <a:r>
-                <a:rPr lang="pt-PT" sz="2400" dirty="0"/>
-                <a:t>(</a:t>
-              </a:r>
-              <a:r>
-                <a:rPr lang="pt-PT" sz="2400" dirty="0" err="1"/>
-                <a:t>External</a:t>
-              </a:r>
-              <a:r>
-                <a:rPr lang="pt-PT" sz="2400" dirty="0"/>
-                <a:t>) </a:t>
-              </a:r>
-              <a:r>
-                <a:rPr lang="pt-PT" sz="2400" dirty="0" err="1"/>
-                <a:t>Service</a:t>
-              </a:r>
-              <a:endParaRPr lang="pt-PT" sz="2400" dirty="0"/>
-            </a:p>
-            <a:p>
-              <a:pPr algn="ctr"/>
-              <a:endParaRPr lang="pt-PT" sz="2400" dirty="0"/>
-            </a:p>
-            <a:p>
-              <a:pPr algn="ctr"/>
-              <a:endParaRPr lang="pt-PT" sz="2400" dirty="0"/>
-            </a:p>
-            <a:p>
-              <a:pPr algn="ctr"/>
-              <a:br>
-                <a:rPr lang="pt-PT" sz="2400" dirty="0"/>
-              </a:br>
-              <a:endParaRPr lang="pt-PT" sz="2400" dirty="0"/>
-            </a:p>
-            <a:p>
-              <a:pPr algn="ctr"/>
-              <a:r>
-                <a:rPr lang="pt-PT" sz="3600" dirty="0" err="1"/>
-                <a:t>Doctor</a:t>
-              </a:r>
-              <a:r>
-                <a:rPr lang="pt-PT" sz="3600" dirty="0"/>
-                <a:t> App</a:t>
-              </a:r>
-              <a:endParaRPr lang="en-US" sz="2400" dirty="0"/>
-            </a:p>
-          </p:txBody>
-        </p:sp>
-        <p:sp>
-          <p:nvSpPr>
-            <p:cNvPr id="6" name="Rectangle: Rounded Corners 5">
-              <a:extLst>
-                <a:ext uri="{FF2B5EF4-FFF2-40B4-BE49-F238E27FC236}">
-                  <a16:creationId xmlns:a16="http://schemas.microsoft.com/office/drawing/2014/main" id="{A5BFAAF4-194C-4D41-9381-4EE62196A881}"/>
-                </a:ext>
-              </a:extLst>
-            </p:cNvPr>
-            <p:cNvSpPr/>
-            <p:nvPr/>
-          </p:nvSpPr>
-          <p:spPr>
-            <a:xfrm>
-              <a:off x="1915483" y="302003"/>
-              <a:ext cx="2743200" cy="2743200"/>
-            </a:xfrm>
-            <a:prstGeom prst="roundRect">
-              <a:avLst/>
-            </a:prstGeom>
-            <a:solidFill>
-              <a:srgbClr val="7030A0"/>
-            </a:solidFill>
-            <a:ln>
-              <a:noFill/>
-            </a:ln>
-          </p:spPr>
-          <p:style>
-            <a:lnRef idx="2">
-              <a:schemeClr val="accent1">
-                <a:shade val="50000"/>
-              </a:schemeClr>
-            </a:lnRef>
-            <a:fillRef idx="1">
-              <a:schemeClr val="accent1"/>
-            </a:fillRef>
-            <a:effectRef idx="0">
-              <a:schemeClr val="accent1"/>
-            </a:effectRef>
-            <a:fontRef idx="minor">
-              <a:schemeClr val="lt1"/>
-            </a:fontRef>
-          </p:style>
-          <p:txBody>
-            <a:bodyPr rtlCol="0" anchor="ctr"/>
-            <a:lstStyle/>
-            <a:p>
-              <a:pPr algn="ctr"/>
-              <a:r>
-                <a:rPr lang="pt-PT" sz="2400" dirty="0" err="1"/>
-                <a:t>Service</a:t>
-              </a:r>
-              <a:endParaRPr lang="pt-PT" sz="2400" dirty="0"/>
-            </a:p>
-            <a:p>
-              <a:pPr algn="ctr"/>
-              <a:endParaRPr lang="pt-PT" sz="2400" dirty="0"/>
-            </a:p>
-            <a:p>
-              <a:pPr algn="ctr"/>
-              <a:endParaRPr lang="pt-PT" sz="2400" dirty="0"/>
-            </a:p>
-            <a:p>
-              <a:pPr algn="ctr"/>
-              <a:br>
-                <a:rPr lang="pt-PT" sz="2400" dirty="0"/>
-              </a:br>
-              <a:r>
-                <a:rPr lang="pt-PT" sz="3600" dirty="0" err="1"/>
-                <a:t>Emotion</a:t>
-              </a:r>
-              <a:r>
-                <a:rPr lang="pt-PT" sz="3600" dirty="0"/>
-                <a:t> </a:t>
-              </a:r>
-              <a:r>
-                <a:rPr lang="pt-PT" sz="3600" dirty="0" err="1"/>
-                <a:t>Analysis</a:t>
-              </a:r>
-              <a:endParaRPr lang="en-US" sz="2400" dirty="0"/>
-            </a:p>
-          </p:txBody>
-        </p:sp>
-        <p:pic>
-          <p:nvPicPr>
-            <p:cNvPr id="1028" name="Picture 4">
-              <a:extLst>
-                <a:ext uri="{FF2B5EF4-FFF2-40B4-BE49-F238E27FC236}">
-                  <a16:creationId xmlns:a16="http://schemas.microsoft.com/office/drawing/2014/main" id="{F1FF2DCD-37CE-4246-A924-2A0B8F48E334}"/>
-                </a:ext>
-              </a:extLst>
-            </p:cNvPr>
-            <p:cNvPicPr>
-              <a:picLocks noChangeAspect="1" noChangeArrowheads="1"/>
-            </p:cNvPicPr>
-            <p:nvPr/>
-          </p:nvPicPr>
-          <p:blipFill rotWithShape="1">
-            <a:blip r:embed="rId2">
-              <a:extLst>
-                <a:ext uri="{28A0092B-C50C-407E-A947-70E740481C1C}">
-                  <a14:useLocalDpi xmlns:a14="http://schemas.microsoft.com/office/drawing/2010/main" val="0"/>
-                </a:ext>
-              </a:extLst>
-            </a:blip>
-            <a:srcRect l="9212" r="15076" b="36211"/>
-            <a:stretch/>
-          </p:blipFill>
-          <p:spPr bwMode="auto">
-            <a:xfrm>
-              <a:off x="3351578" y="1006280"/>
-              <a:ext cx="1022412" cy="957611"/>
-            </a:xfrm>
-            <a:prstGeom prst="rect">
-              <a:avLst/>
-            </a:prstGeom>
-            <a:noFill/>
-            <a:extLst>
-              <a:ext uri="{909E8E84-426E-40DD-AFC4-6F175D3DCCD1}">
-                <a14:hiddenFill xmlns:a14="http://schemas.microsoft.com/office/drawing/2010/main">
-                  <a:solidFill>
-                    <a:srgbClr val="FFFFFF"/>
-                  </a:solidFill>
-                </a14:hiddenFill>
-              </a:ext>
-            </a:extLst>
-          </p:spPr>
-        </p:pic>
-        <p:pic>
-          <p:nvPicPr>
-            <p:cNvPr id="8" name="Picture 7">
-              <a:extLst>
-                <a:ext uri="{FF2B5EF4-FFF2-40B4-BE49-F238E27FC236}">
-                  <a16:creationId xmlns:a16="http://schemas.microsoft.com/office/drawing/2014/main" id="{109CAD82-425C-433C-BD11-7631BC1F174B}"/>
-                </a:ext>
-              </a:extLst>
-            </p:cNvPr>
-            <p:cNvPicPr>
-              <a:picLocks noChangeAspect="1"/>
-            </p:cNvPicPr>
-            <p:nvPr/>
-          </p:nvPicPr>
-          <p:blipFill>
-            <a:blip r:embed="rId3"/>
-            <a:stretch>
-              <a:fillRect/>
-            </a:stretch>
-          </p:blipFill>
-          <p:spPr>
-            <a:xfrm>
-              <a:off x="2227452" y="1006280"/>
-              <a:ext cx="727217" cy="950976"/>
-            </a:xfrm>
-            <a:prstGeom prst="rect">
-              <a:avLst/>
-            </a:prstGeom>
-          </p:spPr>
-        </p:pic>
-        <p:sp>
-          <p:nvSpPr>
-            <p:cNvPr id="15" name="Rectangle: Rounded Corners 14">
-              <a:extLst>
-                <a:ext uri="{FF2B5EF4-FFF2-40B4-BE49-F238E27FC236}">
-                  <a16:creationId xmlns:a16="http://schemas.microsoft.com/office/drawing/2014/main" id="{F196357D-8070-4FA4-A56D-BAA9DE78AEBA}"/>
-                </a:ext>
-              </a:extLst>
-            </p:cNvPr>
-            <p:cNvSpPr/>
-            <p:nvPr/>
-          </p:nvSpPr>
-          <p:spPr>
-            <a:xfrm>
-              <a:off x="1915483" y="3429000"/>
-              <a:ext cx="2743200" cy="2743200"/>
-            </a:xfrm>
-            <a:prstGeom prst="roundRect">
-              <a:avLst/>
-            </a:prstGeom>
-            <a:solidFill>
-              <a:srgbClr val="7030A0"/>
-            </a:solidFill>
-            <a:ln>
-              <a:noFill/>
-            </a:ln>
-          </p:spPr>
-          <p:style>
-            <a:lnRef idx="2">
-              <a:schemeClr val="accent1">
-                <a:shade val="50000"/>
-              </a:schemeClr>
-            </a:lnRef>
-            <a:fillRef idx="1">
-              <a:schemeClr val="accent1"/>
-            </a:fillRef>
-            <a:effectRef idx="0">
-              <a:schemeClr val="accent1"/>
-            </a:effectRef>
-            <a:fontRef idx="minor">
-              <a:schemeClr val="lt1"/>
-            </a:fontRef>
-          </p:style>
-          <p:txBody>
-            <a:bodyPr rtlCol="0" anchor="ctr"/>
-            <a:lstStyle/>
-            <a:p>
-              <a:pPr algn="ctr"/>
-              <a:r>
-                <a:rPr lang="pt-PT" sz="2400" dirty="0" err="1"/>
-                <a:t>Service</a:t>
-              </a:r>
-              <a:endParaRPr lang="pt-PT" sz="2400" dirty="0"/>
-            </a:p>
-            <a:p>
-              <a:pPr algn="ctr"/>
-              <a:endParaRPr lang="pt-PT" sz="2400" dirty="0"/>
-            </a:p>
-            <a:p>
-              <a:pPr algn="ctr"/>
-              <a:endParaRPr lang="pt-PT" sz="2400" dirty="0"/>
-            </a:p>
-            <a:p>
-              <a:pPr algn="ctr"/>
-              <a:br>
-                <a:rPr lang="pt-PT" sz="2400" dirty="0"/>
-              </a:br>
-              <a:endParaRPr lang="pt-PT" sz="2400" dirty="0"/>
-            </a:p>
-            <a:p>
-              <a:pPr algn="ctr"/>
-              <a:r>
-                <a:rPr lang="pt-PT" sz="3600" dirty="0"/>
-                <a:t>Core</a:t>
-              </a:r>
-              <a:endParaRPr lang="en-US" sz="2400" dirty="0"/>
-            </a:p>
-          </p:txBody>
-        </p:sp>
-        <p:pic>
-          <p:nvPicPr>
-            <p:cNvPr id="10" name="Picture 9">
-              <a:extLst>
-                <a:ext uri="{FF2B5EF4-FFF2-40B4-BE49-F238E27FC236}">
-                  <a16:creationId xmlns:a16="http://schemas.microsoft.com/office/drawing/2014/main" id="{34336BC9-933C-45E7-AAA3-A8544A1BE9ED}"/>
-                </a:ext>
-              </a:extLst>
-            </p:cNvPr>
-            <p:cNvPicPr>
-              <a:picLocks noChangeAspect="1"/>
-            </p:cNvPicPr>
-            <p:nvPr/>
-          </p:nvPicPr>
-          <p:blipFill>
-            <a:blip r:embed="rId4"/>
-            <a:stretch>
-              <a:fillRect/>
-            </a:stretch>
-          </p:blipFill>
-          <p:spPr>
-            <a:xfrm>
-              <a:off x="2207303" y="4417535"/>
-              <a:ext cx="2159559" cy="766129"/>
-            </a:xfrm>
-            <a:prstGeom prst="rect">
-              <a:avLst/>
-            </a:prstGeom>
-          </p:spPr>
-        </p:pic>
-        <p:sp>
-          <p:nvSpPr>
-            <p:cNvPr id="11" name="Arrow: Up-Down 10">
-              <a:extLst>
-                <a:ext uri="{FF2B5EF4-FFF2-40B4-BE49-F238E27FC236}">
-                  <a16:creationId xmlns:a16="http://schemas.microsoft.com/office/drawing/2014/main" id="{CBDBD8E4-B3E0-4956-A29B-BC8E6D5E5D33}"/>
-                </a:ext>
-              </a:extLst>
-            </p:cNvPr>
-            <p:cNvSpPr/>
-            <p:nvPr/>
-          </p:nvSpPr>
-          <p:spPr>
-            <a:xfrm rot="16200000">
-              <a:off x="5706091" y="3412632"/>
-              <a:ext cx="1079500" cy="2704406"/>
-            </a:xfrm>
-            <a:prstGeom prst="upDownArrow">
-              <a:avLst/>
-            </a:prstGeom>
-          </p:spPr>
-          <p:style>
-            <a:lnRef idx="2">
-              <a:schemeClr val="accent3">
-                <a:shade val="50000"/>
-              </a:schemeClr>
-            </a:lnRef>
-            <a:fillRef idx="1">
-              <a:schemeClr val="accent3"/>
-            </a:fillRef>
-            <a:effectRef idx="0">
-              <a:schemeClr val="accent3"/>
-            </a:effectRef>
-            <a:fontRef idx="minor">
-              <a:schemeClr val="lt1"/>
-            </a:fontRef>
-          </p:style>
-          <p:txBody>
-            <a:bodyPr vert="vert" rtlCol="0" anchor="ctr"/>
-            <a:lstStyle/>
-            <a:p>
-              <a:pPr algn="ctr"/>
-              <a:r>
-                <a:rPr lang="pt-PT" sz="3200" dirty="0"/>
-                <a:t>API</a:t>
-              </a:r>
-              <a:endParaRPr lang="en-US" sz="3200" dirty="0"/>
-            </a:p>
-          </p:txBody>
-        </p:sp>
-        <p:sp>
-          <p:nvSpPr>
-            <p:cNvPr id="17" name="Arrow: Up-Down 16">
-              <a:extLst>
-                <a:ext uri="{FF2B5EF4-FFF2-40B4-BE49-F238E27FC236}">
-                  <a16:creationId xmlns:a16="http://schemas.microsoft.com/office/drawing/2014/main" id="{4AAE84ED-5DD6-48AE-887B-17A0B2529690}"/>
-                </a:ext>
-              </a:extLst>
-            </p:cNvPr>
-            <p:cNvSpPr/>
-            <p:nvPr/>
-          </p:nvSpPr>
-          <p:spPr>
-            <a:xfrm>
-              <a:off x="2558371" y="6172199"/>
-              <a:ext cx="1496196" cy="2792602"/>
-            </a:xfrm>
-            <a:prstGeom prst="upDownArrow">
-              <a:avLst/>
-            </a:prstGeom>
-          </p:spPr>
-          <p:style>
-            <a:lnRef idx="2">
-              <a:schemeClr val="accent3">
-                <a:shade val="50000"/>
-              </a:schemeClr>
-            </a:lnRef>
-            <a:fillRef idx="1">
-              <a:schemeClr val="accent3"/>
-            </a:fillRef>
-            <a:effectRef idx="0">
-              <a:schemeClr val="accent3"/>
-            </a:effectRef>
-            <a:fontRef idx="minor">
-              <a:schemeClr val="lt1"/>
-            </a:fontRef>
-          </p:style>
-          <p:txBody>
-            <a:bodyPr rtlCol="0" anchor="ctr"/>
-            <a:lstStyle/>
-            <a:p>
-              <a:pPr algn="ctr"/>
-              <a:r>
-                <a:rPr lang="pt-PT" sz="3200" dirty="0"/>
-                <a:t>API</a:t>
-              </a:r>
-              <a:endParaRPr lang="en-US" sz="3200" dirty="0"/>
-            </a:p>
-          </p:txBody>
-        </p:sp>
-        <p:pic>
-          <p:nvPicPr>
-            <p:cNvPr id="18" name="Picture 17">
-              <a:extLst>
-                <a:ext uri="{FF2B5EF4-FFF2-40B4-BE49-F238E27FC236}">
-                  <a16:creationId xmlns:a16="http://schemas.microsoft.com/office/drawing/2014/main" id="{AB6DD11D-6205-4CD4-9850-F350D9916B2E}"/>
-                </a:ext>
-              </a:extLst>
-            </p:cNvPr>
-            <p:cNvPicPr>
-              <a:picLocks noChangeAspect="1"/>
-            </p:cNvPicPr>
-            <p:nvPr/>
-          </p:nvPicPr>
-          <p:blipFill>
-            <a:blip r:embed="rId4"/>
-            <a:stretch>
-              <a:fillRect/>
-            </a:stretch>
-          </p:blipFill>
-          <p:spPr>
-            <a:xfrm>
-              <a:off x="2207303" y="9891234"/>
-              <a:ext cx="2159559" cy="766129"/>
-            </a:xfrm>
-            <a:prstGeom prst="rect">
-              <a:avLst/>
-            </a:prstGeom>
-          </p:spPr>
-        </p:pic>
-        <p:sp>
-          <p:nvSpPr>
-            <p:cNvPr id="40" name="Rectangle: Rounded Corners 39">
-              <a:extLst>
-                <a:ext uri="{FF2B5EF4-FFF2-40B4-BE49-F238E27FC236}">
-                  <a16:creationId xmlns:a16="http://schemas.microsoft.com/office/drawing/2014/main" id="{B2520498-0C46-4639-AFC0-D1D21BB83673}"/>
-                </a:ext>
-              </a:extLst>
-            </p:cNvPr>
-            <p:cNvSpPr/>
-            <p:nvPr/>
-          </p:nvSpPr>
-          <p:spPr>
-            <a:xfrm>
-              <a:off x="7598044" y="-2990850"/>
-              <a:ext cx="3236520" cy="10934700"/>
-            </a:xfrm>
-            <a:prstGeom prst="roundRect">
-              <a:avLst/>
-            </a:prstGeom>
-            <a:noFill/>
-            <a:ln w="57150">
-              <a:solidFill>
-                <a:schemeClr val="bg1">
-                  <a:lumMod val="50000"/>
-                </a:schemeClr>
-              </a:solidFill>
-              <a:prstDash val="dash"/>
-            </a:ln>
-          </p:spPr>
-          <p:style>
-            <a:lnRef idx="2">
-              <a:schemeClr val="accent1">
-                <a:shade val="50000"/>
-              </a:schemeClr>
-            </a:lnRef>
-            <a:fillRef idx="1">
-              <a:schemeClr val="accent1"/>
-            </a:fillRef>
-            <a:effectRef idx="0">
-              <a:schemeClr val="accent1"/>
-            </a:effectRef>
-            <a:fontRef idx="minor">
-              <a:schemeClr val="lt1"/>
-            </a:fontRef>
-          </p:style>
-          <p:txBody>
-            <a:bodyPr rtlCol="0" anchor="t"/>
-            <a:lstStyle/>
-            <a:p>
-              <a:pPr algn="ctr"/>
-              <a:r>
-                <a:rPr lang="pt-PT" sz="3200" dirty="0" err="1">
-                  <a:solidFill>
-                    <a:schemeClr val="tx1"/>
-                  </a:solidFill>
-                </a:rPr>
-                <a:t>Mirror</a:t>
-              </a:r>
-              <a:endParaRPr lang="en-US" sz="3200" dirty="0">
-                <a:solidFill>
-                  <a:schemeClr val="tx1"/>
-                </a:solidFill>
-              </a:endParaRPr>
-            </a:p>
-          </p:txBody>
-        </p:sp>
-        <p:pic>
-          <p:nvPicPr>
-            <p:cNvPr id="13" name="Graphic 12" descr="Veterinarian">
-              <a:extLst>
-                <a:ext uri="{FF2B5EF4-FFF2-40B4-BE49-F238E27FC236}">
-                  <a16:creationId xmlns:a16="http://schemas.microsoft.com/office/drawing/2014/main" id="{45E1FDB9-3ABB-47DC-97DA-19C88609068A}"/>
-                </a:ext>
-              </a:extLst>
-            </p:cNvPr>
-            <p:cNvPicPr>
-              <a:picLocks noChangeAspect="1"/>
-            </p:cNvPicPr>
-            <p:nvPr/>
-          </p:nvPicPr>
-          <p:blipFill>
-            <a:blip r:embed="rId5">
-              <a:extLst>
-                <a:ext uri="{28A0092B-C50C-407E-A947-70E740481C1C}">
-                  <a14:useLocalDpi xmlns:a14="http://schemas.microsoft.com/office/drawing/2010/main" val="0"/>
-                </a:ext>
-                <a:ext uri="{96DAC541-7B7A-43D3-8B79-37D633B846F1}">
-                  <asvg:svgBlip xmlns:asvg="http://schemas.microsoft.com/office/drawing/2016/SVG/main" r:embed="rId6"/>
-                </a:ext>
-              </a:extLst>
-            </a:blip>
-            <a:stretch>
-              <a:fillRect/>
-            </a:stretch>
-          </p:blipFill>
-          <p:spPr>
-            <a:xfrm>
-              <a:off x="-2800399" y="9017171"/>
-              <a:ext cx="2343150" cy="2343150"/>
-            </a:xfrm>
-            <a:prstGeom prst="rect">
-              <a:avLst/>
-            </a:prstGeom>
-          </p:spPr>
-        </p:pic>
-        <p:sp>
-          <p:nvSpPr>
-            <p:cNvPr id="21" name="Arrow: Up-Down 20">
-              <a:extLst>
-                <a:ext uri="{FF2B5EF4-FFF2-40B4-BE49-F238E27FC236}">
-                  <a16:creationId xmlns:a16="http://schemas.microsoft.com/office/drawing/2014/main" id="{CCBBF6BF-45DB-415E-88A6-FE9EB8B0195D}"/>
-                </a:ext>
-              </a:extLst>
-            </p:cNvPr>
-            <p:cNvSpPr/>
-            <p:nvPr/>
-          </p:nvSpPr>
-          <p:spPr>
-            <a:xfrm rot="16200000">
-              <a:off x="-87663" y="9164826"/>
-              <a:ext cx="1079500" cy="2343150"/>
-            </a:xfrm>
-            <a:prstGeom prst="upDownArrow">
-              <a:avLst/>
-            </a:prstGeom>
-          </p:spPr>
-          <p:style>
-            <a:lnRef idx="2">
-              <a:schemeClr val="accent3">
-                <a:shade val="50000"/>
-              </a:schemeClr>
-            </a:lnRef>
-            <a:fillRef idx="1">
-              <a:schemeClr val="accent3"/>
-            </a:fillRef>
-            <a:effectRef idx="0">
-              <a:schemeClr val="accent3"/>
-            </a:effectRef>
-            <a:fontRef idx="minor">
-              <a:schemeClr val="lt1"/>
-            </a:fontRef>
-          </p:style>
-          <p:txBody>
-            <a:bodyPr vert="vert" rtlCol="0" anchor="ctr"/>
-            <a:lstStyle/>
-            <a:p>
-              <a:pPr algn="ctr"/>
-              <a:endParaRPr lang="en-US" sz="3200" dirty="0"/>
-            </a:p>
-          </p:txBody>
-        </p:sp>
-        <p:grpSp>
-          <p:nvGrpSpPr>
-            <p:cNvPr id="25" name="Group 24">
-              <a:extLst>
-                <a:ext uri="{FF2B5EF4-FFF2-40B4-BE49-F238E27FC236}">
-                  <a16:creationId xmlns:a16="http://schemas.microsoft.com/office/drawing/2014/main" id="{AB84C96E-54EA-438A-B9C5-0C0E0C68E355}"/>
+                  <a16:creationId xmlns:a16="http://schemas.microsoft.com/office/drawing/2014/main" id="{C3036835-78B2-4686-970F-0814347D8D56}"/>
                 </a:ext>
               </a:extLst>
             </p:cNvPr>
@@ -4070,18 +3360,728 @@
           </p:nvGrpSpPr>
           <p:grpSpPr>
             <a:xfrm>
-              <a:off x="7799970" y="1115763"/>
-              <a:ext cx="2743200" cy="6603543"/>
-              <a:chOff x="7799970" y="2089489"/>
-              <a:chExt cx="2743200" cy="6603543"/>
+              <a:off x="-3563015" y="-3817498"/>
+              <a:ext cx="17034405" cy="15761848"/>
+              <a:chOff x="-3563015" y="-3817498"/>
+              <a:chExt cx="17034405" cy="15761848"/>
             </a:xfrm>
           </p:grpSpPr>
+          <p:sp>
+            <p:nvSpPr>
+              <p:cNvPr id="2" name="Rectangle: Rounded Corners 1">
+                <a:extLst>
+                  <a:ext uri="{FF2B5EF4-FFF2-40B4-BE49-F238E27FC236}">
+                    <a16:creationId xmlns:a16="http://schemas.microsoft.com/office/drawing/2014/main" id="{0E377626-B539-44C7-8D1B-38C33EA7CE78}"/>
+                  </a:ext>
+                </a:extLst>
+              </p:cNvPr>
+              <p:cNvSpPr/>
+              <p:nvPr/>
+            </p:nvSpPr>
+            <p:spPr>
+              <a:xfrm>
+                <a:off x="1657118" y="-762000"/>
+                <a:ext cx="3236520" cy="12706350"/>
+              </a:xfrm>
+              <a:prstGeom prst="roundRect">
+                <a:avLst/>
+              </a:prstGeom>
+              <a:solidFill>
+                <a:schemeClr val="bg1">
+                  <a:lumMod val="85000"/>
+                </a:schemeClr>
+              </a:solidFill>
+              <a:ln>
+                <a:noFill/>
+              </a:ln>
+            </p:spPr>
+            <p:style>
+              <a:lnRef idx="2">
+                <a:schemeClr val="accent1">
+                  <a:shade val="50000"/>
+                </a:schemeClr>
+              </a:lnRef>
+              <a:fillRef idx="1">
+                <a:schemeClr val="accent1"/>
+              </a:fillRef>
+              <a:effectRef idx="0">
+                <a:schemeClr val="accent1"/>
+              </a:effectRef>
+              <a:fontRef idx="minor">
+                <a:schemeClr val="lt1"/>
+              </a:fontRef>
+            </p:style>
+            <p:txBody>
+              <a:bodyPr rtlCol="0" anchor="t"/>
+              <a:lstStyle/>
+              <a:p>
+                <a:pPr algn="ctr"/>
+                <a:r>
+                  <a:rPr lang="pt-PT" sz="3200" dirty="0" err="1">
+                    <a:solidFill>
+                      <a:schemeClr val="tx1"/>
+                    </a:solidFill>
+                  </a:rPr>
+                  <a:t>Services</a:t>
+                </a:r>
+                <a:endParaRPr lang="en-US" sz="3200" dirty="0">
+                  <a:solidFill>
+                    <a:schemeClr val="tx1"/>
+                  </a:solidFill>
+                </a:endParaRPr>
+              </a:p>
+            </p:txBody>
+          </p:sp>
+          <p:sp>
+            <p:nvSpPr>
+              <p:cNvPr id="3" name="Rectangle: Rounded Corners 2">
+                <a:extLst>
+                  <a:ext uri="{FF2B5EF4-FFF2-40B4-BE49-F238E27FC236}">
+                    <a16:creationId xmlns:a16="http://schemas.microsoft.com/office/drawing/2014/main" id="{FFA75B0E-9D63-4199-A43D-311B48457F7C}"/>
+                  </a:ext>
+                </a:extLst>
+              </p:cNvPr>
+              <p:cNvSpPr/>
+              <p:nvPr/>
+            </p:nvSpPr>
+            <p:spPr>
+              <a:xfrm>
+                <a:off x="1915483" y="8964801"/>
+                <a:ext cx="2743200" cy="2743200"/>
+              </a:xfrm>
+              <a:prstGeom prst="roundRect">
+                <a:avLst/>
+              </a:prstGeom>
+              <a:solidFill>
+                <a:srgbClr val="C00000"/>
+              </a:solidFill>
+              <a:ln>
+                <a:noFill/>
+              </a:ln>
+            </p:spPr>
+            <p:style>
+              <a:lnRef idx="2">
+                <a:schemeClr val="accent1">
+                  <a:shade val="50000"/>
+                </a:schemeClr>
+              </a:lnRef>
+              <a:fillRef idx="1">
+                <a:schemeClr val="accent1"/>
+              </a:fillRef>
+              <a:effectRef idx="0">
+                <a:schemeClr val="accent1"/>
+              </a:effectRef>
+              <a:fontRef idx="minor">
+                <a:schemeClr val="lt1"/>
+              </a:fontRef>
+            </p:style>
+            <p:txBody>
+              <a:bodyPr rtlCol="0" anchor="ctr"/>
+              <a:lstStyle/>
+              <a:p>
+                <a:pPr algn="ctr"/>
+                <a:r>
+                  <a:rPr lang="pt-PT" sz="2400" dirty="0"/>
+                  <a:t>(</a:t>
+                </a:r>
+                <a:r>
+                  <a:rPr lang="pt-PT" sz="2400" dirty="0" err="1"/>
+                  <a:t>External</a:t>
+                </a:r>
+                <a:r>
+                  <a:rPr lang="pt-PT" sz="2400" dirty="0"/>
+                  <a:t>) </a:t>
+                </a:r>
+                <a:r>
+                  <a:rPr lang="pt-PT" sz="2400" dirty="0" err="1"/>
+                  <a:t>Service</a:t>
+                </a:r>
+                <a:endParaRPr lang="pt-PT" sz="2400" dirty="0"/>
+              </a:p>
+              <a:p>
+                <a:pPr algn="ctr"/>
+                <a:endParaRPr lang="pt-PT" sz="2400" dirty="0"/>
+              </a:p>
+              <a:p>
+                <a:pPr algn="ctr"/>
+                <a:endParaRPr lang="pt-PT" sz="2400" dirty="0"/>
+              </a:p>
+              <a:p>
+                <a:pPr algn="ctr"/>
+                <a:br>
+                  <a:rPr lang="pt-PT" sz="2400" dirty="0"/>
+                </a:br>
+                <a:endParaRPr lang="pt-PT" sz="2400" dirty="0"/>
+              </a:p>
+              <a:p>
+                <a:pPr algn="ctr"/>
+                <a:r>
+                  <a:rPr lang="pt-PT" sz="3600" dirty="0" err="1"/>
+                  <a:t>Doctor</a:t>
+                </a:r>
+                <a:r>
+                  <a:rPr lang="pt-PT" sz="3600" dirty="0"/>
+                  <a:t> App</a:t>
+                </a:r>
+                <a:endParaRPr lang="en-US" sz="2400" dirty="0"/>
+              </a:p>
+            </p:txBody>
+          </p:sp>
+          <p:sp>
+            <p:nvSpPr>
+              <p:cNvPr id="6" name="Rectangle: Rounded Corners 5">
+                <a:extLst>
+                  <a:ext uri="{FF2B5EF4-FFF2-40B4-BE49-F238E27FC236}">
+                    <a16:creationId xmlns:a16="http://schemas.microsoft.com/office/drawing/2014/main" id="{A5BFAAF4-194C-4D41-9381-4EE62196A881}"/>
+                  </a:ext>
+                </a:extLst>
+              </p:cNvPr>
+              <p:cNvSpPr/>
+              <p:nvPr/>
+            </p:nvSpPr>
+            <p:spPr>
+              <a:xfrm>
+                <a:off x="1915483" y="302003"/>
+                <a:ext cx="2743200" cy="2743200"/>
+              </a:xfrm>
+              <a:prstGeom prst="roundRect">
+                <a:avLst/>
+              </a:prstGeom>
+              <a:solidFill>
+                <a:srgbClr val="7030A0"/>
+              </a:solidFill>
+              <a:ln>
+                <a:noFill/>
+              </a:ln>
+            </p:spPr>
+            <p:style>
+              <a:lnRef idx="2">
+                <a:schemeClr val="accent1">
+                  <a:shade val="50000"/>
+                </a:schemeClr>
+              </a:lnRef>
+              <a:fillRef idx="1">
+                <a:schemeClr val="accent1"/>
+              </a:fillRef>
+              <a:effectRef idx="0">
+                <a:schemeClr val="accent1"/>
+              </a:effectRef>
+              <a:fontRef idx="minor">
+                <a:schemeClr val="lt1"/>
+              </a:fontRef>
+            </p:style>
+            <p:txBody>
+              <a:bodyPr rtlCol="0" anchor="ctr"/>
+              <a:lstStyle/>
+              <a:p>
+                <a:pPr algn="ctr"/>
+                <a:r>
+                  <a:rPr lang="pt-PT" sz="2400" dirty="0" err="1"/>
+                  <a:t>Service</a:t>
+                </a:r>
+                <a:endParaRPr lang="pt-PT" sz="2400" dirty="0"/>
+              </a:p>
+              <a:p>
+                <a:pPr algn="ctr"/>
+                <a:endParaRPr lang="pt-PT" sz="2400" dirty="0"/>
+              </a:p>
+              <a:p>
+                <a:pPr algn="ctr"/>
+                <a:endParaRPr lang="pt-PT" sz="2400" dirty="0"/>
+              </a:p>
+              <a:p>
+                <a:pPr algn="ctr"/>
+                <a:br>
+                  <a:rPr lang="pt-PT" sz="2400" dirty="0"/>
+                </a:br>
+                <a:r>
+                  <a:rPr lang="pt-PT" sz="3600" dirty="0" err="1"/>
+                  <a:t>Emotion</a:t>
+                </a:r>
+                <a:r>
+                  <a:rPr lang="pt-PT" sz="3600" dirty="0"/>
+                  <a:t> </a:t>
+                </a:r>
+                <a:r>
+                  <a:rPr lang="pt-PT" sz="3600" dirty="0" err="1"/>
+                  <a:t>Analysis</a:t>
+                </a:r>
+                <a:endParaRPr lang="en-US" sz="2400" dirty="0"/>
+              </a:p>
+            </p:txBody>
+          </p:sp>
+          <p:pic>
+            <p:nvPicPr>
+              <p:cNvPr id="1028" name="Picture 4">
+                <a:extLst>
+                  <a:ext uri="{FF2B5EF4-FFF2-40B4-BE49-F238E27FC236}">
+                    <a16:creationId xmlns:a16="http://schemas.microsoft.com/office/drawing/2014/main" id="{F1FF2DCD-37CE-4246-A924-2A0B8F48E334}"/>
+                  </a:ext>
+                </a:extLst>
+              </p:cNvPr>
+              <p:cNvPicPr>
+                <a:picLocks noChangeAspect="1" noChangeArrowheads="1"/>
+              </p:cNvPicPr>
+              <p:nvPr/>
+            </p:nvPicPr>
+            <p:blipFill rotWithShape="1">
+              <a:blip r:embed="rId2">
+                <a:extLst>
+                  <a:ext uri="{28A0092B-C50C-407E-A947-70E740481C1C}">
+                    <a14:useLocalDpi xmlns:a14="http://schemas.microsoft.com/office/drawing/2010/main" val="0"/>
+                  </a:ext>
+                </a:extLst>
+              </a:blip>
+              <a:srcRect l="9212" r="15076" b="36211"/>
+              <a:stretch/>
+            </p:blipFill>
+            <p:spPr bwMode="auto">
+              <a:xfrm>
+                <a:off x="3351578" y="1006280"/>
+                <a:ext cx="1022412" cy="957611"/>
+              </a:xfrm>
+              <a:prstGeom prst="rect">
+                <a:avLst/>
+              </a:prstGeom>
+              <a:noFill/>
+              <a:extLst>
+                <a:ext uri="{909E8E84-426E-40DD-AFC4-6F175D3DCCD1}">
+                  <a14:hiddenFill xmlns:a14="http://schemas.microsoft.com/office/drawing/2010/main">
+                    <a:solidFill>
+                      <a:srgbClr val="FFFFFF"/>
+                    </a:solidFill>
+                  </a14:hiddenFill>
+                </a:ext>
+              </a:extLst>
+            </p:spPr>
+          </p:pic>
+          <p:pic>
+            <p:nvPicPr>
+              <p:cNvPr id="8" name="Picture 7">
+                <a:extLst>
+                  <a:ext uri="{FF2B5EF4-FFF2-40B4-BE49-F238E27FC236}">
+                    <a16:creationId xmlns:a16="http://schemas.microsoft.com/office/drawing/2014/main" id="{109CAD82-425C-433C-BD11-7631BC1F174B}"/>
+                  </a:ext>
+                </a:extLst>
+              </p:cNvPr>
+              <p:cNvPicPr>
+                <a:picLocks noChangeAspect="1"/>
+              </p:cNvPicPr>
+              <p:nvPr/>
+            </p:nvPicPr>
+            <p:blipFill>
+              <a:blip r:embed="rId3"/>
+              <a:stretch>
+                <a:fillRect/>
+              </a:stretch>
+            </p:blipFill>
+            <p:spPr>
+              <a:xfrm>
+                <a:off x="2227452" y="1006280"/>
+                <a:ext cx="727217" cy="950976"/>
+              </a:xfrm>
+              <a:prstGeom prst="rect">
+                <a:avLst/>
+              </a:prstGeom>
+            </p:spPr>
+          </p:pic>
+          <p:sp>
+            <p:nvSpPr>
+              <p:cNvPr id="15" name="Rectangle: Rounded Corners 14">
+                <a:extLst>
+                  <a:ext uri="{FF2B5EF4-FFF2-40B4-BE49-F238E27FC236}">
+                    <a16:creationId xmlns:a16="http://schemas.microsoft.com/office/drawing/2014/main" id="{F196357D-8070-4FA4-A56D-BAA9DE78AEBA}"/>
+                  </a:ext>
+                </a:extLst>
+              </p:cNvPr>
+              <p:cNvSpPr/>
+              <p:nvPr/>
+            </p:nvSpPr>
+            <p:spPr>
+              <a:xfrm>
+                <a:off x="1915483" y="3429000"/>
+                <a:ext cx="2743200" cy="2743200"/>
+              </a:xfrm>
+              <a:prstGeom prst="roundRect">
+                <a:avLst/>
+              </a:prstGeom>
+              <a:solidFill>
+                <a:srgbClr val="7030A0"/>
+              </a:solidFill>
+              <a:ln>
+                <a:noFill/>
+              </a:ln>
+            </p:spPr>
+            <p:style>
+              <a:lnRef idx="2">
+                <a:schemeClr val="accent1">
+                  <a:shade val="50000"/>
+                </a:schemeClr>
+              </a:lnRef>
+              <a:fillRef idx="1">
+                <a:schemeClr val="accent1"/>
+              </a:fillRef>
+              <a:effectRef idx="0">
+                <a:schemeClr val="accent1"/>
+              </a:effectRef>
+              <a:fontRef idx="minor">
+                <a:schemeClr val="lt1"/>
+              </a:fontRef>
+            </p:style>
+            <p:txBody>
+              <a:bodyPr rtlCol="0" anchor="ctr"/>
+              <a:lstStyle/>
+              <a:p>
+                <a:pPr algn="ctr"/>
+                <a:r>
+                  <a:rPr lang="pt-PT" sz="2400" dirty="0" err="1"/>
+                  <a:t>Service</a:t>
+                </a:r>
+                <a:endParaRPr lang="pt-PT" sz="2400" dirty="0"/>
+              </a:p>
+              <a:p>
+                <a:pPr algn="ctr"/>
+                <a:endParaRPr lang="pt-PT" sz="2400" dirty="0"/>
+              </a:p>
+              <a:p>
+                <a:pPr algn="ctr"/>
+                <a:endParaRPr lang="pt-PT" sz="2400" dirty="0"/>
+              </a:p>
+              <a:p>
+                <a:pPr algn="ctr"/>
+                <a:br>
+                  <a:rPr lang="pt-PT" sz="2400" dirty="0"/>
+                </a:br>
+                <a:endParaRPr lang="pt-PT" sz="2400" dirty="0"/>
+              </a:p>
+              <a:p>
+                <a:pPr algn="ctr"/>
+                <a:r>
+                  <a:rPr lang="pt-PT" sz="3600" dirty="0"/>
+                  <a:t>Core</a:t>
+                </a:r>
+                <a:endParaRPr lang="en-US" sz="2400" dirty="0"/>
+              </a:p>
+            </p:txBody>
+          </p:sp>
+          <p:pic>
+            <p:nvPicPr>
+              <p:cNvPr id="10" name="Picture 9">
+                <a:extLst>
+                  <a:ext uri="{FF2B5EF4-FFF2-40B4-BE49-F238E27FC236}">
+                    <a16:creationId xmlns:a16="http://schemas.microsoft.com/office/drawing/2014/main" id="{34336BC9-933C-45E7-AAA3-A8544A1BE9ED}"/>
+                  </a:ext>
+                </a:extLst>
+              </p:cNvPr>
+              <p:cNvPicPr>
+                <a:picLocks noChangeAspect="1"/>
+              </p:cNvPicPr>
+              <p:nvPr/>
+            </p:nvPicPr>
+            <p:blipFill>
+              <a:blip r:embed="rId4"/>
+              <a:stretch>
+                <a:fillRect/>
+              </a:stretch>
+            </p:blipFill>
+            <p:spPr>
+              <a:xfrm>
+                <a:off x="2207303" y="4417535"/>
+                <a:ext cx="2159559" cy="766129"/>
+              </a:xfrm>
+              <a:prstGeom prst="rect">
+                <a:avLst/>
+              </a:prstGeom>
+            </p:spPr>
+          </p:pic>
+          <p:sp>
+            <p:nvSpPr>
+              <p:cNvPr id="11" name="Arrow: Up-Down 10">
+                <a:extLst>
+                  <a:ext uri="{FF2B5EF4-FFF2-40B4-BE49-F238E27FC236}">
+                    <a16:creationId xmlns:a16="http://schemas.microsoft.com/office/drawing/2014/main" id="{CBDBD8E4-B3E0-4956-A29B-BC8E6D5E5D33}"/>
+                  </a:ext>
+                </a:extLst>
+              </p:cNvPr>
+              <p:cNvSpPr/>
+              <p:nvPr/>
+            </p:nvSpPr>
+            <p:spPr>
+              <a:xfrm rot="16200000">
+                <a:off x="5706091" y="3412632"/>
+                <a:ext cx="1079500" cy="2704406"/>
+              </a:xfrm>
+              <a:prstGeom prst="upDownArrow">
+                <a:avLst/>
+              </a:prstGeom>
+            </p:spPr>
+            <p:style>
+              <a:lnRef idx="2">
+                <a:schemeClr val="accent3">
+                  <a:shade val="50000"/>
+                </a:schemeClr>
+              </a:lnRef>
+              <a:fillRef idx="1">
+                <a:schemeClr val="accent3"/>
+              </a:fillRef>
+              <a:effectRef idx="0">
+                <a:schemeClr val="accent3"/>
+              </a:effectRef>
+              <a:fontRef idx="minor">
+                <a:schemeClr val="lt1"/>
+              </a:fontRef>
+            </p:style>
+            <p:txBody>
+              <a:bodyPr vert="vert" rtlCol="0" anchor="ctr"/>
+              <a:lstStyle/>
+              <a:p>
+                <a:pPr algn="ctr"/>
+                <a:r>
+                  <a:rPr lang="pt-PT" sz="3200" dirty="0"/>
+                  <a:t>API</a:t>
+                </a:r>
+                <a:endParaRPr lang="en-US" sz="3200" dirty="0"/>
+              </a:p>
+            </p:txBody>
+          </p:sp>
+          <p:sp>
+            <p:nvSpPr>
+              <p:cNvPr id="17" name="Arrow: Up-Down 16">
+                <a:extLst>
+                  <a:ext uri="{FF2B5EF4-FFF2-40B4-BE49-F238E27FC236}">
+                    <a16:creationId xmlns:a16="http://schemas.microsoft.com/office/drawing/2014/main" id="{4AAE84ED-5DD6-48AE-887B-17A0B2529690}"/>
+                  </a:ext>
+                </a:extLst>
+              </p:cNvPr>
+              <p:cNvSpPr/>
+              <p:nvPr/>
+            </p:nvSpPr>
+            <p:spPr>
+              <a:xfrm>
+                <a:off x="2558371" y="6172199"/>
+                <a:ext cx="1496196" cy="2792602"/>
+              </a:xfrm>
+              <a:prstGeom prst="upDownArrow">
+                <a:avLst/>
+              </a:prstGeom>
+            </p:spPr>
+            <p:style>
+              <a:lnRef idx="2">
+                <a:schemeClr val="accent3">
+                  <a:shade val="50000"/>
+                </a:schemeClr>
+              </a:lnRef>
+              <a:fillRef idx="1">
+                <a:schemeClr val="accent3"/>
+              </a:fillRef>
+              <a:effectRef idx="0">
+                <a:schemeClr val="accent3"/>
+              </a:effectRef>
+              <a:fontRef idx="minor">
+                <a:schemeClr val="lt1"/>
+              </a:fontRef>
+            </p:style>
+            <p:txBody>
+              <a:bodyPr rtlCol="0" anchor="ctr"/>
+              <a:lstStyle/>
+              <a:p>
+                <a:pPr algn="ctr"/>
+                <a:r>
+                  <a:rPr lang="pt-PT" sz="3200" dirty="0"/>
+                  <a:t>API</a:t>
+                </a:r>
+                <a:endParaRPr lang="en-US" sz="3200" dirty="0"/>
+              </a:p>
+            </p:txBody>
+          </p:sp>
+          <p:pic>
+            <p:nvPicPr>
+              <p:cNvPr id="18" name="Picture 17">
+                <a:extLst>
+                  <a:ext uri="{FF2B5EF4-FFF2-40B4-BE49-F238E27FC236}">
+                    <a16:creationId xmlns:a16="http://schemas.microsoft.com/office/drawing/2014/main" id="{AB6DD11D-6205-4CD4-9850-F350D9916B2E}"/>
+                  </a:ext>
+                </a:extLst>
+              </p:cNvPr>
+              <p:cNvPicPr>
+                <a:picLocks noChangeAspect="1"/>
+              </p:cNvPicPr>
+              <p:nvPr/>
+            </p:nvPicPr>
+            <p:blipFill>
+              <a:blip r:embed="rId4"/>
+              <a:stretch>
+                <a:fillRect/>
+              </a:stretch>
+            </p:blipFill>
+            <p:spPr>
+              <a:xfrm>
+                <a:off x="2207303" y="9891234"/>
+                <a:ext cx="2159559" cy="766129"/>
+              </a:xfrm>
+              <a:prstGeom prst="rect">
+                <a:avLst/>
+              </a:prstGeom>
+            </p:spPr>
+          </p:pic>
+          <p:sp>
+            <p:nvSpPr>
+              <p:cNvPr id="40" name="Rectangle: Rounded Corners 39">
+                <a:extLst>
+                  <a:ext uri="{FF2B5EF4-FFF2-40B4-BE49-F238E27FC236}">
+                    <a16:creationId xmlns:a16="http://schemas.microsoft.com/office/drawing/2014/main" id="{B2520498-0C46-4639-AFC0-D1D21BB83673}"/>
+                  </a:ext>
+                </a:extLst>
+              </p:cNvPr>
+              <p:cNvSpPr/>
+              <p:nvPr/>
+            </p:nvSpPr>
+            <p:spPr>
+              <a:xfrm>
+                <a:off x="7598044" y="-2990850"/>
+                <a:ext cx="3236520" cy="10934700"/>
+              </a:xfrm>
+              <a:prstGeom prst="roundRect">
+                <a:avLst/>
+              </a:prstGeom>
+              <a:noFill/>
+              <a:ln w="57150">
+                <a:solidFill>
+                  <a:schemeClr val="bg1">
+                    <a:lumMod val="50000"/>
+                  </a:schemeClr>
+                </a:solidFill>
+                <a:prstDash val="dash"/>
+              </a:ln>
+            </p:spPr>
+            <p:style>
+              <a:lnRef idx="2">
+                <a:schemeClr val="accent1">
+                  <a:shade val="50000"/>
+                </a:schemeClr>
+              </a:lnRef>
+              <a:fillRef idx="1">
+                <a:schemeClr val="accent1"/>
+              </a:fillRef>
+              <a:effectRef idx="0">
+                <a:schemeClr val="accent1"/>
+              </a:effectRef>
+              <a:fontRef idx="minor">
+                <a:schemeClr val="lt1"/>
+              </a:fontRef>
+            </p:style>
+            <p:txBody>
+              <a:bodyPr rtlCol="0" anchor="t"/>
+              <a:lstStyle/>
+              <a:p>
+                <a:pPr algn="ctr"/>
+                <a:r>
+                  <a:rPr lang="pt-PT" sz="3200" dirty="0" err="1">
+                    <a:solidFill>
+                      <a:schemeClr val="tx1"/>
+                    </a:solidFill>
+                  </a:rPr>
+                  <a:t>Mirror</a:t>
+                </a:r>
+                <a:endParaRPr lang="en-US" sz="3200" dirty="0">
+                  <a:solidFill>
+                    <a:schemeClr val="tx1"/>
+                  </a:solidFill>
+                </a:endParaRPr>
+              </a:p>
+            </p:txBody>
+          </p:sp>
+          <p:pic>
+            <p:nvPicPr>
+              <p:cNvPr id="13" name="Graphic 12" descr="Veterinarian">
+                <a:extLst>
+                  <a:ext uri="{FF2B5EF4-FFF2-40B4-BE49-F238E27FC236}">
+                    <a16:creationId xmlns:a16="http://schemas.microsoft.com/office/drawing/2014/main" id="{45E1FDB9-3ABB-47DC-97DA-19C88609068A}"/>
+                  </a:ext>
+                </a:extLst>
+              </p:cNvPr>
+              <p:cNvPicPr>
+                <a:picLocks noChangeAspect="1"/>
+              </p:cNvPicPr>
+              <p:nvPr/>
+            </p:nvPicPr>
+            <p:blipFill>
+              <a:blip r:embed="rId5">
+                <a:extLst>
+                  <a:ext uri="{28A0092B-C50C-407E-A947-70E740481C1C}">
+                    <a14:useLocalDpi xmlns:a14="http://schemas.microsoft.com/office/drawing/2010/main" val="0"/>
+                  </a:ext>
+                  <a:ext uri="{96DAC541-7B7A-43D3-8B79-37D633B846F1}">
+                    <asvg:svgBlip xmlns:asvg="http://schemas.microsoft.com/office/drawing/2016/SVG/main" r:embed="rId6"/>
+                  </a:ext>
+                </a:extLst>
+              </a:blip>
+              <a:stretch>
+                <a:fillRect/>
+              </a:stretch>
+            </p:blipFill>
+            <p:spPr>
+              <a:xfrm>
+                <a:off x="-2800399" y="9017171"/>
+                <a:ext cx="2343150" cy="2343150"/>
+              </a:xfrm>
+              <a:prstGeom prst="rect">
+                <a:avLst/>
+              </a:prstGeom>
+            </p:spPr>
+          </p:pic>
+          <p:sp>
+            <p:nvSpPr>
+              <p:cNvPr id="21" name="Arrow: Up-Down 20">
+                <a:extLst>
+                  <a:ext uri="{FF2B5EF4-FFF2-40B4-BE49-F238E27FC236}">
+                    <a16:creationId xmlns:a16="http://schemas.microsoft.com/office/drawing/2014/main" id="{CCBBF6BF-45DB-415E-88A6-FE9EB8B0195D}"/>
+                  </a:ext>
+                </a:extLst>
+              </p:cNvPr>
+              <p:cNvSpPr/>
+              <p:nvPr/>
+            </p:nvSpPr>
+            <p:spPr>
+              <a:xfrm rot="16200000">
+                <a:off x="-87663" y="9164826"/>
+                <a:ext cx="1079500" cy="2343150"/>
+              </a:xfrm>
+              <a:prstGeom prst="upDownArrow">
+                <a:avLst/>
+              </a:prstGeom>
+            </p:spPr>
+            <p:style>
+              <a:lnRef idx="2">
+                <a:schemeClr val="accent3">
+                  <a:shade val="50000"/>
+                </a:schemeClr>
+              </a:lnRef>
+              <a:fillRef idx="1">
+                <a:schemeClr val="accent3"/>
+              </a:fillRef>
+              <a:effectRef idx="0">
+                <a:schemeClr val="accent3"/>
+              </a:effectRef>
+              <a:fontRef idx="minor">
+                <a:schemeClr val="lt1"/>
+              </a:fontRef>
+            </p:style>
+            <p:txBody>
+              <a:bodyPr vert="vert" rtlCol="0" anchor="ctr"/>
+              <a:lstStyle/>
+              <a:p>
+                <a:pPr algn="ctr"/>
+                <a:endParaRPr lang="en-US" sz="3200" dirty="0"/>
+              </a:p>
+            </p:txBody>
+          </p:sp>
           <p:grpSp>
             <p:nvGrpSpPr>
-              <p:cNvPr id="19" name="Group 18">
+              <p:cNvPr id="25" name="Group 24">
                 <a:extLst>
                   <a:ext uri="{FF2B5EF4-FFF2-40B4-BE49-F238E27FC236}">
-                    <a16:creationId xmlns:a16="http://schemas.microsoft.com/office/drawing/2014/main" id="{EF7BB9D6-DFD9-41B1-BDAE-4EC1F08015DE}"/>
+                    <a16:creationId xmlns:a16="http://schemas.microsoft.com/office/drawing/2014/main" id="{AB84C96E-54EA-438A-B9C5-0C0E0C68E355}"/>
                   </a:ext>
                 </a:extLst>
               </p:cNvPr>
@@ -4090,18 +4090,464 @@
             </p:nvGrpSpPr>
             <p:grpSpPr>
               <a:xfrm>
-                <a:off x="7799970" y="2089489"/>
+                <a:off x="7799970" y="1115763"/>
                 <a:ext cx="2743200" cy="6603543"/>
-                <a:chOff x="5496061" y="2144522"/>
-                <a:chExt cx="2743200" cy="5807453"/>
+                <a:chOff x="7799970" y="2089489"/>
+                <a:chExt cx="2743200" cy="6603543"/>
+              </a:xfrm>
+            </p:grpSpPr>
+            <p:grpSp>
+              <p:nvGrpSpPr>
+                <p:cNvPr id="19" name="Group 18">
+                  <a:extLst>
+                    <a:ext uri="{FF2B5EF4-FFF2-40B4-BE49-F238E27FC236}">
+                      <a16:creationId xmlns:a16="http://schemas.microsoft.com/office/drawing/2014/main" id="{EF7BB9D6-DFD9-41B1-BDAE-4EC1F08015DE}"/>
+                    </a:ext>
+                  </a:extLst>
+                </p:cNvPr>
+                <p:cNvGrpSpPr/>
+                <p:nvPr/>
+              </p:nvGrpSpPr>
+              <p:grpSpPr>
+                <a:xfrm>
+                  <a:off x="7799970" y="2089489"/>
+                  <a:ext cx="2743200" cy="6603543"/>
+                  <a:chOff x="5496061" y="2144522"/>
+                  <a:chExt cx="2743200" cy="5807453"/>
+                </a:xfrm>
+              </p:grpSpPr>
+              <p:sp>
+                <p:nvSpPr>
+                  <p:cNvPr id="23" name="Rectangle: Rounded Corners 22">
+                    <a:extLst>
+                      <a:ext uri="{FF2B5EF4-FFF2-40B4-BE49-F238E27FC236}">
+                        <a16:creationId xmlns:a16="http://schemas.microsoft.com/office/drawing/2014/main" id="{97C0B273-4892-4C2D-8D6A-F02685D947C1}"/>
+                      </a:ext>
+                    </a:extLst>
+                  </p:cNvPr>
+                  <p:cNvSpPr/>
+                  <p:nvPr/>
+                </p:nvSpPr>
+                <p:spPr>
+                  <a:xfrm>
+                    <a:off x="5496061" y="2144522"/>
+                    <a:ext cx="2743200" cy="5807453"/>
+                  </a:xfrm>
+                  <a:prstGeom prst="roundRect">
+                    <a:avLst/>
+                  </a:prstGeom>
+                  <a:solidFill>
+                    <a:srgbClr val="C00000"/>
+                  </a:solidFill>
+                  <a:ln>
+                    <a:noFill/>
+                  </a:ln>
+                </p:spPr>
+                <p:style>
+                  <a:lnRef idx="2">
+                    <a:schemeClr val="accent1">
+                      <a:shade val="50000"/>
+                    </a:schemeClr>
+                  </a:lnRef>
+                  <a:fillRef idx="1">
+                    <a:schemeClr val="accent1"/>
+                  </a:fillRef>
+                  <a:effectRef idx="0">
+                    <a:schemeClr val="accent1"/>
+                  </a:effectRef>
+                  <a:fontRef idx="minor">
+                    <a:schemeClr val="lt1"/>
+                  </a:fontRef>
+                </p:style>
+                <p:txBody>
+                  <a:bodyPr rtlCol="0" anchor="t"/>
+                  <a:lstStyle/>
+                  <a:p>
+                    <a:pPr algn="ctr"/>
+                    <a:r>
+                      <a:rPr lang="pt-PT" sz="3200" dirty="0"/>
+                      <a:t>UI</a:t>
+                    </a:r>
+                  </a:p>
+                  <a:p>
+                    <a:pPr algn="ctr"/>
+                    <a:endParaRPr lang="pt-PT" sz="2400" dirty="0"/>
+                  </a:p>
+                  <a:p>
+                    <a:pPr algn="ctr"/>
+                    <a:endParaRPr lang="pt-PT" sz="2400" dirty="0"/>
+                  </a:p>
+                  <a:p>
+                    <a:pPr algn="ctr"/>
+                    <a:br>
+                      <a:rPr lang="pt-PT" sz="2400" dirty="0"/>
+                    </a:br>
+                    <a:endParaRPr lang="pt-PT" sz="2400" dirty="0"/>
+                  </a:p>
+                  <a:p>
+                    <a:pPr algn="ctr"/>
+                    <a:endParaRPr lang="en-US" sz="2400" dirty="0"/>
+                  </a:p>
+                </p:txBody>
+              </p:sp>
+              <p:sp>
+                <p:nvSpPr>
+                  <p:cNvPr id="24" name="Rectangle: Rounded Corners 23">
+                    <a:extLst>
+                      <a:ext uri="{FF2B5EF4-FFF2-40B4-BE49-F238E27FC236}">
+                        <a16:creationId xmlns:a16="http://schemas.microsoft.com/office/drawing/2014/main" id="{7D839843-6AC8-453B-BFE0-D4D60762B281}"/>
+                      </a:ext>
+                    </a:extLst>
+                  </p:cNvPr>
+                  <p:cNvSpPr/>
+                  <p:nvPr/>
+                </p:nvSpPr>
+                <p:spPr>
+                  <a:xfrm>
+                    <a:off x="5671689" y="5885823"/>
+                    <a:ext cx="2437095" cy="1869303"/>
+                  </a:xfrm>
+                  <a:prstGeom prst="roundRect">
+                    <a:avLst/>
+                  </a:prstGeom>
+                  <a:solidFill>
+                    <a:srgbClr val="FF0000"/>
+                  </a:solidFill>
+                  <a:ln>
+                    <a:noFill/>
+                  </a:ln>
+                </p:spPr>
+                <p:style>
+                  <a:lnRef idx="2">
+                    <a:schemeClr val="accent1">
+                      <a:shade val="50000"/>
+                    </a:schemeClr>
+                  </a:lnRef>
+                  <a:fillRef idx="1">
+                    <a:schemeClr val="accent1"/>
+                  </a:fillRef>
+                  <a:effectRef idx="0">
+                    <a:schemeClr val="accent1"/>
+                  </a:effectRef>
+                  <a:fontRef idx="minor">
+                    <a:schemeClr val="lt1"/>
+                  </a:fontRef>
+                </p:style>
+                <p:txBody>
+                  <a:bodyPr rtlCol="0" anchor="t"/>
+                  <a:lstStyle/>
+                  <a:p>
+                    <a:pPr algn="ctr"/>
+                    <a:r>
+                      <a:rPr lang="pt-PT" sz="2400" dirty="0" err="1"/>
+                      <a:t>Speech</a:t>
+                    </a:r>
+                    <a:r>
+                      <a:rPr lang="pt-PT" sz="2400" dirty="0"/>
+                      <a:t> </a:t>
+                    </a:r>
+                    <a:r>
+                      <a:rPr lang="pt-PT" sz="2400" dirty="0" err="1"/>
+                      <a:t>Recognition</a:t>
+                    </a:r>
+                    <a:endParaRPr lang="en-US" sz="2400" dirty="0"/>
+                  </a:p>
+                </p:txBody>
+              </p:sp>
+              <p:pic>
+                <p:nvPicPr>
+                  <p:cNvPr id="14" name="Picture 13">
+                    <a:extLst>
+                      <a:ext uri="{FF2B5EF4-FFF2-40B4-BE49-F238E27FC236}">
+                        <a16:creationId xmlns:a16="http://schemas.microsoft.com/office/drawing/2014/main" id="{E71AAF5D-AA91-4EDD-9D67-FAF784B9E03D}"/>
+                      </a:ext>
+                    </a:extLst>
+                  </p:cNvPr>
+                  <p:cNvPicPr>
+                    <a:picLocks noChangeAspect="1"/>
+                  </p:cNvPicPr>
+                  <p:nvPr/>
+                </p:nvPicPr>
+                <p:blipFill>
+                  <a:blip r:embed="rId7"/>
+                  <a:stretch>
+                    <a:fillRect/>
+                  </a:stretch>
+                </p:blipFill>
+                <p:spPr>
+                  <a:xfrm>
+                    <a:off x="5671690" y="3146803"/>
+                    <a:ext cx="2437095" cy="1215646"/>
+                  </a:xfrm>
+                  <a:prstGeom prst="rect">
+                    <a:avLst/>
+                  </a:prstGeom>
+                </p:spPr>
+              </p:pic>
+              <p:pic>
+                <p:nvPicPr>
+                  <p:cNvPr id="16" name="Picture 15">
+                    <a:extLst>
+                      <a:ext uri="{FF2B5EF4-FFF2-40B4-BE49-F238E27FC236}">
+                        <a16:creationId xmlns:a16="http://schemas.microsoft.com/office/drawing/2014/main" id="{52D24885-C3DF-4547-8206-418E04B7D592}"/>
+                      </a:ext>
+                    </a:extLst>
+                  </p:cNvPr>
+                  <p:cNvPicPr>
+                    <a:picLocks noChangeAspect="1"/>
+                  </p:cNvPicPr>
+                  <p:nvPr/>
+                </p:nvPicPr>
+                <p:blipFill>
+                  <a:blip r:embed="rId8"/>
+                  <a:stretch>
+                    <a:fillRect/>
+                  </a:stretch>
+                </p:blipFill>
+                <p:spPr>
+                  <a:xfrm>
+                    <a:off x="5578346" y="4765057"/>
+                    <a:ext cx="2578630" cy="638780"/>
+                  </a:xfrm>
+                  <a:prstGeom prst="rect">
+                    <a:avLst/>
+                  </a:prstGeom>
+                </p:spPr>
+              </p:pic>
+            </p:grpSp>
+            <p:pic>
+              <p:nvPicPr>
+                <p:cNvPr id="20" name="Picture 19">
+                  <a:extLst>
+                    <a:ext uri="{FF2B5EF4-FFF2-40B4-BE49-F238E27FC236}">
+                      <a16:creationId xmlns:a16="http://schemas.microsoft.com/office/drawing/2014/main" id="{69E079EF-11E5-45EF-8A97-1E3319D9B155}"/>
+                    </a:ext>
+                  </a:extLst>
+                </p:cNvPr>
+                <p:cNvPicPr>
+                  <a:picLocks noChangeAspect="1"/>
+                </p:cNvPicPr>
+                <p:nvPr/>
+              </p:nvPicPr>
+              <p:blipFill>
+                <a:blip r:embed="rId9"/>
+                <a:stretch>
+                  <a:fillRect/>
+                </a:stretch>
+              </p:blipFill>
+              <p:spPr>
+                <a:xfrm>
+                  <a:off x="8019916" y="7469807"/>
+                  <a:ext cx="2392777" cy="609924"/>
+                </a:xfrm>
+                <a:prstGeom prst="rect">
+                  <a:avLst/>
+                </a:prstGeom>
+              </p:spPr>
+            </p:pic>
+          </p:grpSp>
+          <p:pic>
+            <p:nvPicPr>
+              <p:cNvPr id="1027" name="Picture 1026">
+                <a:extLst>
+                  <a:ext uri="{FF2B5EF4-FFF2-40B4-BE49-F238E27FC236}">
+                    <a16:creationId xmlns:a16="http://schemas.microsoft.com/office/drawing/2014/main" id="{3479D25C-B55D-47E5-97C0-9BCE3658A41C}"/>
+                  </a:ext>
+                </a:extLst>
+              </p:cNvPr>
+              <p:cNvPicPr>
+                <a:picLocks noChangeAspect="1"/>
+              </p:cNvPicPr>
+              <p:nvPr/>
+            </p:nvPicPr>
+            <p:blipFill>
+              <a:blip r:embed="rId10"/>
+              <a:stretch>
+                <a:fillRect/>
+              </a:stretch>
+            </p:blipFill>
+            <p:spPr>
+              <a:xfrm>
+                <a:off x="8179580" y="9195556"/>
+                <a:ext cx="2746102" cy="2748794"/>
+              </a:xfrm>
+              <a:prstGeom prst="rect">
+                <a:avLst/>
+              </a:prstGeom>
+            </p:spPr>
+          </p:pic>
+          <p:sp>
+            <p:nvSpPr>
+              <p:cNvPr id="39" name="Arrow: Up-Down 38">
+                <a:extLst>
+                  <a:ext uri="{FF2B5EF4-FFF2-40B4-BE49-F238E27FC236}">
+                    <a16:creationId xmlns:a16="http://schemas.microsoft.com/office/drawing/2014/main" id="{C6D2E027-8F6C-4009-BEA3-29A37D7B862A}"/>
+                  </a:ext>
+                </a:extLst>
+              </p:cNvPr>
+              <p:cNvSpPr/>
+              <p:nvPr/>
+            </p:nvSpPr>
+            <p:spPr>
+              <a:xfrm>
+                <a:off x="8631820" y="7495473"/>
+                <a:ext cx="1079500" cy="2057668"/>
+              </a:xfrm>
+              <a:prstGeom prst="upDownArrow">
+                <a:avLst/>
+              </a:prstGeom>
+            </p:spPr>
+            <p:style>
+              <a:lnRef idx="2">
+                <a:schemeClr val="accent3">
+                  <a:shade val="50000"/>
+                </a:schemeClr>
+              </a:lnRef>
+              <a:fillRef idx="1">
+                <a:schemeClr val="accent3"/>
+              </a:fillRef>
+              <a:effectRef idx="0">
+                <a:schemeClr val="accent3"/>
+              </a:effectRef>
+              <a:fontRef idx="minor">
+                <a:schemeClr val="lt1"/>
+              </a:fontRef>
+            </p:style>
+            <p:txBody>
+              <a:bodyPr rtlCol="0" anchor="ctr"/>
+              <a:lstStyle/>
+              <a:p>
+                <a:pPr algn="ctr"/>
+                <a:endParaRPr lang="en-US" sz="3200" dirty="0"/>
+              </a:p>
+            </p:txBody>
+          </p:sp>
+          <p:sp>
+            <p:nvSpPr>
+              <p:cNvPr id="41" name="Arrow: Up-Down 40">
+                <a:extLst>
+                  <a:ext uri="{FF2B5EF4-FFF2-40B4-BE49-F238E27FC236}">
+                    <a16:creationId xmlns:a16="http://schemas.microsoft.com/office/drawing/2014/main" id="{41EB99D4-B044-4AA1-B7FE-7804D79FFEB4}"/>
+                  </a:ext>
+                </a:extLst>
+              </p:cNvPr>
+              <p:cNvSpPr/>
+              <p:nvPr/>
+            </p:nvSpPr>
+            <p:spPr>
+              <a:xfrm rot="14499413">
+                <a:off x="-122761" y="5046224"/>
+                <a:ext cx="1079500" cy="2792602"/>
+              </a:xfrm>
+              <a:prstGeom prst="upDownArrow">
+                <a:avLst/>
+              </a:prstGeom>
+            </p:spPr>
+            <p:style>
+              <a:lnRef idx="2">
+                <a:schemeClr val="accent3">
+                  <a:shade val="50000"/>
+                </a:schemeClr>
+              </a:lnRef>
+              <a:fillRef idx="1">
+                <a:schemeClr val="accent3"/>
+              </a:fillRef>
+              <a:effectRef idx="0">
+                <a:schemeClr val="accent3"/>
+              </a:effectRef>
+              <a:fontRef idx="minor">
+                <a:schemeClr val="lt1"/>
+              </a:fontRef>
+            </p:style>
+            <p:txBody>
+              <a:bodyPr vert="vert" rtlCol="0" anchor="ctr"/>
+              <a:lstStyle/>
+              <a:p>
+                <a:pPr algn="ctr"/>
+                <a:r>
+                  <a:rPr lang="pt-PT" sz="3200" dirty="0" err="1"/>
+                  <a:t>logs</a:t>
+                </a:r>
+                <a:endParaRPr lang="en-US" sz="3200" dirty="0"/>
+              </a:p>
+            </p:txBody>
+          </p:sp>
+          <p:sp>
+            <p:nvSpPr>
+              <p:cNvPr id="42" name="Arrow: Up-Down 41">
+                <a:extLst>
+                  <a:ext uri="{FF2B5EF4-FFF2-40B4-BE49-F238E27FC236}">
+                    <a16:creationId xmlns:a16="http://schemas.microsoft.com/office/drawing/2014/main" id="{8E80CADA-7209-4902-983C-4ED9AD3AE77C}"/>
+                  </a:ext>
+                </a:extLst>
+              </p:cNvPr>
+              <p:cNvSpPr/>
+              <p:nvPr/>
+            </p:nvSpPr>
+            <p:spPr>
+              <a:xfrm rot="7100587" flipH="1">
+                <a:off x="-69169" y="2311060"/>
+                <a:ext cx="1079500" cy="2792602"/>
+              </a:xfrm>
+              <a:prstGeom prst="upDownArrow">
+                <a:avLst/>
+              </a:prstGeom>
+            </p:spPr>
+            <p:style>
+              <a:lnRef idx="2">
+                <a:schemeClr val="accent3">
+                  <a:shade val="50000"/>
+                </a:schemeClr>
+              </a:lnRef>
+              <a:fillRef idx="1">
+                <a:schemeClr val="accent3"/>
+              </a:fillRef>
+              <a:effectRef idx="0">
+                <a:schemeClr val="accent3"/>
+              </a:effectRef>
+              <a:fontRef idx="minor">
+                <a:schemeClr val="lt1"/>
+              </a:fontRef>
+            </p:style>
+            <p:txBody>
+              <a:bodyPr vert="vert270" rtlCol="0" anchor="ctr"/>
+              <a:lstStyle/>
+              <a:p>
+                <a:pPr algn="ctr"/>
+                <a:r>
+                  <a:rPr lang="pt-PT" sz="3200" dirty="0" err="1"/>
+                  <a:t>emotions</a:t>
+                </a:r>
+                <a:endParaRPr lang="en-US" sz="3200" dirty="0"/>
+              </a:p>
+            </p:txBody>
+          </p:sp>
+          <p:grpSp>
+            <p:nvGrpSpPr>
+              <p:cNvPr id="1034" name="Group 1033">
+                <a:extLst>
+                  <a:ext uri="{FF2B5EF4-FFF2-40B4-BE49-F238E27FC236}">
+                    <a16:creationId xmlns:a16="http://schemas.microsoft.com/office/drawing/2014/main" id="{F7E45A58-AF74-4D27-879A-BE14B1BD7B0A}"/>
+                  </a:ext>
+                </a:extLst>
+              </p:cNvPr>
+              <p:cNvGrpSpPr/>
+              <p:nvPr/>
+            </p:nvGrpSpPr>
+            <p:grpSpPr>
+              <a:xfrm>
+                <a:off x="-3563015" y="5757018"/>
+                <a:ext cx="2743200" cy="2743200"/>
+                <a:chOff x="-3581917" y="5297072"/>
+                <a:chExt cx="2743200" cy="2743200"/>
               </a:xfrm>
             </p:grpSpPr>
             <p:sp>
               <p:nvSpPr>
-                <p:cNvPr id="23" name="Rectangle: Rounded Corners 22">
+                <p:cNvPr id="44" name="Rectangle: Rounded Corners 43">
                   <a:extLst>
                     <a:ext uri="{FF2B5EF4-FFF2-40B4-BE49-F238E27FC236}">
-                      <a16:creationId xmlns:a16="http://schemas.microsoft.com/office/drawing/2014/main" id="{97C0B273-4892-4C2D-8D6A-F02685D947C1}"/>
+                      <a16:creationId xmlns:a16="http://schemas.microsoft.com/office/drawing/2014/main" id="{2D418C21-8AE3-4376-8B13-6DC1169DDC3D}"/>
                     </a:ext>
                   </a:extLst>
                 </p:cNvPr>
@@ -4110,14 +4556,14 @@
               </p:nvSpPr>
               <p:spPr>
                 <a:xfrm>
-                  <a:off x="5496061" y="2144522"/>
-                  <a:ext cx="2743200" cy="5807453"/>
+                  <a:off x="-3581917" y="5297072"/>
+                  <a:ext cx="2743200" cy="2743200"/>
                 </a:xfrm>
                 <a:prstGeom prst="roundRect">
                   <a:avLst/>
                 </a:prstGeom>
                 <a:solidFill>
-                  <a:srgbClr val="C00000"/>
+                  <a:schemeClr val="accent6"/>
                 </a:solidFill>
                 <a:ln>
                   <a:noFill/>
@@ -4140,14 +4586,11 @@
                 </a:fontRef>
               </p:style>
               <p:txBody>
-                <a:bodyPr rtlCol="0" anchor="t"/>
+                <a:bodyPr rtlCol="0" anchor="ctr"/>
                 <a:lstStyle/>
                 <a:p>
                   <a:pPr algn="ctr"/>
-                  <a:r>
-                    <a:rPr lang="pt-PT" sz="3200" dirty="0"/>
-                    <a:t>UI</a:t>
-                  </a:r>
+                  <a:endParaRPr lang="pt-PT" sz="2400" dirty="0"/>
                 </a:p>
                 <a:p>
                   <a:pPr algn="ctr"/>
@@ -4166,16 +4609,92 @@
                 </a:p>
                 <a:p>
                   <a:pPr algn="ctr"/>
+                  <a:r>
+                    <a:rPr lang="pt-PT" sz="3600" dirty="0"/>
+                    <a:t>ELK </a:t>
+                  </a:r>
+                  <a:r>
+                    <a:rPr lang="pt-PT" sz="3600" dirty="0" err="1"/>
+                    <a:t>Stack</a:t>
+                  </a:r>
                   <a:endParaRPr lang="en-US" sz="2400" dirty="0"/>
                 </a:p>
               </p:txBody>
             </p:sp>
+            <p:pic>
+              <p:nvPicPr>
+                <p:cNvPr id="1040" name="Picture 16" descr="How To Install ELK Stack on Debian 9 - idroot">
+                  <a:extLst>
+                    <a:ext uri="{FF2B5EF4-FFF2-40B4-BE49-F238E27FC236}">
+                      <a16:creationId xmlns:a16="http://schemas.microsoft.com/office/drawing/2014/main" id="{07B78632-3A6A-4A14-8489-4E20E5CB4D29}"/>
+                    </a:ext>
+                  </a:extLst>
+                </p:cNvPr>
+                <p:cNvPicPr>
+                  <a:picLocks noChangeAspect="1" noChangeArrowheads="1"/>
+                </p:cNvPicPr>
+                <p:nvPr/>
+              </p:nvPicPr>
+              <p:blipFill>
+                <a:blip r:embed="rId11">
+                  <a:extLst>
+                    <a:ext uri="{28A0092B-C50C-407E-A947-70E740481C1C}">
+                      <a14:useLocalDpi xmlns:a14="http://schemas.microsoft.com/office/drawing/2010/main" val="0"/>
+                    </a:ext>
+                  </a:extLst>
+                </a:blip>
+                <a:srcRect/>
+                <a:stretch>
+                  <a:fillRect/>
+                </a:stretch>
+              </p:blipFill>
+              <p:spPr bwMode="auto">
+                <a:xfrm>
+                  <a:off x="-3380659" y="5513730"/>
+                  <a:ext cx="2313596" cy="1831597"/>
+                </a:xfrm>
+                <a:prstGeom prst="rect">
+                  <a:avLst/>
+                </a:prstGeom>
+                <a:noFill/>
+                <a:extLst>
+                  <a:ext uri="{909E8E84-426E-40DD-AFC4-6F175D3DCCD1}">
+                    <a14:hiddenFill xmlns:a14="http://schemas.microsoft.com/office/drawing/2010/main">
+                      <a:solidFill>
+                        <a:srgbClr val="FFFFFF"/>
+                      </a:solidFill>
+                    </a14:hiddenFill>
+                  </a:ext>
+                </a:extLst>
+              </p:spPr>
+            </p:pic>
+          </p:grpSp>
+          <p:grpSp>
+            <p:nvGrpSpPr>
+              <p:cNvPr id="1033" name="Group 1032">
+                <a:extLst>
+                  <a:ext uri="{FF2B5EF4-FFF2-40B4-BE49-F238E27FC236}">
+                    <a16:creationId xmlns:a16="http://schemas.microsoft.com/office/drawing/2014/main" id="{0CB962AA-F7AC-4FFC-8E27-66A50D371B96}"/>
+                  </a:ext>
+                </a:extLst>
+              </p:cNvPr>
+              <p:cNvGrpSpPr/>
+              <p:nvPr/>
+            </p:nvGrpSpPr>
+            <p:grpSpPr>
+              <a:xfrm>
+                <a:off x="-3558558" y="1639576"/>
+                <a:ext cx="2825485" cy="2743200"/>
+                <a:chOff x="-3564126" y="2076602"/>
+                <a:chExt cx="2825485" cy="2743200"/>
+              </a:xfrm>
+            </p:grpSpPr>
             <p:sp>
               <p:nvSpPr>
-                <p:cNvPr id="24" name="Rectangle: Rounded Corners 23">
+                <p:cNvPr id="43" name="Rectangle: Rounded Corners 42">
                   <a:extLst>
                     <a:ext uri="{FF2B5EF4-FFF2-40B4-BE49-F238E27FC236}">
-                      <a16:creationId xmlns:a16="http://schemas.microsoft.com/office/drawing/2014/main" id="{7D839843-6AC8-453B-BFE0-D4D60762B281}"/>
+                      <a16:creationId xmlns:a16="http://schemas.microsoft.com/office/drawing/2014/main" id="{A1520B54-A5E6-4034-933C-A7C5AB6E3EE9}"/>
                     </a:ext>
                   </a:extLst>
                 </p:cNvPr>
@@ -4184,14 +4703,14 @@
               </p:nvSpPr>
               <p:spPr>
                 <a:xfrm>
-                  <a:off x="5671689" y="5885823"/>
-                  <a:ext cx="2437095" cy="1869303"/>
+                  <a:off x="-3564126" y="2076602"/>
+                  <a:ext cx="2743200" cy="2743200"/>
                 </a:xfrm>
                 <a:prstGeom prst="roundRect">
                   <a:avLst/>
                 </a:prstGeom>
                 <a:solidFill>
-                  <a:srgbClr val="FF0000"/>
+                  <a:schemeClr val="accent6"/>
                 </a:solidFill>
                 <a:ln>
                   <a:noFill/>
@@ -4214,21 +4733,32 @@
                 </a:fontRef>
               </p:style>
               <p:txBody>
-                <a:bodyPr rtlCol="0" anchor="t"/>
+                <a:bodyPr rtlCol="0" anchor="ctr"/>
                 <a:lstStyle/>
                 <a:p>
                   <a:pPr algn="ctr"/>
+                  <a:endParaRPr lang="pt-PT" sz="2400" dirty="0"/>
+                </a:p>
+                <a:p>
+                  <a:pPr algn="ctr"/>
+                  <a:endParaRPr lang="pt-PT" sz="2400" dirty="0"/>
+                </a:p>
+                <a:p>
+                  <a:pPr algn="ctr"/>
+                  <a:endParaRPr lang="pt-PT" sz="2400" dirty="0"/>
+                </a:p>
+                <a:p>
+                  <a:pPr algn="ctr"/>
+                  <a:br>
+                    <a:rPr lang="pt-PT" sz="2400" dirty="0"/>
+                  </a:br>
+                  <a:endParaRPr lang="pt-PT" sz="2400" dirty="0"/>
+                </a:p>
+                <a:p>
+                  <a:pPr algn="ctr"/>
                   <a:r>
-                    <a:rPr lang="pt-PT" sz="2400" dirty="0" err="1"/>
-                    <a:t>Speech</a:t>
-                  </a:r>
-                  <a:r>
-                    <a:rPr lang="pt-PT" sz="2400" dirty="0"/>
-                    <a:t> </a:t>
-                  </a:r>
-                  <a:r>
-                    <a:rPr lang="pt-PT" sz="2400" dirty="0" err="1"/>
-                    <a:t>Recognition</a:t>
+                    <a:rPr lang="pt-PT" sz="3600" dirty="0" err="1"/>
+                    <a:t>Database</a:t>
                   </a:r>
                   <a:endParaRPr lang="en-US" sz="2400" dirty="0"/>
                 </a:p>
@@ -4236,10 +4766,10 @@
             </p:sp>
             <p:pic>
               <p:nvPicPr>
-                <p:cNvPr id="14" name="Picture 13">
+                <p:cNvPr id="1031" name="Picture 1030">
                   <a:extLst>
                     <a:ext uri="{FF2B5EF4-FFF2-40B4-BE49-F238E27FC236}">
-                      <a16:creationId xmlns:a16="http://schemas.microsoft.com/office/drawing/2014/main" id="{E71AAF5D-AA91-4EDD-9D67-FAF784B9E03D}"/>
+                      <a16:creationId xmlns:a16="http://schemas.microsoft.com/office/drawing/2014/main" id="{B50F3CC7-1367-48A3-BAEC-FBEF3653B1AE}"/>
                     </a:ext>
                   </a:extLst>
                 </p:cNvPr>
@@ -4249,45 +4779,15 @@
                 <p:nvPr/>
               </p:nvPicPr>
               <p:blipFill>
-                <a:blip r:embed="rId7"/>
+                <a:blip r:embed="rId12"/>
                 <a:stretch>
                   <a:fillRect/>
                 </a:stretch>
               </p:blipFill>
               <p:spPr>
                 <a:xfrm>
-                  <a:off x="5671690" y="3146803"/>
-                  <a:ext cx="2437095" cy="1215646"/>
-                </a:xfrm>
-                <a:prstGeom prst="rect">
-                  <a:avLst/>
-                </a:prstGeom>
-              </p:spPr>
-            </p:pic>
-            <p:pic>
-              <p:nvPicPr>
-                <p:cNvPr id="16" name="Picture 15">
-                  <a:extLst>
-                    <a:ext uri="{FF2B5EF4-FFF2-40B4-BE49-F238E27FC236}">
-                      <a16:creationId xmlns:a16="http://schemas.microsoft.com/office/drawing/2014/main" id="{52D24885-C3DF-4547-8206-418E04B7D592}"/>
-                    </a:ext>
-                  </a:extLst>
-                </p:cNvPr>
-                <p:cNvPicPr>
-                  <a:picLocks noChangeAspect="1"/>
-                </p:cNvPicPr>
-                <p:nvPr/>
-              </p:nvPicPr>
-              <p:blipFill>
-                <a:blip r:embed="rId8"/>
-                <a:stretch>
-                  <a:fillRect/>
-                </a:stretch>
-              </p:blipFill>
-              <p:spPr>
-                <a:xfrm>
-                  <a:off x="5578346" y="4765057"/>
-                  <a:ext cx="2578630" cy="638780"/>
+                  <a:off x="-3544530" y="2187100"/>
+                  <a:ext cx="2805889" cy="1945042"/>
                 </a:xfrm>
                 <a:prstGeom prst="rect">
                   <a:avLst/>
@@ -4295,12 +4795,181 @@
               </p:spPr>
             </p:pic>
           </p:grpSp>
+          <p:sp>
+            <p:nvSpPr>
+              <p:cNvPr id="1035" name="TextBox 1034">
+                <a:extLst>
+                  <a:ext uri="{FF2B5EF4-FFF2-40B4-BE49-F238E27FC236}">
+                    <a16:creationId xmlns:a16="http://schemas.microsoft.com/office/drawing/2014/main" id="{B6DF67A5-E1A6-4491-B741-12806068FF9C}"/>
+                  </a:ext>
+                </a:extLst>
+              </p:cNvPr>
+              <p:cNvSpPr txBox="1"/>
+              <p:nvPr/>
+            </p:nvSpPr>
+            <p:spPr>
+              <a:xfrm>
+                <a:off x="-3199338" y="11115848"/>
+                <a:ext cx="3067715" cy="646331"/>
+              </a:xfrm>
+              <a:prstGeom prst="rect">
+                <a:avLst/>
+              </a:prstGeom>
+              <a:noFill/>
+            </p:spPr>
+            <p:txBody>
+              <a:bodyPr wrap="square" rtlCol="0">
+                <a:spAutoFit/>
+              </a:bodyPr>
+              <a:lstStyle/>
+              <a:p>
+                <a:pPr algn="ctr"/>
+                <a:r>
+                  <a:rPr lang="pt-PT" sz="3600" dirty="0"/>
+                  <a:t>e.g. </a:t>
+                </a:r>
+                <a:r>
+                  <a:rPr lang="pt-PT" sz="3600" dirty="0" err="1"/>
+                  <a:t>Doctor</a:t>
+                </a:r>
+                <a:endParaRPr lang="en-US" sz="3600" dirty="0"/>
+              </a:p>
+            </p:txBody>
+          </p:sp>
+          <p:sp>
+            <p:nvSpPr>
+              <p:cNvPr id="51" name="TextBox 50">
+                <a:extLst>
+                  <a:ext uri="{FF2B5EF4-FFF2-40B4-BE49-F238E27FC236}">
+                    <a16:creationId xmlns:a16="http://schemas.microsoft.com/office/drawing/2014/main" id="{62883D7C-676A-4AFC-92DB-E1E158E6EB8F}"/>
+                  </a:ext>
+                </a:extLst>
+              </p:cNvPr>
+              <p:cNvSpPr txBox="1"/>
+              <p:nvPr/>
+            </p:nvSpPr>
+            <p:spPr>
+              <a:xfrm>
+                <a:off x="10403675" y="10274298"/>
+                <a:ext cx="3067715" cy="1200329"/>
+              </a:xfrm>
+              <a:prstGeom prst="rect">
+                <a:avLst/>
+              </a:prstGeom>
+              <a:noFill/>
+            </p:spPr>
+            <p:txBody>
+              <a:bodyPr wrap="square" rtlCol="0">
+                <a:spAutoFit/>
+              </a:bodyPr>
+              <a:lstStyle/>
+              <a:p>
+                <a:pPr algn="ctr"/>
+                <a:r>
+                  <a:rPr lang="pt-PT" sz="3600" dirty="0"/>
+                  <a:t>User</a:t>
+                </a:r>
+              </a:p>
+              <a:p>
+                <a:pPr algn="ctr"/>
+                <a:r>
+                  <a:rPr lang="pt-PT" sz="3600" dirty="0"/>
+                  <a:t>e.g. a </a:t>
+                </a:r>
+                <a:r>
+                  <a:rPr lang="pt-PT" sz="3600" dirty="0" err="1"/>
+                  <a:t>Patient</a:t>
+                </a:r>
+                <a:endParaRPr lang="en-US" sz="3600" dirty="0"/>
+              </a:p>
+            </p:txBody>
+          </p:sp>
+          <p:sp>
+            <p:nvSpPr>
+              <p:cNvPr id="59" name="Rectangle: Rounded Corners 58">
+                <a:extLst>
+                  <a:ext uri="{FF2B5EF4-FFF2-40B4-BE49-F238E27FC236}">
+                    <a16:creationId xmlns:a16="http://schemas.microsoft.com/office/drawing/2014/main" id="{78EF4760-00D9-42C0-9AFE-EE6DB8C14430}"/>
+                  </a:ext>
+                </a:extLst>
+              </p:cNvPr>
+              <p:cNvSpPr/>
+              <p:nvPr/>
+            </p:nvSpPr>
+            <p:spPr>
+              <a:xfrm>
+                <a:off x="7844704" y="-1859363"/>
+                <a:ext cx="2743200" cy="2743200"/>
+              </a:xfrm>
+              <a:prstGeom prst="roundRect">
+                <a:avLst/>
+              </a:prstGeom>
+              <a:solidFill>
+                <a:schemeClr val="bg1">
+                  <a:lumMod val="50000"/>
+                </a:schemeClr>
+              </a:solidFill>
+              <a:ln>
+                <a:noFill/>
+              </a:ln>
+            </p:spPr>
+            <p:style>
+              <a:lnRef idx="2">
+                <a:schemeClr val="accent1">
+                  <a:shade val="50000"/>
+                </a:schemeClr>
+              </a:lnRef>
+              <a:fillRef idx="1">
+                <a:schemeClr val="accent1"/>
+              </a:fillRef>
+              <a:effectRef idx="0">
+                <a:schemeClr val="accent1"/>
+              </a:effectRef>
+              <a:fontRef idx="minor">
+                <a:schemeClr val="lt1"/>
+              </a:fontRef>
+            </p:style>
+            <p:txBody>
+              <a:bodyPr rtlCol="0" anchor="ctr"/>
+              <a:lstStyle/>
+              <a:p>
+                <a:pPr algn="ctr"/>
+                <a:r>
+                  <a:rPr lang="pt-PT" sz="2400" dirty="0"/>
+                  <a:t>Sensor</a:t>
+                </a:r>
+              </a:p>
+              <a:p>
+                <a:pPr algn="ctr"/>
+                <a:endParaRPr lang="pt-PT" sz="2400" dirty="0"/>
+              </a:p>
+              <a:p>
+                <a:pPr algn="ctr"/>
+                <a:endParaRPr lang="pt-PT" sz="2400" dirty="0"/>
+              </a:p>
+              <a:p>
+                <a:pPr algn="ctr"/>
+                <a:br>
+                  <a:rPr lang="pt-PT" sz="2400" dirty="0"/>
+                </a:br>
+                <a:endParaRPr lang="pt-PT" sz="2400" dirty="0"/>
+              </a:p>
+              <a:p>
+                <a:pPr algn="ctr"/>
+                <a:r>
+                  <a:rPr lang="pt-PT" sz="3600" dirty="0" err="1"/>
+                  <a:t>Camera</a:t>
+                </a:r>
+                <a:endParaRPr lang="en-US" sz="2400" dirty="0"/>
+              </a:p>
+            </p:txBody>
+          </p:sp>
           <p:pic>
             <p:nvPicPr>
-              <p:cNvPr id="20" name="Picture 19">
+              <p:cNvPr id="1037" name="Graphic 1036" descr="Web cam">
                 <a:extLst>
                   <a:ext uri="{FF2B5EF4-FFF2-40B4-BE49-F238E27FC236}">
-                    <a16:creationId xmlns:a16="http://schemas.microsoft.com/office/drawing/2014/main" id="{69E079EF-11E5-45EF-8A97-1E3319D9B155}"/>
+                    <a16:creationId xmlns:a16="http://schemas.microsoft.com/office/drawing/2014/main" id="{D74D3CD1-F119-49EB-94C3-A9966218A651}"/>
                   </a:ext>
                 </a:extLst>
               </p:cNvPr>
@@ -4310,224 +4979,86 @@
               <p:nvPr/>
             </p:nvPicPr>
             <p:blipFill>
-              <a:blip r:embed="rId9"/>
+              <a:blip r:embed="rId13">
+                <a:extLst>
+                  <a:ext uri="{28A0092B-C50C-407E-A947-70E740481C1C}">
+                    <a14:useLocalDpi xmlns:a14="http://schemas.microsoft.com/office/drawing/2010/main" val="0"/>
+                  </a:ext>
+                  <a:ext uri="{96DAC541-7B7A-43D3-8B79-37D633B846F1}">
+                    <asvg:svgBlip xmlns:asvg="http://schemas.microsoft.com/office/drawing/2016/SVG/main" r:embed="rId14"/>
+                  </a:ext>
+                </a:extLst>
+              </a:blip>
               <a:stretch>
                 <a:fillRect/>
               </a:stretch>
             </p:blipFill>
             <p:spPr>
               <a:xfrm>
-                <a:off x="8019916" y="7469807"/>
-                <a:ext cx="2392777" cy="609924"/>
+                <a:off x="8401050" y="-1303017"/>
+                <a:ext cx="1605020" cy="1605020"/>
               </a:xfrm>
               <a:prstGeom prst="rect">
                 <a:avLst/>
               </a:prstGeom>
             </p:spPr>
           </p:pic>
-        </p:grpSp>
-        <p:pic>
-          <p:nvPicPr>
-            <p:cNvPr id="1027" name="Picture 1026">
-              <a:extLst>
-                <a:ext uri="{FF2B5EF4-FFF2-40B4-BE49-F238E27FC236}">
-                  <a16:creationId xmlns:a16="http://schemas.microsoft.com/office/drawing/2014/main" id="{3479D25C-B55D-47E5-97C0-9BCE3658A41C}"/>
-                </a:ext>
-              </a:extLst>
-            </p:cNvPr>
-            <p:cNvPicPr>
-              <a:picLocks noChangeAspect="1"/>
-            </p:cNvPicPr>
-            <p:nvPr/>
-          </p:nvPicPr>
-          <p:blipFill>
-            <a:blip r:embed="rId10"/>
-            <a:stretch>
-              <a:fillRect/>
-            </a:stretch>
-          </p:blipFill>
-          <p:spPr>
-            <a:xfrm>
-              <a:off x="8179580" y="9195556"/>
-              <a:ext cx="2746102" cy="2748794"/>
-            </a:xfrm>
-            <a:prstGeom prst="rect">
-              <a:avLst/>
-            </a:prstGeom>
-          </p:spPr>
-        </p:pic>
-        <p:sp>
-          <p:nvSpPr>
-            <p:cNvPr id="39" name="Arrow: Up-Down 38">
-              <a:extLst>
-                <a:ext uri="{FF2B5EF4-FFF2-40B4-BE49-F238E27FC236}">
-                  <a16:creationId xmlns:a16="http://schemas.microsoft.com/office/drawing/2014/main" id="{C6D2E027-8F6C-4009-BEA3-29A37D7B862A}"/>
-                </a:ext>
-              </a:extLst>
-            </p:cNvPr>
-            <p:cNvSpPr/>
-            <p:nvPr/>
-          </p:nvSpPr>
-          <p:spPr>
-            <a:xfrm>
-              <a:off x="8631820" y="7495473"/>
-              <a:ext cx="1079500" cy="2057668"/>
-            </a:xfrm>
-            <a:prstGeom prst="upDownArrow">
-              <a:avLst/>
-            </a:prstGeom>
-          </p:spPr>
-          <p:style>
-            <a:lnRef idx="2">
-              <a:schemeClr val="accent3">
-                <a:shade val="50000"/>
-              </a:schemeClr>
-            </a:lnRef>
-            <a:fillRef idx="1">
-              <a:schemeClr val="accent3"/>
-            </a:fillRef>
-            <a:effectRef idx="0">
-              <a:schemeClr val="accent3"/>
-            </a:effectRef>
-            <a:fontRef idx="minor">
-              <a:schemeClr val="lt1"/>
-            </a:fontRef>
-          </p:style>
-          <p:txBody>
-            <a:bodyPr rtlCol="0" anchor="ctr"/>
-            <a:lstStyle/>
-            <a:p>
-              <a:pPr algn="ctr"/>
-              <a:endParaRPr lang="en-US" sz="3200" dirty="0"/>
-            </a:p>
-          </p:txBody>
-        </p:sp>
-        <p:sp>
-          <p:nvSpPr>
-            <p:cNvPr id="41" name="Arrow: Up-Down 40">
-              <a:extLst>
-                <a:ext uri="{FF2B5EF4-FFF2-40B4-BE49-F238E27FC236}">
-                  <a16:creationId xmlns:a16="http://schemas.microsoft.com/office/drawing/2014/main" id="{41EB99D4-B044-4AA1-B7FE-7804D79FFEB4}"/>
-                </a:ext>
-              </a:extLst>
-            </p:cNvPr>
-            <p:cNvSpPr/>
-            <p:nvPr/>
-          </p:nvSpPr>
-          <p:spPr>
-            <a:xfrm rot="14499413">
-              <a:off x="-122761" y="5046224"/>
-              <a:ext cx="1079500" cy="2792602"/>
-            </a:xfrm>
-            <a:prstGeom prst="upDownArrow">
-              <a:avLst/>
-            </a:prstGeom>
-          </p:spPr>
-          <p:style>
-            <a:lnRef idx="2">
-              <a:schemeClr val="accent3">
-                <a:shade val="50000"/>
-              </a:schemeClr>
-            </a:lnRef>
-            <a:fillRef idx="1">
-              <a:schemeClr val="accent3"/>
-            </a:fillRef>
-            <a:effectRef idx="0">
-              <a:schemeClr val="accent3"/>
-            </a:effectRef>
-            <a:fontRef idx="minor">
-              <a:schemeClr val="lt1"/>
-            </a:fontRef>
-          </p:style>
-          <p:txBody>
-            <a:bodyPr vert="vert" rtlCol="0" anchor="ctr"/>
-            <a:lstStyle/>
-            <a:p>
-              <a:pPr algn="ctr"/>
-              <a:r>
-                <a:rPr lang="pt-PT" sz="3200" dirty="0" err="1"/>
-                <a:t>logs</a:t>
-              </a:r>
-              <a:endParaRPr lang="en-US" sz="3200" dirty="0"/>
-            </a:p>
-          </p:txBody>
-        </p:sp>
-        <p:sp>
-          <p:nvSpPr>
-            <p:cNvPr id="42" name="Arrow: Up-Down 41">
-              <a:extLst>
-                <a:ext uri="{FF2B5EF4-FFF2-40B4-BE49-F238E27FC236}">
-                  <a16:creationId xmlns:a16="http://schemas.microsoft.com/office/drawing/2014/main" id="{8E80CADA-7209-4902-983C-4ED9AD3AE77C}"/>
-                </a:ext>
-              </a:extLst>
-            </p:cNvPr>
-            <p:cNvSpPr/>
-            <p:nvPr/>
-          </p:nvSpPr>
-          <p:spPr>
-            <a:xfrm rot="7100587" flipH="1">
-              <a:off x="-69169" y="2311060"/>
-              <a:ext cx="1079500" cy="2792602"/>
-            </a:xfrm>
-            <a:prstGeom prst="upDownArrow">
-              <a:avLst/>
-            </a:prstGeom>
-          </p:spPr>
-          <p:style>
-            <a:lnRef idx="2">
-              <a:schemeClr val="accent3">
-                <a:shade val="50000"/>
-              </a:schemeClr>
-            </a:lnRef>
-            <a:fillRef idx="1">
-              <a:schemeClr val="accent3"/>
-            </a:fillRef>
-            <a:effectRef idx="0">
-              <a:schemeClr val="accent3"/>
-            </a:effectRef>
-            <a:fontRef idx="minor">
-              <a:schemeClr val="lt1"/>
-            </a:fontRef>
-          </p:style>
-          <p:txBody>
-            <a:bodyPr vert="vert270" rtlCol="0" anchor="ctr"/>
-            <a:lstStyle/>
-            <a:p>
-              <a:pPr algn="ctr"/>
-              <a:r>
-                <a:rPr lang="pt-PT" sz="3200" dirty="0" err="1"/>
-                <a:t>emotions</a:t>
-              </a:r>
-              <a:endParaRPr lang="en-US" sz="3200" dirty="0"/>
-            </a:p>
-          </p:txBody>
-        </p:sp>
-        <p:grpSp>
-          <p:nvGrpSpPr>
-            <p:cNvPr id="1034" name="Group 1033">
-              <a:extLst>
-                <a:ext uri="{FF2B5EF4-FFF2-40B4-BE49-F238E27FC236}">
-                  <a16:creationId xmlns:a16="http://schemas.microsoft.com/office/drawing/2014/main" id="{F7E45A58-AF74-4D27-879A-BE14B1BD7B0A}"/>
-                </a:ext>
-              </a:extLst>
-            </p:cNvPr>
-            <p:cNvGrpSpPr/>
-            <p:nvPr/>
-          </p:nvGrpSpPr>
-          <p:grpSpPr>
-            <a:xfrm>
-              <a:off x="-3563015" y="5757018"/>
-              <a:ext cx="2743200" cy="2743200"/>
-              <a:chOff x="-3581917" y="5297072"/>
-              <a:chExt cx="2743200" cy="2743200"/>
-            </a:xfrm>
-          </p:grpSpPr>
           <p:sp>
             <p:nvSpPr>
-              <p:cNvPr id="44" name="Rectangle: Rounded Corners 43">
+              <p:cNvPr id="63" name="Arrow: Up-Down 62">
                 <a:extLst>
                   <a:ext uri="{FF2B5EF4-FFF2-40B4-BE49-F238E27FC236}">
-                    <a16:creationId xmlns:a16="http://schemas.microsoft.com/office/drawing/2014/main" id="{2D418C21-8AE3-4376-8B13-6DC1169DDC3D}"/>
+                    <a16:creationId xmlns:a16="http://schemas.microsoft.com/office/drawing/2014/main" id="{54767FA8-B3DA-427A-A8E6-8948E5FE7BA0}"/>
+                  </a:ext>
+                </a:extLst>
+              </p:cNvPr>
+              <p:cNvSpPr/>
+              <p:nvPr/>
+            </p:nvSpPr>
+            <p:spPr>
+              <a:xfrm rot="7100587" flipH="1">
+                <a:off x="5730407" y="-3468475"/>
+                <a:ext cx="1079500" cy="3398090"/>
+              </a:xfrm>
+              <a:prstGeom prst="upDownArrow">
+                <a:avLst/>
+              </a:prstGeom>
+            </p:spPr>
+            <p:style>
+              <a:lnRef idx="2">
+                <a:schemeClr val="accent3">
+                  <a:shade val="50000"/>
+                </a:schemeClr>
+              </a:lnRef>
+              <a:fillRef idx="1">
+                <a:schemeClr val="accent3"/>
+              </a:fillRef>
+              <a:effectRef idx="0">
+                <a:schemeClr val="accent3"/>
+              </a:effectRef>
+              <a:fontRef idx="minor">
+                <a:schemeClr val="lt1"/>
+              </a:fontRef>
+            </p:style>
+            <p:txBody>
+              <a:bodyPr vert="vert270" rtlCol="0" anchor="ctr"/>
+              <a:lstStyle/>
+              <a:p>
+                <a:pPr algn="ctr"/>
+                <a:r>
+                  <a:rPr lang="pt-PT" sz="3200" dirty="0" err="1"/>
+                  <a:t>image</a:t>
+                </a:r>
+                <a:endParaRPr lang="en-US" sz="3200" dirty="0"/>
+              </a:p>
+            </p:txBody>
+          </p:sp>
+          <p:sp>
+            <p:nvSpPr>
+              <p:cNvPr id="65" name="Rectangle: Rounded Corners 64">
+                <a:extLst>
+                  <a:ext uri="{FF2B5EF4-FFF2-40B4-BE49-F238E27FC236}">
+                    <a16:creationId xmlns:a16="http://schemas.microsoft.com/office/drawing/2014/main" id="{C5900481-34D8-475F-B1F1-BFC6144E5E20}"/>
                   </a:ext>
                 </a:extLst>
               </p:cNvPr>
@@ -4536,7 +5067,7 @@
             </p:nvSpPr>
             <p:spPr>
               <a:xfrm>
-                <a:off x="-3581917" y="5297072"/>
+                <a:off x="1947790" y="-3817497"/>
                 <a:ext cx="2743200" cy="2743200"/>
               </a:xfrm>
               <a:prstGeom prst="roundRect">
@@ -4591,11 +5122,7 @@
                 <a:pPr algn="ctr"/>
                 <a:r>
                   <a:rPr lang="pt-PT" sz="3600" dirty="0"/>
-                  <a:t>ELK </a:t>
-                </a:r>
-                <a:r>
-                  <a:rPr lang="pt-PT" sz="3600" dirty="0" err="1"/>
-                  <a:t>Stack</a:t>
+                  <a:t>Broker</a:t>
                 </a:r>
                 <a:endParaRPr lang="en-US" sz="2400" dirty="0"/>
               </a:p>
@@ -4603,10 +5130,10 @@
           </p:sp>
           <p:pic>
             <p:nvPicPr>
-              <p:cNvPr id="1040" name="Picture 16" descr="How To Install ELK Stack on Debian 9 - idroot">
+              <p:cNvPr id="1046" name="Picture 22" descr="asf - Revision 1878756: /kafka/site/logos">
                 <a:extLst>
                   <a:ext uri="{FF2B5EF4-FFF2-40B4-BE49-F238E27FC236}">
-                    <a16:creationId xmlns:a16="http://schemas.microsoft.com/office/drawing/2014/main" id="{07B78632-3A6A-4A14-8489-4E20E5CB4D29}"/>
+                    <a16:creationId xmlns:a16="http://schemas.microsoft.com/office/drawing/2014/main" id="{6BD39144-02E6-478E-8A07-80E92BB286C5}"/>
                   </a:ext>
                 </a:extLst>
               </p:cNvPr>
@@ -4616,7 +5143,7 @@
               <p:nvPr/>
             </p:nvPicPr>
             <p:blipFill>
-              <a:blip r:embed="rId11">
+              <a:blip r:embed="rId15">
                 <a:extLst>
                   <a:ext uri="{28A0092B-C50C-407E-A947-70E740481C1C}">
                     <a14:useLocalDpi xmlns:a14="http://schemas.microsoft.com/office/drawing/2010/main" val="0"/>
@@ -4630,8 +5157,8 @@
             </p:blipFill>
             <p:spPr bwMode="auto">
               <a:xfrm>
-                <a:off x="-3380659" y="5513730"/>
-                <a:ext cx="2313596" cy="1831597"/>
+                <a:off x="2368473" y="-3817498"/>
+                <a:ext cx="1875992" cy="2042219"/>
               </a:xfrm>
               <a:prstGeom prst="rect">
                 <a:avLst/>
@@ -4648,33 +5175,12 @@
               </a:extLst>
             </p:spPr>
           </p:pic>
-        </p:grpSp>
-        <p:grpSp>
-          <p:nvGrpSpPr>
-            <p:cNvPr id="1033" name="Group 1032">
-              <a:extLst>
-                <a:ext uri="{FF2B5EF4-FFF2-40B4-BE49-F238E27FC236}">
-                  <a16:creationId xmlns:a16="http://schemas.microsoft.com/office/drawing/2014/main" id="{0CB962AA-F7AC-4FFC-8E27-66A50D371B96}"/>
-                </a:ext>
-              </a:extLst>
-            </p:cNvPr>
-            <p:cNvGrpSpPr/>
-            <p:nvPr/>
-          </p:nvGrpSpPr>
-          <p:grpSpPr>
-            <a:xfrm>
-              <a:off x="-3558558" y="1639576"/>
-              <a:ext cx="2825485" cy="2743200"/>
-              <a:chOff x="-3564126" y="2076602"/>
-              <a:chExt cx="2825485" cy="2743200"/>
-            </a:xfrm>
-          </p:grpSpPr>
           <p:sp>
             <p:nvSpPr>
-              <p:cNvPr id="43" name="Rectangle: Rounded Corners 42">
+              <p:cNvPr id="1049" name="Arrow: Curved Right 1048">
                 <a:extLst>
                   <a:ext uri="{FF2B5EF4-FFF2-40B4-BE49-F238E27FC236}">
-                    <a16:creationId xmlns:a16="http://schemas.microsoft.com/office/drawing/2014/main" id="{A1520B54-A5E6-4034-933C-A7C5AB6E3EE9}"/>
+                    <a16:creationId xmlns:a16="http://schemas.microsoft.com/office/drawing/2014/main" id="{359233C0-E189-44C0-8A6C-6AF08CF43865}"/>
                   </a:ext>
                 </a:extLst>
               </p:cNvPr>
@@ -4683,193 +5189,208 @@
             </p:nvSpPr>
             <p:spPr>
               <a:xfrm>
-                <a:off x="-3564126" y="2076602"/>
-                <a:ext cx="2743200" cy="2743200"/>
+                <a:off x="370424" y="-2212421"/>
+                <a:ext cx="1532771" cy="3851997"/>
               </a:xfrm>
-              <a:prstGeom prst="roundRect">
+              <a:prstGeom prst="curvedRightArrow">
                 <a:avLst/>
               </a:prstGeom>
-              <a:solidFill>
-                <a:schemeClr val="accent6"/>
-              </a:solidFill>
-              <a:ln>
-                <a:noFill/>
-              </a:ln>
             </p:spPr>
             <p:style>
               <a:lnRef idx="2">
-                <a:schemeClr val="accent1">
+                <a:schemeClr val="accent3">
                   <a:shade val="50000"/>
                 </a:schemeClr>
               </a:lnRef>
               <a:fillRef idx="1">
-                <a:schemeClr val="accent1"/>
+                <a:schemeClr val="accent3"/>
               </a:fillRef>
               <a:effectRef idx="0">
-                <a:schemeClr val="accent1"/>
+                <a:schemeClr val="accent3"/>
               </a:effectRef>
               <a:fontRef idx="minor">
                 <a:schemeClr val="lt1"/>
               </a:fontRef>
             </p:style>
             <p:txBody>
-              <a:bodyPr rtlCol="0" anchor="ctr"/>
+              <a:bodyPr vert="horz" rtlCol="0" anchor="ctr"/>
               <a:lstStyle/>
               <a:p>
-                <a:pPr algn="ctr"/>
-                <a:endParaRPr lang="pt-PT" sz="2400" dirty="0"/>
+                <a:r>
+                  <a:rPr lang="pt-PT" sz="3200" dirty="0"/>
+                  <a:t> </a:t>
+                </a:r>
+                <a:r>
+                  <a:rPr lang="pt-PT" sz="3200" dirty="0" err="1">
+                    <a:solidFill>
+                      <a:schemeClr val="tx1"/>
+                    </a:solidFill>
+                  </a:rPr>
+                  <a:t>image</a:t>
+                </a:r>
+                <a:endParaRPr lang="pt-PT" sz="3200" dirty="0">
+                  <a:solidFill>
+                    <a:schemeClr val="tx1"/>
+                  </a:solidFill>
+                </a:endParaRPr>
               </a:p>
               <a:p>
-                <a:pPr algn="ctr"/>
-                <a:endParaRPr lang="pt-PT" sz="2400" dirty="0"/>
-              </a:p>
-              <a:p>
-                <a:pPr algn="ctr"/>
-                <a:endParaRPr lang="pt-PT" sz="2400" dirty="0"/>
-              </a:p>
-              <a:p>
-                <a:pPr algn="ctr"/>
-                <a:br>
-                  <a:rPr lang="pt-PT" sz="2400" dirty="0"/>
-                </a:br>
-                <a:endParaRPr lang="pt-PT" sz="2400" dirty="0"/>
-              </a:p>
-              <a:p>
-                <a:pPr algn="ctr"/>
-                <a:r>
-                  <a:rPr lang="pt-PT" sz="3600" dirty="0" err="1"/>
-                  <a:t>Database</a:t>
-                </a:r>
-                <a:endParaRPr lang="en-US" sz="2400" dirty="0"/>
+                <a:endParaRPr lang="en-US" sz="3200" dirty="0">
+                  <a:solidFill>
+                    <a:schemeClr val="tx1"/>
+                  </a:solidFill>
+                </a:endParaRPr>
               </a:p>
             </p:txBody>
           </p:sp>
-          <p:pic>
-            <p:nvPicPr>
-              <p:cNvPr id="1031" name="Picture 1030">
+          <p:sp>
+            <p:nvSpPr>
+              <p:cNvPr id="80" name="Arrow: Curved Right 79">
                 <a:extLst>
                   <a:ext uri="{FF2B5EF4-FFF2-40B4-BE49-F238E27FC236}">
-                    <a16:creationId xmlns:a16="http://schemas.microsoft.com/office/drawing/2014/main" id="{B50F3CC7-1367-48A3-BAEC-FBEF3653B1AE}"/>
+                    <a16:creationId xmlns:a16="http://schemas.microsoft.com/office/drawing/2014/main" id="{C5700E91-0740-40D0-806D-FB97E0B28F8A}"/>
                   </a:ext>
                 </a:extLst>
               </p:cNvPr>
-              <p:cNvPicPr>
-                <a:picLocks noChangeAspect="1"/>
-              </p:cNvPicPr>
+              <p:cNvSpPr/>
               <p:nvPr/>
-            </p:nvPicPr>
-            <p:blipFill>
-              <a:blip r:embed="rId12"/>
-              <a:stretch>
-                <a:fillRect/>
-              </a:stretch>
-            </p:blipFill>
+            </p:nvSpPr>
+            <p:spPr>
+              <a:xfrm flipV="1">
+                <a:off x="-338684" y="-3670049"/>
+                <a:ext cx="2281443" cy="6447750"/>
+              </a:xfrm>
+              <a:prstGeom prst="curvedRightArrow">
+                <a:avLst/>
+              </a:prstGeom>
+            </p:spPr>
+            <p:style>
+              <a:lnRef idx="2">
+                <a:schemeClr val="accent3">
+                  <a:shade val="50000"/>
+                </a:schemeClr>
+              </a:lnRef>
+              <a:fillRef idx="1">
+                <a:schemeClr val="accent3"/>
+              </a:fillRef>
+              <a:effectRef idx="0">
+                <a:schemeClr val="accent3"/>
+              </a:effectRef>
+              <a:fontRef idx="minor">
+                <a:schemeClr val="lt1"/>
+              </a:fontRef>
+            </p:style>
+            <p:txBody>
+              <a:bodyPr vert="horz" rtlCol="0" anchor="ctr"/>
+              <a:lstStyle/>
+              <a:p>
+                <a:r>
+                  <a:rPr lang="pt-PT" sz="3200" dirty="0"/>
+                  <a:t> </a:t>
+                </a:r>
+                <a:endParaRPr lang="en-US" sz="3200" dirty="0"/>
+              </a:p>
+            </p:txBody>
+          </p:sp>
+          <p:sp>
+            <p:nvSpPr>
+              <p:cNvPr id="82" name="TextBox 81">
+                <a:extLst>
+                  <a:ext uri="{FF2B5EF4-FFF2-40B4-BE49-F238E27FC236}">
+                    <a16:creationId xmlns:a16="http://schemas.microsoft.com/office/drawing/2014/main" id="{AFBBD7EA-A2F1-493C-8592-E86B0577E56E}"/>
+                  </a:ext>
+                </a:extLst>
+              </p:cNvPr>
+              <p:cNvSpPr txBox="1"/>
+              <p:nvPr/>
+            </p:nvSpPr>
             <p:spPr>
               <a:xfrm>
-                <a:off x="-3544530" y="2187100"/>
-                <a:ext cx="2805889" cy="1945042"/>
+                <a:off x="-3529729" y="-825032"/>
+                <a:ext cx="3067715" cy="1815882"/>
               </a:xfrm>
               <a:prstGeom prst="rect">
                 <a:avLst/>
               </a:prstGeom>
+              <a:noFill/>
             </p:spPr>
-          </p:pic>
+            <p:txBody>
+              <a:bodyPr wrap="square" rtlCol="0">
+                <a:spAutoFit/>
+              </a:bodyPr>
+              <a:lstStyle/>
+              <a:p>
+                <a:pPr algn="r"/>
+                <a:r>
+                  <a:rPr lang="pt-PT" sz="3200" dirty="0" err="1"/>
+                  <a:t>emotion</a:t>
+                </a:r>
+                <a:r>
+                  <a:rPr lang="pt-PT" sz="3200" dirty="0"/>
+                  <a:t> (</a:t>
+                </a:r>
+                <a:r>
+                  <a:rPr lang="pt-PT" sz="3200" dirty="0" err="1"/>
+                  <a:t>Happy</a:t>
+                </a:r>
+                <a:r>
+                  <a:rPr lang="pt-PT" sz="3200" dirty="0"/>
+                  <a:t>/Neutral)</a:t>
+                </a:r>
+              </a:p>
+              <a:p>
+                <a:pPr algn="r"/>
+                <a:r>
+                  <a:rPr lang="en-US" sz="2400" b="1" i="1" dirty="0"/>
+                  <a:t>Topic “p30-classification”</a:t>
+                </a:r>
+                <a:endParaRPr lang="en-US" sz="2400" i="1" dirty="0"/>
+              </a:p>
+            </p:txBody>
+          </p:sp>
         </p:grpSp>
         <p:sp>
           <p:nvSpPr>
-            <p:cNvPr id="1035" name="TextBox 1034">
+            <p:cNvPr id="4" name="Rectangle 3">
               <a:extLst>
                 <a:ext uri="{FF2B5EF4-FFF2-40B4-BE49-F238E27FC236}">
-                  <a16:creationId xmlns:a16="http://schemas.microsoft.com/office/drawing/2014/main" id="{B6DF67A5-E1A6-4491-B741-12806068FF9C}"/>
+                  <a16:creationId xmlns:a16="http://schemas.microsoft.com/office/drawing/2014/main" id="{23032D02-3C07-471F-A89F-4404B66FA192}"/>
                 </a:ext>
               </a:extLst>
             </p:cNvPr>
-            <p:cNvSpPr txBox="1"/>
+            <p:cNvSpPr/>
             <p:nvPr/>
           </p:nvSpPr>
           <p:spPr>
-            <a:xfrm>
-              <a:off x="-3199338" y="11115848"/>
-              <a:ext cx="3067715" cy="646331"/>
+            <a:xfrm rot="1648140">
+              <a:off x="5052090" y="-1416052"/>
+              <a:ext cx="2012410" cy="369332"/>
             </a:xfrm>
             <a:prstGeom prst="rect">
               <a:avLst/>
             </a:prstGeom>
-            <a:noFill/>
           </p:spPr>
           <p:txBody>
-            <a:bodyPr wrap="square" rtlCol="0">
+            <a:bodyPr wrap="none">
               <a:spAutoFit/>
             </a:bodyPr>
             <a:lstStyle/>
             <a:p>
-              <a:pPr algn="ctr"/>
+              <a:pPr algn="r"/>
               <a:r>
-                <a:rPr lang="pt-PT" sz="3600" dirty="0"/>
-                <a:t>e.g. </a:t>
+                <a:rPr lang="en-US" b="1" i="1" dirty="0"/>
+                <a:t>Topic “p30-photos”</a:t>
               </a:r>
-              <a:r>
-                <a:rPr lang="pt-PT" sz="3600" dirty="0" err="1"/>
-                <a:t>Doctor</a:t>
-              </a:r>
-              <a:endParaRPr lang="en-US" sz="3600" dirty="0"/>
+              <a:endParaRPr lang="en-US" i="1" dirty="0"/>
             </a:p>
           </p:txBody>
         </p:sp>
         <p:sp>
           <p:nvSpPr>
-            <p:cNvPr id="51" name="TextBox 50">
+            <p:cNvPr id="45" name="Rectangle 44">
               <a:extLst>
                 <a:ext uri="{FF2B5EF4-FFF2-40B4-BE49-F238E27FC236}">
-                  <a16:creationId xmlns:a16="http://schemas.microsoft.com/office/drawing/2014/main" id="{62883D7C-676A-4AFC-92DB-E1E158E6EB8F}"/>
-                </a:ext>
-              </a:extLst>
-            </p:cNvPr>
-            <p:cNvSpPr txBox="1"/>
-            <p:nvPr/>
-          </p:nvSpPr>
-          <p:spPr>
-            <a:xfrm>
-              <a:off x="10403675" y="10274298"/>
-              <a:ext cx="3067715" cy="1200329"/>
-            </a:xfrm>
-            <a:prstGeom prst="rect">
-              <a:avLst/>
-            </a:prstGeom>
-            <a:noFill/>
-          </p:spPr>
-          <p:txBody>
-            <a:bodyPr wrap="square" rtlCol="0">
-              <a:spAutoFit/>
-            </a:bodyPr>
-            <a:lstStyle/>
-            <a:p>
-              <a:pPr algn="ctr"/>
-              <a:r>
-                <a:rPr lang="pt-PT" sz="3600" dirty="0"/>
-                <a:t>User</a:t>
-              </a:r>
-            </a:p>
-            <a:p>
-              <a:pPr algn="ctr"/>
-              <a:r>
-                <a:rPr lang="pt-PT" sz="3600" dirty="0"/>
-                <a:t>e.g. a </a:t>
-              </a:r>
-              <a:r>
-                <a:rPr lang="pt-PT" sz="3600" dirty="0" err="1"/>
-                <a:t>Patient</a:t>
-              </a:r>
-              <a:endParaRPr lang="en-US" sz="3600" dirty="0"/>
-            </a:p>
-          </p:txBody>
-        </p:sp>
-        <p:sp>
-          <p:nvSpPr>
-            <p:cNvPr id="59" name="Rectangle: Rounded Corners 58">
-              <a:extLst>
-                <a:ext uri="{FF2B5EF4-FFF2-40B4-BE49-F238E27FC236}">
-                  <a16:creationId xmlns:a16="http://schemas.microsoft.com/office/drawing/2014/main" id="{78EF4760-00D9-42C0-9AFE-EE6DB8C14430}"/>
+                  <a16:creationId xmlns:a16="http://schemas.microsoft.com/office/drawing/2014/main" id="{24867E3E-CFFE-4C70-A924-7A9FA7D3F479}"/>
                 </a:ext>
               </a:extLst>
             </p:cNvPr>
@@ -4878,439 +5399,25 @@
           </p:nvSpPr>
           <p:spPr>
             <a:xfrm>
-              <a:off x="7844704" y="-1859363"/>
-              <a:ext cx="2743200" cy="2743200"/>
-            </a:xfrm>
-            <a:prstGeom prst="roundRect">
-              <a:avLst/>
-            </a:prstGeom>
-            <a:solidFill>
-              <a:schemeClr val="bg1">
-                <a:lumMod val="50000"/>
-              </a:schemeClr>
-            </a:solidFill>
-            <a:ln>
-              <a:noFill/>
-            </a:ln>
-          </p:spPr>
-          <p:style>
-            <a:lnRef idx="2">
-              <a:schemeClr val="accent1">
-                <a:shade val="50000"/>
-              </a:schemeClr>
-            </a:lnRef>
-            <a:fillRef idx="1">
-              <a:schemeClr val="accent1"/>
-            </a:fillRef>
-            <a:effectRef idx="0">
-              <a:schemeClr val="accent1"/>
-            </a:effectRef>
-            <a:fontRef idx="minor">
-              <a:schemeClr val="lt1"/>
-            </a:fontRef>
-          </p:style>
-          <p:txBody>
-            <a:bodyPr rtlCol="0" anchor="ctr"/>
-            <a:lstStyle/>
-            <a:p>
-              <a:pPr algn="ctr"/>
-              <a:r>
-                <a:rPr lang="pt-PT" sz="2400" dirty="0"/>
-                <a:t>Sensor</a:t>
-              </a:r>
-            </a:p>
-            <a:p>
-              <a:pPr algn="ctr"/>
-              <a:endParaRPr lang="pt-PT" sz="2400" dirty="0"/>
-            </a:p>
-            <a:p>
-              <a:pPr algn="ctr"/>
-              <a:endParaRPr lang="pt-PT" sz="2400" dirty="0"/>
-            </a:p>
-            <a:p>
-              <a:pPr algn="ctr"/>
-              <a:br>
-                <a:rPr lang="pt-PT" sz="2400" dirty="0"/>
-              </a:br>
-              <a:endParaRPr lang="pt-PT" sz="2400" dirty="0"/>
-            </a:p>
-            <a:p>
-              <a:pPr algn="ctr"/>
-              <a:r>
-                <a:rPr lang="pt-PT" sz="3600" dirty="0" err="1"/>
-                <a:t>Camera</a:t>
-              </a:r>
-              <a:endParaRPr lang="en-US" sz="2400" dirty="0"/>
-            </a:p>
-          </p:txBody>
-        </p:sp>
-        <p:pic>
-          <p:nvPicPr>
-            <p:cNvPr id="1037" name="Graphic 1036" descr="Web cam">
-              <a:extLst>
-                <a:ext uri="{FF2B5EF4-FFF2-40B4-BE49-F238E27FC236}">
-                  <a16:creationId xmlns:a16="http://schemas.microsoft.com/office/drawing/2014/main" id="{D74D3CD1-F119-49EB-94C3-A9966218A651}"/>
-                </a:ext>
-              </a:extLst>
-            </p:cNvPr>
-            <p:cNvPicPr>
-              <a:picLocks noChangeAspect="1"/>
-            </p:cNvPicPr>
-            <p:nvPr/>
-          </p:nvPicPr>
-          <p:blipFill>
-            <a:blip r:embed="rId13">
-              <a:extLst>
-                <a:ext uri="{28A0092B-C50C-407E-A947-70E740481C1C}">
-                  <a14:useLocalDpi xmlns:a14="http://schemas.microsoft.com/office/drawing/2010/main" val="0"/>
-                </a:ext>
-                <a:ext uri="{96DAC541-7B7A-43D3-8B79-37D633B846F1}">
-                  <asvg:svgBlip xmlns:asvg="http://schemas.microsoft.com/office/drawing/2016/SVG/main" r:embed="rId14"/>
-                </a:ext>
-              </a:extLst>
-            </a:blip>
-            <a:stretch>
-              <a:fillRect/>
-            </a:stretch>
-          </p:blipFill>
-          <p:spPr>
-            <a:xfrm>
-              <a:off x="8401050" y="-1303017"/>
-              <a:ext cx="1605020" cy="1605020"/>
+              <a:off x="521438" y="-299123"/>
+              <a:ext cx="1129536" cy="923330"/>
             </a:xfrm>
             <a:prstGeom prst="rect">
               <a:avLst/>
             </a:prstGeom>
           </p:spPr>
-        </p:pic>
-        <p:sp>
-          <p:nvSpPr>
-            <p:cNvPr id="63" name="Arrow: Up-Down 62">
-              <a:extLst>
-                <a:ext uri="{FF2B5EF4-FFF2-40B4-BE49-F238E27FC236}">
-                  <a16:creationId xmlns:a16="http://schemas.microsoft.com/office/drawing/2014/main" id="{54767FA8-B3DA-427A-A8E6-8948E5FE7BA0}"/>
-                </a:ext>
-              </a:extLst>
-            </p:cNvPr>
-            <p:cNvSpPr/>
-            <p:nvPr/>
-          </p:nvSpPr>
-          <p:spPr>
-            <a:xfrm rot="7100587" flipH="1">
-              <a:off x="5730407" y="-3468475"/>
-              <a:ext cx="1079500" cy="3398090"/>
-            </a:xfrm>
-            <a:prstGeom prst="upDownArrow">
-              <a:avLst/>
-            </a:prstGeom>
-          </p:spPr>
-          <p:style>
-            <a:lnRef idx="2">
-              <a:schemeClr val="accent3">
-                <a:shade val="50000"/>
-              </a:schemeClr>
-            </a:lnRef>
-            <a:fillRef idx="1">
-              <a:schemeClr val="accent3"/>
-            </a:fillRef>
-            <a:effectRef idx="0">
-              <a:schemeClr val="accent3"/>
-            </a:effectRef>
-            <a:fontRef idx="minor">
-              <a:schemeClr val="lt1"/>
-            </a:fontRef>
-          </p:style>
           <p:txBody>
-            <a:bodyPr vert="vert270" rtlCol="0" anchor="ctr"/>
-            <a:lstStyle/>
-            <a:p>
-              <a:pPr algn="ctr"/>
-              <a:r>
-                <a:rPr lang="pt-PT" sz="3200" dirty="0" err="1"/>
-                <a:t>image</a:t>
-              </a:r>
-              <a:endParaRPr lang="en-US" sz="3200" dirty="0"/>
-            </a:p>
-          </p:txBody>
-        </p:sp>
-        <p:sp>
-          <p:nvSpPr>
-            <p:cNvPr id="65" name="Rectangle: Rounded Corners 64">
-              <a:extLst>
-                <a:ext uri="{FF2B5EF4-FFF2-40B4-BE49-F238E27FC236}">
-                  <a16:creationId xmlns:a16="http://schemas.microsoft.com/office/drawing/2014/main" id="{C5900481-34D8-475F-B1F1-BFC6144E5E20}"/>
-                </a:ext>
-              </a:extLst>
-            </p:cNvPr>
-            <p:cNvSpPr/>
-            <p:nvPr/>
-          </p:nvSpPr>
-          <p:spPr>
-            <a:xfrm>
-              <a:off x="1947790" y="-3817497"/>
-              <a:ext cx="2743200" cy="2743200"/>
-            </a:xfrm>
-            <a:prstGeom prst="roundRect">
-              <a:avLst/>
-            </a:prstGeom>
-            <a:solidFill>
-              <a:schemeClr val="accent6"/>
-            </a:solidFill>
-            <a:ln>
-              <a:noFill/>
-            </a:ln>
-          </p:spPr>
-          <p:style>
-            <a:lnRef idx="2">
-              <a:schemeClr val="accent1">
-                <a:shade val="50000"/>
-              </a:schemeClr>
-            </a:lnRef>
-            <a:fillRef idx="1">
-              <a:schemeClr val="accent1"/>
-            </a:fillRef>
-            <a:effectRef idx="0">
-              <a:schemeClr val="accent1"/>
-            </a:effectRef>
-            <a:fontRef idx="minor">
-              <a:schemeClr val="lt1"/>
-            </a:fontRef>
-          </p:style>
-          <p:txBody>
-            <a:bodyPr rtlCol="0" anchor="ctr"/>
-            <a:lstStyle/>
-            <a:p>
-              <a:pPr algn="ctr"/>
-              <a:endParaRPr lang="pt-PT" sz="2400" dirty="0"/>
-            </a:p>
-            <a:p>
-              <a:pPr algn="ctr"/>
-              <a:endParaRPr lang="pt-PT" sz="2400" dirty="0"/>
-            </a:p>
-            <a:p>
-              <a:pPr algn="ctr"/>
-              <a:endParaRPr lang="pt-PT" sz="2400" dirty="0"/>
-            </a:p>
-            <a:p>
-              <a:pPr algn="ctr"/>
-              <a:br>
-                <a:rPr lang="pt-PT" sz="2400" dirty="0"/>
-              </a:br>
-              <a:endParaRPr lang="pt-PT" sz="2400" dirty="0"/>
-            </a:p>
-            <a:p>
-              <a:pPr algn="ctr"/>
-              <a:r>
-                <a:rPr lang="pt-PT" sz="3600" dirty="0"/>
-                <a:t>Broker</a:t>
-              </a:r>
-              <a:endParaRPr lang="en-US" sz="2400" dirty="0"/>
-            </a:p>
-          </p:txBody>
-        </p:sp>
-        <p:pic>
-          <p:nvPicPr>
-            <p:cNvPr id="1046" name="Picture 22" descr="asf - Revision 1878756: /kafka/site/logos">
-              <a:extLst>
-                <a:ext uri="{FF2B5EF4-FFF2-40B4-BE49-F238E27FC236}">
-                  <a16:creationId xmlns:a16="http://schemas.microsoft.com/office/drawing/2014/main" id="{6BD39144-02E6-478E-8A07-80E92BB286C5}"/>
-                </a:ext>
-              </a:extLst>
-            </p:cNvPr>
-            <p:cNvPicPr>
-              <a:picLocks noChangeAspect="1" noChangeArrowheads="1"/>
-            </p:cNvPicPr>
-            <p:nvPr/>
-          </p:nvPicPr>
-          <p:blipFill>
-            <a:blip r:embed="rId15">
-              <a:extLst>
-                <a:ext uri="{28A0092B-C50C-407E-A947-70E740481C1C}">
-                  <a14:useLocalDpi xmlns:a14="http://schemas.microsoft.com/office/drawing/2010/main" val="0"/>
-                </a:ext>
-              </a:extLst>
-            </a:blip>
-            <a:srcRect/>
-            <a:stretch>
-              <a:fillRect/>
-            </a:stretch>
-          </p:blipFill>
-          <p:spPr bwMode="auto">
-            <a:xfrm>
-              <a:off x="2368473" y="-3817498"/>
-              <a:ext cx="1875992" cy="2042219"/>
-            </a:xfrm>
-            <a:prstGeom prst="rect">
-              <a:avLst/>
-            </a:prstGeom>
-            <a:noFill/>
-            <a:extLst>
-              <a:ext uri="{909E8E84-426E-40DD-AFC4-6F175D3DCCD1}">
-                <a14:hiddenFill xmlns:a14="http://schemas.microsoft.com/office/drawing/2010/main">
-                  <a:solidFill>
-                    <a:srgbClr val="FFFFFF"/>
-                  </a:solidFill>
-                </a14:hiddenFill>
-              </a:ext>
-            </a:extLst>
-          </p:spPr>
-        </p:pic>
-        <p:sp>
-          <p:nvSpPr>
-            <p:cNvPr id="1049" name="Arrow: Curved Right 1048">
-              <a:extLst>
-                <a:ext uri="{FF2B5EF4-FFF2-40B4-BE49-F238E27FC236}">
-                  <a16:creationId xmlns:a16="http://schemas.microsoft.com/office/drawing/2014/main" id="{359233C0-E189-44C0-8A6C-6AF08CF43865}"/>
-                </a:ext>
-              </a:extLst>
-            </p:cNvPr>
-            <p:cNvSpPr/>
-            <p:nvPr/>
-          </p:nvSpPr>
-          <p:spPr>
-            <a:xfrm>
-              <a:off x="370424" y="-2212421"/>
-              <a:ext cx="1532771" cy="3851997"/>
-            </a:xfrm>
-            <a:prstGeom prst="curvedRightArrow">
-              <a:avLst/>
-            </a:prstGeom>
-          </p:spPr>
-          <p:style>
-            <a:lnRef idx="2">
-              <a:schemeClr val="accent3">
-                <a:shade val="50000"/>
-              </a:schemeClr>
-            </a:lnRef>
-            <a:fillRef idx="1">
-              <a:schemeClr val="accent3"/>
-            </a:fillRef>
-            <a:effectRef idx="0">
-              <a:schemeClr val="accent3"/>
-            </a:effectRef>
-            <a:fontRef idx="minor">
-              <a:schemeClr val="lt1"/>
-            </a:fontRef>
-          </p:style>
-          <p:txBody>
-            <a:bodyPr vert="horz" rtlCol="0" anchor="ctr"/>
-            <a:lstStyle/>
-            <a:p>
-              <a:r>
-                <a:rPr lang="pt-PT" sz="3200" dirty="0"/>
-                <a:t> </a:t>
-              </a:r>
-              <a:r>
-                <a:rPr lang="pt-PT" sz="3200" dirty="0" err="1">
-                  <a:solidFill>
-                    <a:schemeClr val="tx1"/>
-                  </a:solidFill>
-                </a:rPr>
-                <a:t>image</a:t>
-              </a:r>
-              <a:endParaRPr lang="en-US" sz="3200" dirty="0">
-                <a:solidFill>
-                  <a:schemeClr val="tx1"/>
-                </a:solidFill>
-              </a:endParaRPr>
-            </a:p>
-          </p:txBody>
-        </p:sp>
-        <p:sp>
-          <p:nvSpPr>
-            <p:cNvPr id="80" name="Arrow: Curved Right 79">
-              <a:extLst>
-                <a:ext uri="{FF2B5EF4-FFF2-40B4-BE49-F238E27FC236}">
-                  <a16:creationId xmlns:a16="http://schemas.microsoft.com/office/drawing/2014/main" id="{C5700E91-0740-40D0-806D-FB97E0B28F8A}"/>
-                </a:ext>
-              </a:extLst>
-            </p:cNvPr>
-            <p:cNvSpPr/>
-            <p:nvPr/>
-          </p:nvSpPr>
-          <p:spPr>
-            <a:xfrm flipV="1">
-              <a:off x="-338684" y="-3670049"/>
-              <a:ext cx="2281443" cy="6447750"/>
-            </a:xfrm>
-            <a:prstGeom prst="curvedRightArrow">
-              <a:avLst/>
-            </a:prstGeom>
-          </p:spPr>
-          <p:style>
-            <a:lnRef idx="2">
-              <a:schemeClr val="accent3">
-                <a:shade val="50000"/>
-              </a:schemeClr>
-            </a:lnRef>
-            <a:fillRef idx="1">
-              <a:schemeClr val="accent3"/>
-            </a:fillRef>
-            <a:effectRef idx="0">
-              <a:schemeClr val="accent3"/>
-            </a:effectRef>
-            <a:fontRef idx="minor">
-              <a:schemeClr val="lt1"/>
-            </a:fontRef>
-          </p:style>
-          <p:txBody>
-            <a:bodyPr vert="horz" rtlCol="0" anchor="ctr"/>
-            <a:lstStyle/>
-            <a:p>
-              <a:r>
-                <a:rPr lang="pt-PT" sz="3200" dirty="0"/>
-                <a:t> </a:t>
-              </a:r>
-              <a:endParaRPr lang="en-US" sz="3200" dirty="0"/>
-            </a:p>
-          </p:txBody>
-        </p:sp>
-        <p:sp>
-          <p:nvSpPr>
-            <p:cNvPr id="82" name="TextBox 81">
-              <a:extLst>
-                <a:ext uri="{FF2B5EF4-FFF2-40B4-BE49-F238E27FC236}">
-                  <a16:creationId xmlns:a16="http://schemas.microsoft.com/office/drawing/2014/main" id="{AFBBD7EA-A2F1-493C-8592-E86B0577E56E}"/>
-                </a:ext>
-              </a:extLst>
-            </p:cNvPr>
-            <p:cNvSpPr txBox="1"/>
-            <p:nvPr/>
-          </p:nvSpPr>
-          <p:spPr>
-            <a:xfrm>
-              <a:off x="-3529729" y="-825032"/>
-              <a:ext cx="3067715" cy="1077218"/>
-            </a:xfrm>
-            <a:prstGeom prst="rect">
-              <a:avLst/>
-            </a:prstGeom>
-            <a:noFill/>
-          </p:spPr>
-          <p:txBody>
-            <a:bodyPr wrap="square" rtlCol="0">
+            <a:bodyPr wrap="square">
               <a:spAutoFit/>
             </a:bodyPr>
             <a:lstStyle/>
             <a:p>
               <a:pPr algn="r"/>
               <a:r>
-                <a:rPr lang="pt-PT" sz="3200" dirty="0" err="1"/>
-                <a:t>emotion</a:t>
+                <a:rPr lang="en-US" b="1" i="1" dirty="0"/>
+                <a:t>Topic “p30-photos”</a:t>
               </a:r>
-              <a:r>
-                <a:rPr lang="pt-PT" sz="3200" dirty="0"/>
-                <a:t> (</a:t>
-              </a:r>
-              <a:r>
-                <a:rPr lang="pt-PT" sz="3200" dirty="0" err="1"/>
-                <a:t>Happy</a:t>
-              </a:r>
-              <a:r>
-                <a:rPr lang="pt-PT" sz="3200" dirty="0"/>
-                <a:t>/Neutral)</a:t>
-              </a:r>
-              <a:endParaRPr lang="en-US" sz="3200" dirty="0"/>
+              <a:endParaRPr lang="en-US" i="1" dirty="0"/>
             </a:p>
           </p:txBody>
         </p:sp>

--- a/Architecture.pptx
+++ b/Architecture.pptx
@@ -5046,6 +5046,10 @@
               <a:p>
                 <a:pPr algn="ctr"/>
                 <a:r>
+                  <a:rPr lang="pt-PT" sz="3200" dirty="0"/>
+                  <a:t>1. </a:t>
+                </a:r>
+                <a:r>
                   <a:rPr lang="pt-PT" sz="3200" dirty="0" err="1"/>
                   <a:t>image</a:t>
                 </a:r>
@@ -5220,14 +5224,18 @@
                   <a:rPr lang="pt-PT" sz="3200" dirty="0"/>
                   <a:t> </a:t>
                 </a:r>
+              </a:p>
+              <a:p>
                 <a:r>
-                  <a:rPr lang="pt-PT" sz="3200" dirty="0" err="1">
+                  <a:rPr lang="pt-PT" sz="3200" dirty="0">
                     <a:solidFill>
                       <a:schemeClr val="tx1"/>
                     </a:solidFill>
                   </a:rPr>
-                  <a:t>image</a:t>
+                  <a:t>2.Image</a:t>
                 </a:r>
+              </a:p>
+              <a:p>
                 <a:endParaRPr lang="pt-PT" sz="3200" dirty="0">
                   <a:solidFill>
                     <a:schemeClr val="tx1"/>
@@ -5322,6 +5330,10 @@
               <a:p>
                 <a:pPr algn="r"/>
                 <a:r>
+                  <a:rPr lang="pt-PT" sz="3200" dirty="0"/>
+                  <a:t>3. </a:t>
+                </a:r>
+                <a:r>
                   <a:rPr lang="pt-PT" sz="3200" dirty="0" err="1"/>
                   <a:t>emotion</a:t>
                 </a:r>
@@ -5363,7 +5375,7 @@
           </p:nvSpPr>
           <p:spPr>
             <a:xfrm rot="1648140">
-              <a:off x="5052090" y="-1416052"/>
+              <a:off x="5490563" y="-2397087"/>
               <a:ext cx="2012410" cy="369332"/>
             </a:xfrm>
             <a:prstGeom prst="rect">
@@ -5422,6 +5434,111 @@
           </p:txBody>
         </p:sp>
       </p:grpSp>
+      <p:sp>
+        <p:nvSpPr>
+          <p:cNvPr id="47" name="Arrow: Curved Right 46">
+            <a:extLst>
+              <a:ext uri="{FF2B5EF4-FFF2-40B4-BE49-F238E27FC236}">
+                <a16:creationId xmlns:a16="http://schemas.microsoft.com/office/drawing/2014/main" id="{94BF2876-039B-4E90-B749-48C9F8C1B583}"/>
+              </a:ext>
+            </a:extLst>
+          </p:cNvPr>
+          <p:cNvSpPr/>
+          <p:nvPr/>
+        </p:nvSpPr>
+        <p:spPr>
+          <a:xfrm flipH="1">
+            <a:off x="4665147" y="-1859363"/>
+            <a:ext cx="2506814" cy="6097882"/>
+          </a:xfrm>
+          <a:prstGeom prst="curvedRightArrow">
+            <a:avLst>
+              <a:gd name="adj1" fmla="val 17393"/>
+              <a:gd name="adj2" fmla="val 50000"/>
+              <a:gd name="adj3" fmla="val 25000"/>
+            </a:avLst>
+          </a:prstGeom>
+        </p:spPr>
+        <p:style>
+          <a:lnRef idx="2">
+            <a:schemeClr val="accent3">
+              <a:shade val="50000"/>
+            </a:schemeClr>
+          </a:lnRef>
+          <a:fillRef idx="1">
+            <a:schemeClr val="accent3"/>
+          </a:fillRef>
+          <a:effectRef idx="0">
+            <a:schemeClr val="accent3"/>
+          </a:effectRef>
+          <a:fontRef idx="minor">
+            <a:schemeClr val="lt1"/>
+          </a:fontRef>
+        </p:style>
+        <p:txBody>
+          <a:bodyPr vert="horz" rtlCol="0" anchor="ctr"/>
+          <a:lstStyle/>
+          <a:p>
+            <a:r>
+              <a:rPr lang="pt-PT" sz="3200" dirty="0"/>
+              <a:t> </a:t>
+            </a:r>
+            <a:endParaRPr lang="en-US" sz="3200" dirty="0"/>
+          </a:p>
+        </p:txBody>
+      </p:sp>
+      <p:sp>
+        <p:nvSpPr>
+          <p:cNvPr id="48" name="TextBox 47">
+            <a:extLst>
+              <a:ext uri="{FF2B5EF4-FFF2-40B4-BE49-F238E27FC236}">
+                <a16:creationId xmlns:a16="http://schemas.microsoft.com/office/drawing/2014/main" id="{ACB9D09A-B588-46FB-A587-12540E3755B1}"/>
+              </a:ext>
+            </a:extLst>
+          </p:cNvPr>
+          <p:cNvSpPr txBox="1"/>
+          <p:nvPr/>
+        </p:nvSpPr>
+        <p:spPr>
+          <a:xfrm>
+            <a:off x="3938561" y="261754"/>
+            <a:ext cx="3067715" cy="1323439"/>
+          </a:xfrm>
+          <a:prstGeom prst="rect">
+            <a:avLst/>
+          </a:prstGeom>
+          <a:noFill/>
+        </p:spPr>
+        <p:txBody>
+          <a:bodyPr wrap="square" rtlCol="0">
+            <a:spAutoFit/>
+          </a:bodyPr>
+          <a:lstStyle/>
+          <a:p>
+            <a:pPr algn="r"/>
+            <a:r>
+              <a:rPr lang="pt-PT" sz="3200" dirty="0"/>
+              <a:t>4. </a:t>
+            </a:r>
+            <a:r>
+              <a:rPr lang="pt-PT" sz="3200" dirty="0" err="1"/>
+              <a:t>emotion</a:t>
+            </a:r>
+            <a:r>
+              <a:rPr lang="pt-PT" sz="3200" dirty="0"/>
+              <a:t> </a:t>
+            </a:r>
+          </a:p>
+          <a:p>
+            <a:pPr algn="r"/>
+            <a:r>
+              <a:rPr lang="en-US" sz="2400" b="1" i="1" dirty="0"/>
+              <a:t>Topic “p30-classification”</a:t>
+            </a:r>
+            <a:endParaRPr lang="en-US" sz="2400" i="1" dirty="0"/>
+          </a:p>
+        </p:txBody>
+      </p:sp>
     </p:spTree>
     <p:extLst>
       <p:ext uri="{BB962C8B-B14F-4D97-AF65-F5344CB8AC3E}">

--- a/Architecture.pptx
+++ b/Architecture.pptx
@@ -3328,10 +3328,10 @@
       </p:grpSpPr>
       <p:grpSp>
         <p:nvGrpSpPr>
-          <p:cNvPr id="5" name="Group 4">
-            <a:extLst>
-              <a:ext uri="{FF2B5EF4-FFF2-40B4-BE49-F238E27FC236}">
-                <a16:creationId xmlns:a16="http://schemas.microsoft.com/office/drawing/2014/main" id="{D2532184-F808-4F27-B345-1045AD7F4867}"/>
+          <p:cNvPr id="7" name="Group 6">
+            <a:extLst>
+              <a:ext uri="{FF2B5EF4-FFF2-40B4-BE49-F238E27FC236}">
+                <a16:creationId xmlns:a16="http://schemas.microsoft.com/office/drawing/2014/main" id="{E97C20D0-36A0-48F4-A5D2-5502CAB6B019}"/>
               </a:ext>
             </a:extLst>
           </p:cNvPr>
@@ -3348,10 +3348,10 @@
         </p:grpSpPr>
         <p:grpSp>
           <p:nvGrpSpPr>
-            <p:cNvPr id="1051" name="Group 1050">
+            <p:cNvPr id="5" name="Group 4">
               <a:extLst>
                 <a:ext uri="{FF2B5EF4-FFF2-40B4-BE49-F238E27FC236}">
-                  <a16:creationId xmlns:a16="http://schemas.microsoft.com/office/drawing/2014/main" id="{C3036835-78B2-4686-970F-0814347D8D56}"/>
+                  <a16:creationId xmlns:a16="http://schemas.microsoft.com/office/drawing/2014/main" id="{D2532184-F808-4F27-B345-1045AD7F4867}"/>
                 </a:ext>
               </a:extLst>
             </p:cNvPr>
@@ -3366,722 +3366,12 @@
               <a:chExt cx="17034405" cy="15761848"/>
             </a:xfrm>
           </p:grpSpPr>
-          <p:sp>
-            <p:nvSpPr>
-              <p:cNvPr id="2" name="Rectangle: Rounded Corners 1">
+          <p:grpSp>
+            <p:nvGrpSpPr>
+              <p:cNvPr id="1051" name="Group 1050">
                 <a:extLst>
                   <a:ext uri="{FF2B5EF4-FFF2-40B4-BE49-F238E27FC236}">
-                    <a16:creationId xmlns:a16="http://schemas.microsoft.com/office/drawing/2014/main" id="{0E377626-B539-44C7-8D1B-38C33EA7CE78}"/>
-                  </a:ext>
-                </a:extLst>
-              </p:cNvPr>
-              <p:cNvSpPr/>
-              <p:nvPr/>
-            </p:nvSpPr>
-            <p:spPr>
-              <a:xfrm>
-                <a:off x="1657118" y="-762000"/>
-                <a:ext cx="3236520" cy="12706350"/>
-              </a:xfrm>
-              <a:prstGeom prst="roundRect">
-                <a:avLst/>
-              </a:prstGeom>
-              <a:solidFill>
-                <a:schemeClr val="bg1">
-                  <a:lumMod val="85000"/>
-                </a:schemeClr>
-              </a:solidFill>
-              <a:ln>
-                <a:noFill/>
-              </a:ln>
-            </p:spPr>
-            <p:style>
-              <a:lnRef idx="2">
-                <a:schemeClr val="accent1">
-                  <a:shade val="50000"/>
-                </a:schemeClr>
-              </a:lnRef>
-              <a:fillRef idx="1">
-                <a:schemeClr val="accent1"/>
-              </a:fillRef>
-              <a:effectRef idx="0">
-                <a:schemeClr val="accent1"/>
-              </a:effectRef>
-              <a:fontRef idx="minor">
-                <a:schemeClr val="lt1"/>
-              </a:fontRef>
-            </p:style>
-            <p:txBody>
-              <a:bodyPr rtlCol="0" anchor="t"/>
-              <a:lstStyle/>
-              <a:p>
-                <a:pPr algn="ctr"/>
-                <a:r>
-                  <a:rPr lang="pt-PT" sz="3200" dirty="0" err="1">
-                    <a:solidFill>
-                      <a:schemeClr val="tx1"/>
-                    </a:solidFill>
-                  </a:rPr>
-                  <a:t>Services</a:t>
-                </a:r>
-                <a:endParaRPr lang="en-US" sz="3200" dirty="0">
-                  <a:solidFill>
-                    <a:schemeClr val="tx1"/>
-                  </a:solidFill>
-                </a:endParaRPr>
-              </a:p>
-            </p:txBody>
-          </p:sp>
-          <p:sp>
-            <p:nvSpPr>
-              <p:cNvPr id="3" name="Rectangle: Rounded Corners 2">
-                <a:extLst>
-                  <a:ext uri="{FF2B5EF4-FFF2-40B4-BE49-F238E27FC236}">
-                    <a16:creationId xmlns:a16="http://schemas.microsoft.com/office/drawing/2014/main" id="{FFA75B0E-9D63-4199-A43D-311B48457F7C}"/>
-                  </a:ext>
-                </a:extLst>
-              </p:cNvPr>
-              <p:cNvSpPr/>
-              <p:nvPr/>
-            </p:nvSpPr>
-            <p:spPr>
-              <a:xfrm>
-                <a:off x="1915483" y="8964801"/>
-                <a:ext cx="2743200" cy="2743200"/>
-              </a:xfrm>
-              <a:prstGeom prst="roundRect">
-                <a:avLst/>
-              </a:prstGeom>
-              <a:solidFill>
-                <a:srgbClr val="C00000"/>
-              </a:solidFill>
-              <a:ln>
-                <a:noFill/>
-              </a:ln>
-            </p:spPr>
-            <p:style>
-              <a:lnRef idx="2">
-                <a:schemeClr val="accent1">
-                  <a:shade val="50000"/>
-                </a:schemeClr>
-              </a:lnRef>
-              <a:fillRef idx="1">
-                <a:schemeClr val="accent1"/>
-              </a:fillRef>
-              <a:effectRef idx="0">
-                <a:schemeClr val="accent1"/>
-              </a:effectRef>
-              <a:fontRef idx="minor">
-                <a:schemeClr val="lt1"/>
-              </a:fontRef>
-            </p:style>
-            <p:txBody>
-              <a:bodyPr rtlCol="0" anchor="ctr"/>
-              <a:lstStyle/>
-              <a:p>
-                <a:pPr algn="ctr"/>
-                <a:r>
-                  <a:rPr lang="pt-PT" sz="2400" dirty="0"/>
-                  <a:t>(</a:t>
-                </a:r>
-                <a:r>
-                  <a:rPr lang="pt-PT" sz="2400" dirty="0" err="1"/>
-                  <a:t>External</a:t>
-                </a:r>
-                <a:r>
-                  <a:rPr lang="pt-PT" sz="2400" dirty="0"/>
-                  <a:t>) </a:t>
-                </a:r>
-                <a:r>
-                  <a:rPr lang="pt-PT" sz="2400" dirty="0" err="1"/>
-                  <a:t>Service</a:t>
-                </a:r>
-                <a:endParaRPr lang="pt-PT" sz="2400" dirty="0"/>
-              </a:p>
-              <a:p>
-                <a:pPr algn="ctr"/>
-                <a:endParaRPr lang="pt-PT" sz="2400" dirty="0"/>
-              </a:p>
-              <a:p>
-                <a:pPr algn="ctr"/>
-                <a:endParaRPr lang="pt-PT" sz="2400" dirty="0"/>
-              </a:p>
-              <a:p>
-                <a:pPr algn="ctr"/>
-                <a:br>
-                  <a:rPr lang="pt-PT" sz="2400" dirty="0"/>
-                </a:br>
-                <a:endParaRPr lang="pt-PT" sz="2400" dirty="0"/>
-              </a:p>
-              <a:p>
-                <a:pPr algn="ctr"/>
-                <a:r>
-                  <a:rPr lang="pt-PT" sz="3600" dirty="0" err="1"/>
-                  <a:t>Doctor</a:t>
-                </a:r>
-                <a:r>
-                  <a:rPr lang="pt-PT" sz="3600" dirty="0"/>
-                  <a:t> App</a:t>
-                </a:r>
-                <a:endParaRPr lang="en-US" sz="2400" dirty="0"/>
-              </a:p>
-            </p:txBody>
-          </p:sp>
-          <p:sp>
-            <p:nvSpPr>
-              <p:cNvPr id="6" name="Rectangle: Rounded Corners 5">
-                <a:extLst>
-                  <a:ext uri="{FF2B5EF4-FFF2-40B4-BE49-F238E27FC236}">
-                    <a16:creationId xmlns:a16="http://schemas.microsoft.com/office/drawing/2014/main" id="{A5BFAAF4-194C-4D41-9381-4EE62196A881}"/>
-                  </a:ext>
-                </a:extLst>
-              </p:cNvPr>
-              <p:cNvSpPr/>
-              <p:nvPr/>
-            </p:nvSpPr>
-            <p:spPr>
-              <a:xfrm>
-                <a:off x="1915483" y="302003"/>
-                <a:ext cx="2743200" cy="2743200"/>
-              </a:xfrm>
-              <a:prstGeom prst="roundRect">
-                <a:avLst/>
-              </a:prstGeom>
-              <a:solidFill>
-                <a:srgbClr val="7030A0"/>
-              </a:solidFill>
-              <a:ln>
-                <a:noFill/>
-              </a:ln>
-            </p:spPr>
-            <p:style>
-              <a:lnRef idx="2">
-                <a:schemeClr val="accent1">
-                  <a:shade val="50000"/>
-                </a:schemeClr>
-              </a:lnRef>
-              <a:fillRef idx="1">
-                <a:schemeClr val="accent1"/>
-              </a:fillRef>
-              <a:effectRef idx="0">
-                <a:schemeClr val="accent1"/>
-              </a:effectRef>
-              <a:fontRef idx="minor">
-                <a:schemeClr val="lt1"/>
-              </a:fontRef>
-            </p:style>
-            <p:txBody>
-              <a:bodyPr rtlCol="0" anchor="ctr"/>
-              <a:lstStyle/>
-              <a:p>
-                <a:pPr algn="ctr"/>
-                <a:r>
-                  <a:rPr lang="pt-PT" sz="2400" dirty="0" err="1"/>
-                  <a:t>Service</a:t>
-                </a:r>
-                <a:endParaRPr lang="pt-PT" sz="2400" dirty="0"/>
-              </a:p>
-              <a:p>
-                <a:pPr algn="ctr"/>
-                <a:endParaRPr lang="pt-PT" sz="2400" dirty="0"/>
-              </a:p>
-              <a:p>
-                <a:pPr algn="ctr"/>
-                <a:endParaRPr lang="pt-PT" sz="2400" dirty="0"/>
-              </a:p>
-              <a:p>
-                <a:pPr algn="ctr"/>
-                <a:br>
-                  <a:rPr lang="pt-PT" sz="2400" dirty="0"/>
-                </a:br>
-                <a:r>
-                  <a:rPr lang="pt-PT" sz="3600" dirty="0" err="1"/>
-                  <a:t>Emotion</a:t>
-                </a:r>
-                <a:r>
-                  <a:rPr lang="pt-PT" sz="3600" dirty="0"/>
-                  <a:t> </a:t>
-                </a:r>
-                <a:r>
-                  <a:rPr lang="pt-PT" sz="3600" dirty="0" err="1"/>
-                  <a:t>Analysis</a:t>
-                </a:r>
-                <a:endParaRPr lang="en-US" sz="2400" dirty="0"/>
-              </a:p>
-            </p:txBody>
-          </p:sp>
-          <p:pic>
-            <p:nvPicPr>
-              <p:cNvPr id="1028" name="Picture 4">
-                <a:extLst>
-                  <a:ext uri="{FF2B5EF4-FFF2-40B4-BE49-F238E27FC236}">
-                    <a16:creationId xmlns:a16="http://schemas.microsoft.com/office/drawing/2014/main" id="{F1FF2DCD-37CE-4246-A924-2A0B8F48E334}"/>
-                  </a:ext>
-                </a:extLst>
-              </p:cNvPr>
-              <p:cNvPicPr>
-                <a:picLocks noChangeAspect="1" noChangeArrowheads="1"/>
-              </p:cNvPicPr>
-              <p:nvPr/>
-            </p:nvPicPr>
-            <p:blipFill rotWithShape="1">
-              <a:blip r:embed="rId2">
-                <a:extLst>
-                  <a:ext uri="{28A0092B-C50C-407E-A947-70E740481C1C}">
-                    <a14:useLocalDpi xmlns:a14="http://schemas.microsoft.com/office/drawing/2010/main" val="0"/>
-                  </a:ext>
-                </a:extLst>
-              </a:blip>
-              <a:srcRect l="9212" r="15076" b="36211"/>
-              <a:stretch/>
-            </p:blipFill>
-            <p:spPr bwMode="auto">
-              <a:xfrm>
-                <a:off x="3351578" y="1006280"/>
-                <a:ext cx="1022412" cy="957611"/>
-              </a:xfrm>
-              <a:prstGeom prst="rect">
-                <a:avLst/>
-              </a:prstGeom>
-              <a:noFill/>
-              <a:extLst>
-                <a:ext uri="{909E8E84-426E-40DD-AFC4-6F175D3DCCD1}">
-                  <a14:hiddenFill xmlns:a14="http://schemas.microsoft.com/office/drawing/2010/main">
-                    <a:solidFill>
-                      <a:srgbClr val="FFFFFF"/>
-                    </a:solidFill>
-                  </a14:hiddenFill>
-                </a:ext>
-              </a:extLst>
-            </p:spPr>
-          </p:pic>
-          <p:pic>
-            <p:nvPicPr>
-              <p:cNvPr id="8" name="Picture 7">
-                <a:extLst>
-                  <a:ext uri="{FF2B5EF4-FFF2-40B4-BE49-F238E27FC236}">
-                    <a16:creationId xmlns:a16="http://schemas.microsoft.com/office/drawing/2014/main" id="{109CAD82-425C-433C-BD11-7631BC1F174B}"/>
-                  </a:ext>
-                </a:extLst>
-              </p:cNvPr>
-              <p:cNvPicPr>
-                <a:picLocks noChangeAspect="1"/>
-              </p:cNvPicPr>
-              <p:nvPr/>
-            </p:nvPicPr>
-            <p:blipFill>
-              <a:blip r:embed="rId3"/>
-              <a:stretch>
-                <a:fillRect/>
-              </a:stretch>
-            </p:blipFill>
-            <p:spPr>
-              <a:xfrm>
-                <a:off x="2227452" y="1006280"/>
-                <a:ext cx="727217" cy="950976"/>
-              </a:xfrm>
-              <a:prstGeom prst="rect">
-                <a:avLst/>
-              </a:prstGeom>
-            </p:spPr>
-          </p:pic>
-          <p:sp>
-            <p:nvSpPr>
-              <p:cNvPr id="15" name="Rectangle: Rounded Corners 14">
-                <a:extLst>
-                  <a:ext uri="{FF2B5EF4-FFF2-40B4-BE49-F238E27FC236}">
-                    <a16:creationId xmlns:a16="http://schemas.microsoft.com/office/drawing/2014/main" id="{F196357D-8070-4FA4-A56D-BAA9DE78AEBA}"/>
-                  </a:ext>
-                </a:extLst>
-              </p:cNvPr>
-              <p:cNvSpPr/>
-              <p:nvPr/>
-            </p:nvSpPr>
-            <p:spPr>
-              <a:xfrm>
-                <a:off x="1915483" y="3429000"/>
-                <a:ext cx="2743200" cy="2743200"/>
-              </a:xfrm>
-              <a:prstGeom prst="roundRect">
-                <a:avLst/>
-              </a:prstGeom>
-              <a:solidFill>
-                <a:srgbClr val="7030A0"/>
-              </a:solidFill>
-              <a:ln>
-                <a:noFill/>
-              </a:ln>
-            </p:spPr>
-            <p:style>
-              <a:lnRef idx="2">
-                <a:schemeClr val="accent1">
-                  <a:shade val="50000"/>
-                </a:schemeClr>
-              </a:lnRef>
-              <a:fillRef idx="1">
-                <a:schemeClr val="accent1"/>
-              </a:fillRef>
-              <a:effectRef idx="0">
-                <a:schemeClr val="accent1"/>
-              </a:effectRef>
-              <a:fontRef idx="minor">
-                <a:schemeClr val="lt1"/>
-              </a:fontRef>
-            </p:style>
-            <p:txBody>
-              <a:bodyPr rtlCol="0" anchor="ctr"/>
-              <a:lstStyle/>
-              <a:p>
-                <a:pPr algn="ctr"/>
-                <a:r>
-                  <a:rPr lang="pt-PT" sz="2400" dirty="0" err="1"/>
-                  <a:t>Service</a:t>
-                </a:r>
-                <a:endParaRPr lang="pt-PT" sz="2400" dirty="0"/>
-              </a:p>
-              <a:p>
-                <a:pPr algn="ctr"/>
-                <a:endParaRPr lang="pt-PT" sz="2400" dirty="0"/>
-              </a:p>
-              <a:p>
-                <a:pPr algn="ctr"/>
-                <a:endParaRPr lang="pt-PT" sz="2400" dirty="0"/>
-              </a:p>
-              <a:p>
-                <a:pPr algn="ctr"/>
-                <a:br>
-                  <a:rPr lang="pt-PT" sz="2400" dirty="0"/>
-                </a:br>
-                <a:endParaRPr lang="pt-PT" sz="2400" dirty="0"/>
-              </a:p>
-              <a:p>
-                <a:pPr algn="ctr"/>
-                <a:r>
-                  <a:rPr lang="pt-PT" sz="3600" dirty="0"/>
-                  <a:t>Core</a:t>
-                </a:r>
-                <a:endParaRPr lang="en-US" sz="2400" dirty="0"/>
-              </a:p>
-            </p:txBody>
-          </p:sp>
-          <p:pic>
-            <p:nvPicPr>
-              <p:cNvPr id="10" name="Picture 9">
-                <a:extLst>
-                  <a:ext uri="{FF2B5EF4-FFF2-40B4-BE49-F238E27FC236}">
-                    <a16:creationId xmlns:a16="http://schemas.microsoft.com/office/drawing/2014/main" id="{34336BC9-933C-45E7-AAA3-A8544A1BE9ED}"/>
-                  </a:ext>
-                </a:extLst>
-              </p:cNvPr>
-              <p:cNvPicPr>
-                <a:picLocks noChangeAspect="1"/>
-              </p:cNvPicPr>
-              <p:nvPr/>
-            </p:nvPicPr>
-            <p:blipFill>
-              <a:blip r:embed="rId4"/>
-              <a:stretch>
-                <a:fillRect/>
-              </a:stretch>
-            </p:blipFill>
-            <p:spPr>
-              <a:xfrm>
-                <a:off x="2207303" y="4417535"/>
-                <a:ext cx="2159559" cy="766129"/>
-              </a:xfrm>
-              <a:prstGeom prst="rect">
-                <a:avLst/>
-              </a:prstGeom>
-            </p:spPr>
-          </p:pic>
-          <p:sp>
-            <p:nvSpPr>
-              <p:cNvPr id="11" name="Arrow: Up-Down 10">
-                <a:extLst>
-                  <a:ext uri="{FF2B5EF4-FFF2-40B4-BE49-F238E27FC236}">
-                    <a16:creationId xmlns:a16="http://schemas.microsoft.com/office/drawing/2014/main" id="{CBDBD8E4-B3E0-4956-A29B-BC8E6D5E5D33}"/>
-                  </a:ext>
-                </a:extLst>
-              </p:cNvPr>
-              <p:cNvSpPr/>
-              <p:nvPr/>
-            </p:nvSpPr>
-            <p:spPr>
-              <a:xfrm rot="16200000">
-                <a:off x="5706091" y="3412632"/>
-                <a:ext cx="1079500" cy="2704406"/>
-              </a:xfrm>
-              <a:prstGeom prst="upDownArrow">
-                <a:avLst/>
-              </a:prstGeom>
-            </p:spPr>
-            <p:style>
-              <a:lnRef idx="2">
-                <a:schemeClr val="accent3">
-                  <a:shade val="50000"/>
-                </a:schemeClr>
-              </a:lnRef>
-              <a:fillRef idx="1">
-                <a:schemeClr val="accent3"/>
-              </a:fillRef>
-              <a:effectRef idx="0">
-                <a:schemeClr val="accent3"/>
-              </a:effectRef>
-              <a:fontRef idx="minor">
-                <a:schemeClr val="lt1"/>
-              </a:fontRef>
-            </p:style>
-            <p:txBody>
-              <a:bodyPr vert="vert" rtlCol="0" anchor="ctr"/>
-              <a:lstStyle/>
-              <a:p>
-                <a:pPr algn="ctr"/>
-                <a:r>
-                  <a:rPr lang="pt-PT" sz="3200" dirty="0"/>
-                  <a:t>API</a:t>
-                </a:r>
-                <a:endParaRPr lang="en-US" sz="3200" dirty="0"/>
-              </a:p>
-            </p:txBody>
-          </p:sp>
-          <p:sp>
-            <p:nvSpPr>
-              <p:cNvPr id="17" name="Arrow: Up-Down 16">
-                <a:extLst>
-                  <a:ext uri="{FF2B5EF4-FFF2-40B4-BE49-F238E27FC236}">
-                    <a16:creationId xmlns:a16="http://schemas.microsoft.com/office/drawing/2014/main" id="{4AAE84ED-5DD6-48AE-887B-17A0B2529690}"/>
-                  </a:ext>
-                </a:extLst>
-              </p:cNvPr>
-              <p:cNvSpPr/>
-              <p:nvPr/>
-            </p:nvSpPr>
-            <p:spPr>
-              <a:xfrm>
-                <a:off x="2558371" y="6172199"/>
-                <a:ext cx="1496196" cy="2792602"/>
-              </a:xfrm>
-              <a:prstGeom prst="upDownArrow">
-                <a:avLst/>
-              </a:prstGeom>
-            </p:spPr>
-            <p:style>
-              <a:lnRef idx="2">
-                <a:schemeClr val="accent3">
-                  <a:shade val="50000"/>
-                </a:schemeClr>
-              </a:lnRef>
-              <a:fillRef idx="1">
-                <a:schemeClr val="accent3"/>
-              </a:fillRef>
-              <a:effectRef idx="0">
-                <a:schemeClr val="accent3"/>
-              </a:effectRef>
-              <a:fontRef idx="minor">
-                <a:schemeClr val="lt1"/>
-              </a:fontRef>
-            </p:style>
-            <p:txBody>
-              <a:bodyPr rtlCol="0" anchor="ctr"/>
-              <a:lstStyle/>
-              <a:p>
-                <a:pPr algn="ctr"/>
-                <a:r>
-                  <a:rPr lang="pt-PT" sz="3200" dirty="0"/>
-                  <a:t>API</a:t>
-                </a:r>
-                <a:endParaRPr lang="en-US" sz="3200" dirty="0"/>
-              </a:p>
-            </p:txBody>
-          </p:sp>
-          <p:pic>
-            <p:nvPicPr>
-              <p:cNvPr id="18" name="Picture 17">
-                <a:extLst>
-                  <a:ext uri="{FF2B5EF4-FFF2-40B4-BE49-F238E27FC236}">
-                    <a16:creationId xmlns:a16="http://schemas.microsoft.com/office/drawing/2014/main" id="{AB6DD11D-6205-4CD4-9850-F350D9916B2E}"/>
-                  </a:ext>
-                </a:extLst>
-              </p:cNvPr>
-              <p:cNvPicPr>
-                <a:picLocks noChangeAspect="1"/>
-              </p:cNvPicPr>
-              <p:nvPr/>
-            </p:nvPicPr>
-            <p:blipFill>
-              <a:blip r:embed="rId4"/>
-              <a:stretch>
-                <a:fillRect/>
-              </a:stretch>
-            </p:blipFill>
-            <p:spPr>
-              <a:xfrm>
-                <a:off x="2207303" y="9891234"/>
-                <a:ext cx="2159559" cy="766129"/>
-              </a:xfrm>
-              <a:prstGeom prst="rect">
-                <a:avLst/>
-              </a:prstGeom>
-            </p:spPr>
-          </p:pic>
-          <p:sp>
-            <p:nvSpPr>
-              <p:cNvPr id="40" name="Rectangle: Rounded Corners 39">
-                <a:extLst>
-                  <a:ext uri="{FF2B5EF4-FFF2-40B4-BE49-F238E27FC236}">
-                    <a16:creationId xmlns:a16="http://schemas.microsoft.com/office/drawing/2014/main" id="{B2520498-0C46-4639-AFC0-D1D21BB83673}"/>
-                  </a:ext>
-                </a:extLst>
-              </p:cNvPr>
-              <p:cNvSpPr/>
-              <p:nvPr/>
-            </p:nvSpPr>
-            <p:spPr>
-              <a:xfrm>
-                <a:off x="7598044" y="-2990850"/>
-                <a:ext cx="3236520" cy="10934700"/>
-              </a:xfrm>
-              <a:prstGeom prst="roundRect">
-                <a:avLst/>
-              </a:prstGeom>
-              <a:noFill/>
-              <a:ln w="57150">
-                <a:solidFill>
-                  <a:schemeClr val="bg1">
-                    <a:lumMod val="50000"/>
-                  </a:schemeClr>
-                </a:solidFill>
-                <a:prstDash val="dash"/>
-              </a:ln>
-            </p:spPr>
-            <p:style>
-              <a:lnRef idx="2">
-                <a:schemeClr val="accent1">
-                  <a:shade val="50000"/>
-                </a:schemeClr>
-              </a:lnRef>
-              <a:fillRef idx="1">
-                <a:schemeClr val="accent1"/>
-              </a:fillRef>
-              <a:effectRef idx="0">
-                <a:schemeClr val="accent1"/>
-              </a:effectRef>
-              <a:fontRef idx="minor">
-                <a:schemeClr val="lt1"/>
-              </a:fontRef>
-            </p:style>
-            <p:txBody>
-              <a:bodyPr rtlCol="0" anchor="t"/>
-              <a:lstStyle/>
-              <a:p>
-                <a:pPr algn="ctr"/>
-                <a:r>
-                  <a:rPr lang="pt-PT" sz="3200" dirty="0" err="1">
-                    <a:solidFill>
-                      <a:schemeClr val="tx1"/>
-                    </a:solidFill>
-                  </a:rPr>
-                  <a:t>Mirror</a:t>
-                </a:r>
-                <a:endParaRPr lang="en-US" sz="3200" dirty="0">
-                  <a:solidFill>
-                    <a:schemeClr val="tx1"/>
-                  </a:solidFill>
-                </a:endParaRPr>
-              </a:p>
-            </p:txBody>
-          </p:sp>
-          <p:pic>
-            <p:nvPicPr>
-              <p:cNvPr id="13" name="Graphic 12" descr="Veterinarian">
-                <a:extLst>
-                  <a:ext uri="{FF2B5EF4-FFF2-40B4-BE49-F238E27FC236}">
-                    <a16:creationId xmlns:a16="http://schemas.microsoft.com/office/drawing/2014/main" id="{45E1FDB9-3ABB-47DC-97DA-19C88609068A}"/>
-                  </a:ext>
-                </a:extLst>
-              </p:cNvPr>
-              <p:cNvPicPr>
-                <a:picLocks noChangeAspect="1"/>
-              </p:cNvPicPr>
-              <p:nvPr/>
-            </p:nvPicPr>
-            <p:blipFill>
-              <a:blip r:embed="rId5">
-                <a:extLst>
-                  <a:ext uri="{28A0092B-C50C-407E-A947-70E740481C1C}">
-                    <a14:useLocalDpi xmlns:a14="http://schemas.microsoft.com/office/drawing/2010/main" val="0"/>
-                  </a:ext>
-                  <a:ext uri="{96DAC541-7B7A-43D3-8B79-37D633B846F1}">
-                    <asvg:svgBlip xmlns:asvg="http://schemas.microsoft.com/office/drawing/2016/SVG/main" r:embed="rId6"/>
-                  </a:ext>
-                </a:extLst>
-              </a:blip>
-              <a:stretch>
-                <a:fillRect/>
-              </a:stretch>
-            </p:blipFill>
-            <p:spPr>
-              <a:xfrm>
-                <a:off x="-2800399" y="9017171"/>
-                <a:ext cx="2343150" cy="2343150"/>
-              </a:xfrm>
-              <a:prstGeom prst="rect">
-                <a:avLst/>
-              </a:prstGeom>
-            </p:spPr>
-          </p:pic>
-          <p:sp>
-            <p:nvSpPr>
-              <p:cNvPr id="21" name="Arrow: Up-Down 20">
-                <a:extLst>
-                  <a:ext uri="{FF2B5EF4-FFF2-40B4-BE49-F238E27FC236}">
-                    <a16:creationId xmlns:a16="http://schemas.microsoft.com/office/drawing/2014/main" id="{CCBBF6BF-45DB-415E-88A6-FE9EB8B0195D}"/>
-                  </a:ext>
-                </a:extLst>
-              </p:cNvPr>
-              <p:cNvSpPr/>
-              <p:nvPr/>
-            </p:nvSpPr>
-            <p:spPr>
-              <a:xfrm rot="16200000">
-                <a:off x="-87663" y="9164826"/>
-                <a:ext cx="1079500" cy="2343150"/>
-              </a:xfrm>
-              <a:prstGeom prst="upDownArrow">
-                <a:avLst/>
-              </a:prstGeom>
-            </p:spPr>
-            <p:style>
-              <a:lnRef idx="2">
-                <a:schemeClr val="accent3">
-                  <a:shade val="50000"/>
-                </a:schemeClr>
-              </a:lnRef>
-              <a:fillRef idx="1">
-                <a:schemeClr val="accent3"/>
-              </a:fillRef>
-              <a:effectRef idx="0">
-                <a:schemeClr val="accent3"/>
-              </a:effectRef>
-              <a:fontRef idx="minor">
-                <a:schemeClr val="lt1"/>
-              </a:fontRef>
-            </p:style>
-            <p:txBody>
-              <a:bodyPr vert="vert" rtlCol="0" anchor="ctr"/>
-              <a:lstStyle/>
-              <a:p>
-                <a:pPr algn="ctr"/>
-                <a:endParaRPr lang="en-US" sz="3200" dirty="0"/>
-              </a:p>
-            </p:txBody>
-          </p:sp>
-          <p:grpSp>
-            <p:nvGrpSpPr>
-              <p:cNvPr id="25" name="Group 24">
-                <a:extLst>
-                  <a:ext uri="{FF2B5EF4-FFF2-40B4-BE49-F238E27FC236}">
-                    <a16:creationId xmlns:a16="http://schemas.microsoft.com/office/drawing/2014/main" id="{AB84C96E-54EA-438A-B9C5-0C0E0C68E355}"/>
+                    <a16:creationId xmlns:a16="http://schemas.microsoft.com/office/drawing/2014/main" id="{C3036835-78B2-4686-970F-0814347D8D56}"/>
                   </a:ext>
                 </a:extLst>
               </p:cNvPr>
@@ -4090,18 +3380,728 @@
             </p:nvGrpSpPr>
             <p:grpSpPr>
               <a:xfrm>
-                <a:off x="7799970" y="1115763"/>
-                <a:ext cx="2743200" cy="6603543"/>
-                <a:chOff x="7799970" y="2089489"/>
-                <a:chExt cx="2743200" cy="6603543"/>
+                <a:off x="-3563015" y="-3817498"/>
+                <a:ext cx="17034405" cy="15761848"/>
+                <a:chOff x="-3563015" y="-3817498"/>
+                <a:chExt cx="17034405" cy="15761848"/>
               </a:xfrm>
             </p:grpSpPr>
+            <p:sp>
+              <p:nvSpPr>
+                <p:cNvPr id="2" name="Rectangle: Rounded Corners 1">
+                  <a:extLst>
+                    <a:ext uri="{FF2B5EF4-FFF2-40B4-BE49-F238E27FC236}">
+                      <a16:creationId xmlns:a16="http://schemas.microsoft.com/office/drawing/2014/main" id="{0E377626-B539-44C7-8D1B-38C33EA7CE78}"/>
+                    </a:ext>
+                  </a:extLst>
+                </p:cNvPr>
+                <p:cNvSpPr/>
+                <p:nvPr/>
+              </p:nvSpPr>
+              <p:spPr>
+                <a:xfrm>
+                  <a:off x="1657118" y="-762000"/>
+                  <a:ext cx="3236520" cy="12706350"/>
+                </a:xfrm>
+                <a:prstGeom prst="roundRect">
+                  <a:avLst/>
+                </a:prstGeom>
+                <a:solidFill>
+                  <a:schemeClr val="bg1">
+                    <a:lumMod val="85000"/>
+                  </a:schemeClr>
+                </a:solidFill>
+                <a:ln>
+                  <a:noFill/>
+                </a:ln>
+              </p:spPr>
+              <p:style>
+                <a:lnRef idx="2">
+                  <a:schemeClr val="accent1">
+                    <a:shade val="50000"/>
+                  </a:schemeClr>
+                </a:lnRef>
+                <a:fillRef idx="1">
+                  <a:schemeClr val="accent1"/>
+                </a:fillRef>
+                <a:effectRef idx="0">
+                  <a:schemeClr val="accent1"/>
+                </a:effectRef>
+                <a:fontRef idx="minor">
+                  <a:schemeClr val="lt1"/>
+                </a:fontRef>
+              </p:style>
+              <p:txBody>
+                <a:bodyPr rtlCol="0" anchor="t"/>
+                <a:lstStyle/>
+                <a:p>
+                  <a:pPr algn="ctr"/>
+                  <a:r>
+                    <a:rPr lang="pt-PT" sz="3200" dirty="0" err="1">
+                      <a:solidFill>
+                        <a:schemeClr val="tx1"/>
+                      </a:solidFill>
+                    </a:rPr>
+                    <a:t>Services</a:t>
+                  </a:r>
+                  <a:endParaRPr lang="en-US" sz="3200" dirty="0">
+                    <a:solidFill>
+                      <a:schemeClr val="tx1"/>
+                    </a:solidFill>
+                  </a:endParaRPr>
+                </a:p>
+              </p:txBody>
+            </p:sp>
+            <p:sp>
+              <p:nvSpPr>
+                <p:cNvPr id="3" name="Rectangle: Rounded Corners 2">
+                  <a:extLst>
+                    <a:ext uri="{FF2B5EF4-FFF2-40B4-BE49-F238E27FC236}">
+                      <a16:creationId xmlns:a16="http://schemas.microsoft.com/office/drawing/2014/main" id="{FFA75B0E-9D63-4199-A43D-311B48457F7C}"/>
+                    </a:ext>
+                  </a:extLst>
+                </p:cNvPr>
+                <p:cNvSpPr/>
+                <p:nvPr/>
+              </p:nvSpPr>
+              <p:spPr>
+                <a:xfrm>
+                  <a:off x="1915483" y="8964801"/>
+                  <a:ext cx="2743200" cy="2743200"/>
+                </a:xfrm>
+                <a:prstGeom prst="roundRect">
+                  <a:avLst/>
+                </a:prstGeom>
+                <a:solidFill>
+                  <a:srgbClr val="C00000"/>
+                </a:solidFill>
+                <a:ln>
+                  <a:noFill/>
+                </a:ln>
+              </p:spPr>
+              <p:style>
+                <a:lnRef idx="2">
+                  <a:schemeClr val="accent1">
+                    <a:shade val="50000"/>
+                  </a:schemeClr>
+                </a:lnRef>
+                <a:fillRef idx="1">
+                  <a:schemeClr val="accent1"/>
+                </a:fillRef>
+                <a:effectRef idx="0">
+                  <a:schemeClr val="accent1"/>
+                </a:effectRef>
+                <a:fontRef idx="minor">
+                  <a:schemeClr val="lt1"/>
+                </a:fontRef>
+              </p:style>
+              <p:txBody>
+                <a:bodyPr rtlCol="0" anchor="ctr"/>
+                <a:lstStyle/>
+                <a:p>
+                  <a:pPr algn="ctr"/>
+                  <a:r>
+                    <a:rPr lang="pt-PT" sz="2400" dirty="0"/>
+                    <a:t>(</a:t>
+                  </a:r>
+                  <a:r>
+                    <a:rPr lang="pt-PT" sz="2400" dirty="0" err="1"/>
+                    <a:t>External</a:t>
+                  </a:r>
+                  <a:r>
+                    <a:rPr lang="pt-PT" sz="2400" dirty="0"/>
+                    <a:t>) </a:t>
+                  </a:r>
+                  <a:r>
+                    <a:rPr lang="pt-PT" sz="2400" dirty="0" err="1"/>
+                    <a:t>Service</a:t>
+                  </a:r>
+                  <a:endParaRPr lang="pt-PT" sz="2400" dirty="0"/>
+                </a:p>
+                <a:p>
+                  <a:pPr algn="ctr"/>
+                  <a:endParaRPr lang="pt-PT" sz="2400" dirty="0"/>
+                </a:p>
+                <a:p>
+                  <a:pPr algn="ctr"/>
+                  <a:endParaRPr lang="pt-PT" sz="2400" dirty="0"/>
+                </a:p>
+                <a:p>
+                  <a:pPr algn="ctr"/>
+                  <a:br>
+                    <a:rPr lang="pt-PT" sz="2400" dirty="0"/>
+                  </a:br>
+                  <a:endParaRPr lang="pt-PT" sz="2400" dirty="0"/>
+                </a:p>
+                <a:p>
+                  <a:pPr algn="ctr"/>
+                  <a:r>
+                    <a:rPr lang="pt-PT" sz="3600" dirty="0" err="1"/>
+                    <a:t>Doctor</a:t>
+                  </a:r>
+                  <a:r>
+                    <a:rPr lang="pt-PT" sz="3600" dirty="0"/>
+                    <a:t> App</a:t>
+                  </a:r>
+                  <a:endParaRPr lang="en-US" sz="2400" dirty="0"/>
+                </a:p>
+              </p:txBody>
+            </p:sp>
+            <p:sp>
+              <p:nvSpPr>
+                <p:cNvPr id="6" name="Rectangle: Rounded Corners 5">
+                  <a:extLst>
+                    <a:ext uri="{FF2B5EF4-FFF2-40B4-BE49-F238E27FC236}">
+                      <a16:creationId xmlns:a16="http://schemas.microsoft.com/office/drawing/2014/main" id="{A5BFAAF4-194C-4D41-9381-4EE62196A881}"/>
+                    </a:ext>
+                  </a:extLst>
+                </p:cNvPr>
+                <p:cNvSpPr/>
+                <p:nvPr/>
+              </p:nvSpPr>
+              <p:spPr>
+                <a:xfrm>
+                  <a:off x="1915483" y="302003"/>
+                  <a:ext cx="2743200" cy="2743200"/>
+                </a:xfrm>
+                <a:prstGeom prst="roundRect">
+                  <a:avLst/>
+                </a:prstGeom>
+                <a:solidFill>
+                  <a:srgbClr val="7030A0"/>
+                </a:solidFill>
+                <a:ln>
+                  <a:noFill/>
+                </a:ln>
+              </p:spPr>
+              <p:style>
+                <a:lnRef idx="2">
+                  <a:schemeClr val="accent1">
+                    <a:shade val="50000"/>
+                  </a:schemeClr>
+                </a:lnRef>
+                <a:fillRef idx="1">
+                  <a:schemeClr val="accent1"/>
+                </a:fillRef>
+                <a:effectRef idx="0">
+                  <a:schemeClr val="accent1"/>
+                </a:effectRef>
+                <a:fontRef idx="minor">
+                  <a:schemeClr val="lt1"/>
+                </a:fontRef>
+              </p:style>
+              <p:txBody>
+                <a:bodyPr rtlCol="0" anchor="ctr"/>
+                <a:lstStyle/>
+                <a:p>
+                  <a:pPr algn="ctr"/>
+                  <a:r>
+                    <a:rPr lang="pt-PT" sz="2400" dirty="0" err="1"/>
+                    <a:t>Service</a:t>
+                  </a:r>
+                  <a:endParaRPr lang="pt-PT" sz="2400" dirty="0"/>
+                </a:p>
+                <a:p>
+                  <a:pPr algn="ctr"/>
+                  <a:endParaRPr lang="pt-PT" sz="2400" dirty="0"/>
+                </a:p>
+                <a:p>
+                  <a:pPr algn="ctr"/>
+                  <a:endParaRPr lang="pt-PT" sz="2400" dirty="0"/>
+                </a:p>
+                <a:p>
+                  <a:pPr algn="ctr"/>
+                  <a:br>
+                    <a:rPr lang="pt-PT" sz="2400" dirty="0"/>
+                  </a:br>
+                  <a:r>
+                    <a:rPr lang="pt-PT" sz="3600" dirty="0" err="1"/>
+                    <a:t>Emotion</a:t>
+                  </a:r>
+                  <a:r>
+                    <a:rPr lang="pt-PT" sz="3600" dirty="0"/>
+                    <a:t> </a:t>
+                  </a:r>
+                  <a:r>
+                    <a:rPr lang="pt-PT" sz="3600" dirty="0" err="1"/>
+                    <a:t>Analysis</a:t>
+                  </a:r>
+                  <a:endParaRPr lang="en-US" sz="2400" dirty="0"/>
+                </a:p>
+              </p:txBody>
+            </p:sp>
+            <p:pic>
+              <p:nvPicPr>
+                <p:cNvPr id="1028" name="Picture 4">
+                  <a:extLst>
+                    <a:ext uri="{FF2B5EF4-FFF2-40B4-BE49-F238E27FC236}">
+                      <a16:creationId xmlns:a16="http://schemas.microsoft.com/office/drawing/2014/main" id="{F1FF2DCD-37CE-4246-A924-2A0B8F48E334}"/>
+                    </a:ext>
+                  </a:extLst>
+                </p:cNvPr>
+                <p:cNvPicPr>
+                  <a:picLocks noChangeAspect="1" noChangeArrowheads="1"/>
+                </p:cNvPicPr>
+                <p:nvPr/>
+              </p:nvPicPr>
+              <p:blipFill rotWithShape="1">
+                <a:blip r:embed="rId2">
+                  <a:extLst>
+                    <a:ext uri="{28A0092B-C50C-407E-A947-70E740481C1C}">
+                      <a14:useLocalDpi xmlns:a14="http://schemas.microsoft.com/office/drawing/2010/main" val="0"/>
+                    </a:ext>
+                  </a:extLst>
+                </a:blip>
+                <a:srcRect l="9212" r="15076" b="36211"/>
+                <a:stretch/>
+              </p:blipFill>
+              <p:spPr bwMode="auto">
+                <a:xfrm>
+                  <a:off x="3351578" y="1006280"/>
+                  <a:ext cx="1022412" cy="957611"/>
+                </a:xfrm>
+                <a:prstGeom prst="rect">
+                  <a:avLst/>
+                </a:prstGeom>
+                <a:noFill/>
+                <a:extLst>
+                  <a:ext uri="{909E8E84-426E-40DD-AFC4-6F175D3DCCD1}">
+                    <a14:hiddenFill xmlns:a14="http://schemas.microsoft.com/office/drawing/2010/main">
+                      <a:solidFill>
+                        <a:srgbClr val="FFFFFF"/>
+                      </a:solidFill>
+                    </a14:hiddenFill>
+                  </a:ext>
+                </a:extLst>
+              </p:spPr>
+            </p:pic>
+            <p:pic>
+              <p:nvPicPr>
+                <p:cNvPr id="8" name="Picture 7">
+                  <a:extLst>
+                    <a:ext uri="{FF2B5EF4-FFF2-40B4-BE49-F238E27FC236}">
+                      <a16:creationId xmlns:a16="http://schemas.microsoft.com/office/drawing/2014/main" id="{109CAD82-425C-433C-BD11-7631BC1F174B}"/>
+                    </a:ext>
+                  </a:extLst>
+                </p:cNvPr>
+                <p:cNvPicPr>
+                  <a:picLocks noChangeAspect="1"/>
+                </p:cNvPicPr>
+                <p:nvPr/>
+              </p:nvPicPr>
+              <p:blipFill>
+                <a:blip r:embed="rId3"/>
+                <a:stretch>
+                  <a:fillRect/>
+                </a:stretch>
+              </p:blipFill>
+              <p:spPr>
+                <a:xfrm>
+                  <a:off x="2227452" y="1006280"/>
+                  <a:ext cx="727217" cy="950976"/>
+                </a:xfrm>
+                <a:prstGeom prst="rect">
+                  <a:avLst/>
+                </a:prstGeom>
+              </p:spPr>
+            </p:pic>
+            <p:sp>
+              <p:nvSpPr>
+                <p:cNvPr id="15" name="Rectangle: Rounded Corners 14">
+                  <a:extLst>
+                    <a:ext uri="{FF2B5EF4-FFF2-40B4-BE49-F238E27FC236}">
+                      <a16:creationId xmlns:a16="http://schemas.microsoft.com/office/drawing/2014/main" id="{F196357D-8070-4FA4-A56D-BAA9DE78AEBA}"/>
+                    </a:ext>
+                  </a:extLst>
+                </p:cNvPr>
+                <p:cNvSpPr/>
+                <p:nvPr/>
+              </p:nvSpPr>
+              <p:spPr>
+                <a:xfrm>
+                  <a:off x="1915483" y="3429000"/>
+                  <a:ext cx="2743200" cy="2743200"/>
+                </a:xfrm>
+                <a:prstGeom prst="roundRect">
+                  <a:avLst/>
+                </a:prstGeom>
+                <a:solidFill>
+                  <a:srgbClr val="7030A0"/>
+                </a:solidFill>
+                <a:ln>
+                  <a:noFill/>
+                </a:ln>
+              </p:spPr>
+              <p:style>
+                <a:lnRef idx="2">
+                  <a:schemeClr val="accent1">
+                    <a:shade val="50000"/>
+                  </a:schemeClr>
+                </a:lnRef>
+                <a:fillRef idx="1">
+                  <a:schemeClr val="accent1"/>
+                </a:fillRef>
+                <a:effectRef idx="0">
+                  <a:schemeClr val="accent1"/>
+                </a:effectRef>
+                <a:fontRef idx="minor">
+                  <a:schemeClr val="lt1"/>
+                </a:fontRef>
+              </p:style>
+              <p:txBody>
+                <a:bodyPr rtlCol="0" anchor="ctr"/>
+                <a:lstStyle/>
+                <a:p>
+                  <a:pPr algn="ctr"/>
+                  <a:r>
+                    <a:rPr lang="pt-PT" sz="2400" dirty="0" err="1"/>
+                    <a:t>Service</a:t>
+                  </a:r>
+                  <a:endParaRPr lang="pt-PT" sz="2400" dirty="0"/>
+                </a:p>
+                <a:p>
+                  <a:pPr algn="ctr"/>
+                  <a:endParaRPr lang="pt-PT" sz="2400" dirty="0"/>
+                </a:p>
+                <a:p>
+                  <a:pPr algn="ctr"/>
+                  <a:endParaRPr lang="pt-PT" sz="2400" dirty="0"/>
+                </a:p>
+                <a:p>
+                  <a:pPr algn="ctr"/>
+                  <a:br>
+                    <a:rPr lang="pt-PT" sz="2400" dirty="0"/>
+                  </a:br>
+                  <a:endParaRPr lang="pt-PT" sz="2400" dirty="0"/>
+                </a:p>
+                <a:p>
+                  <a:pPr algn="ctr"/>
+                  <a:r>
+                    <a:rPr lang="pt-PT" sz="3600" dirty="0"/>
+                    <a:t>Core</a:t>
+                  </a:r>
+                  <a:endParaRPr lang="en-US" sz="2400" dirty="0"/>
+                </a:p>
+              </p:txBody>
+            </p:sp>
+            <p:pic>
+              <p:nvPicPr>
+                <p:cNvPr id="10" name="Picture 9">
+                  <a:extLst>
+                    <a:ext uri="{FF2B5EF4-FFF2-40B4-BE49-F238E27FC236}">
+                      <a16:creationId xmlns:a16="http://schemas.microsoft.com/office/drawing/2014/main" id="{34336BC9-933C-45E7-AAA3-A8544A1BE9ED}"/>
+                    </a:ext>
+                  </a:extLst>
+                </p:cNvPr>
+                <p:cNvPicPr>
+                  <a:picLocks noChangeAspect="1"/>
+                </p:cNvPicPr>
+                <p:nvPr/>
+              </p:nvPicPr>
+              <p:blipFill>
+                <a:blip r:embed="rId4"/>
+                <a:stretch>
+                  <a:fillRect/>
+                </a:stretch>
+              </p:blipFill>
+              <p:spPr>
+                <a:xfrm>
+                  <a:off x="2207303" y="4417535"/>
+                  <a:ext cx="2159559" cy="766129"/>
+                </a:xfrm>
+                <a:prstGeom prst="rect">
+                  <a:avLst/>
+                </a:prstGeom>
+              </p:spPr>
+            </p:pic>
+            <p:sp>
+              <p:nvSpPr>
+                <p:cNvPr id="11" name="Arrow: Up-Down 10">
+                  <a:extLst>
+                    <a:ext uri="{FF2B5EF4-FFF2-40B4-BE49-F238E27FC236}">
+                      <a16:creationId xmlns:a16="http://schemas.microsoft.com/office/drawing/2014/main" id="{CBDBD8E4-B3E0-4956-A29B-BC8E6D5E5D33}"/>
+                    </a:ext>
+                  </a:extLst>
+                </p:cNvPr>
+                <p:cNvSpPr/>
+                <p:nvPr/>
+              </p:nvSpPr>
+              <p:spPr>
+                <a:xfrm rot="16200000">
+                  <a:off x="5706091" y="3412632"/>
+                  <a:ext cx="1079500" cy="2704406"/>
+                </a:xfrm>
+                <a:prstGeom prst="upDownArrow">
+                  <a:avLst/>
+                </a:prstGeom>
+              </p:spPr>
+              <p:style>
+                <a:lnRef idx="2">
+                  <a:schemeClr val="accent3">
+                    <a:shade val="50000"/>
+                  </a:schemeClr>
+                </a:lnRef>
+                <a:fillRef idx="1">
+                  <a:schemeClr val="accent3"/>
+                </a:fillRef>
+                <a:effectRef idx="0">
+                  <a:schemeClr val="accent3"/>
+                </a:effectRef>
+                <a:fontRef idx="minor">
+                  <a:schemeClr val="lt1"/>
+                </a:fontRef>
+              </p:style>
+              <p:txBody>
+                <a:bodyPr vert="vert" rtlCol="0" anchor="ctr"/>
+                <a:lstStyle/>
+                <a:p>
+                  <a:pPr algn="ctr"/>
+                  <a:r>
+                    <a:rPr lang="pt-PT" sz="3200" dirty="0"/>
+                    <a:t>API</a:t>
+                  </a:r>
+                  <a:endParaRPr lang="en-US" sz="3200" dirty="0"/>
+                </a:p>
+              </p:txBody>
+            </p:sp>
+            <p:sp>
+              <p:nvSpPr>
+                <p:cNvPr id="17" name="Arrow: Up-Down 16">
+                  <a:extLst>
+                    <a:ext uri="{FF2B5EF4-FFF2-40B4-BE49-F238E27FC236}">
+                      <a16:creationId xmlns:a16="http://schemas.microsoft.com/office/drawing/2014/main" id="{4AAE84ED-5DD6-48AE-887B-17A0B2529690}"/>
+                    </a:ext>
+                  </a:extLst>
+                </p:cNvPr>
+                <p:cNvSpPr/>
+                <p:nvPr/>
+              </p:nvSpPr>
+              <p:spPr>
+                <a:xfrm>
+                  <a:off x="2558371" y="6172199"/>
+                  <a:ext cx="1496196" cy="2792602"/>
+                </a:xfrm>
+                <a:prstGeom prst="upDownArrow">
+                  <a:avLst/>
+                </a:prstGeom>
+              </p:spPr>
+              <p:style>
+                <a:lnRef idx="2">
+                  <a:schemeClr val="accent3">
+                    <a:shade val="50000"/>
+                  </a:schemeClr>
+                </a:lnRef>
+                <a:fillRef idx="1">
+                  <a:schemeClr val="accent3"/>
+                </a:fillRef>
+                <a:effectRef idx="0">
+                  <a:schemeClr val="accent3"/>
+                </a:effectRef>
+                <a:fontRef idx="minor">
+                  <a:schemeClr val="lt1"/>
+                </a:fontRef>
+              </p:style>
+              <p:txBody>
+                <a:bodyPr rtlCol="0" anchor="ctr"/>
+                <a:lstStyle/>
+                <a:p>
+                  <a:pPr algn="ctr"/>
+                  <a:r>
+                    <a:rPr lang="pt-PT" sz="3200" dirty="0"/>
+                    <a:t>API</a:t>
+                  </a:r>
+                  <a:endParaRPr lang="en-US" sz="3200" dirty="0"/>
+                </a:p>
+              </p:txBody>
+            </p:sp>
+            <p:pic>
+              <p:nvPicPr>
+                <p:cNvPr id="18" name="Picture 17">
+                  <a:extLst>
+                    <a:ext uri="{FF2B5EF4-FFF2-40B4-BE49-F238E27FC236}">
+                      <a16:creationId xmlns:a16="http://schemas.microsoft.com/office/drawing/2014/main" id="{AB6DD11D-6205-4CD4-9850-F350D9916B2E}"/>
+                    </a:ext>
+                  </a:extLst>
+                </p:cNvPr>
+                <p:cNvPicPr>
+                  <a:picLocks noChangeAspect="1"/>
+                </p:cNvPicPr>
+                <p:nvPr/>
+              </p:nvPicPr>
+              <p:blipFill>
+                <a:blip r:embed="rId4"/>
+                <a:stretch>
+                  <a:fillRect/>
+                </a:stretch>
+              </p:blipFill>
+              <p:spPr>
+                <a:xfrm>
+                  <a:off x="2207303" y="9891234"/>
+                  <a:ext cx="2159559" cy="766129"/>
+                </a:xfrm>
+                <a:prstGeom prst="rect">
+                  <a:avLst/>
+                </a:prstGeom>
+              </p:spPr>
+            </p:pic>
+            <p:sp>
+              <p:nvSpPr>
+                <p:cNvPr id="40" name="Rectangle: Rounded Corners 39">
+                  <a:extLst>
+                    <a:ext uri="{FF2B5EF4-FFF2-40B4-BE49-F238E27FC236}">
+                      <a16:creationId xmlns:a16="http://schemas.microsoft.com/office/drawing/2014/main" id="{B2520498-0C46-4639-AFC0-D1D21BB83673}"/>
+                    </a:ext>
+                  </a:extLst>
+                </p:cNvPr>
+                <p:cNvSpPr/>
+                <p:nvPr/>
+              </p:nvSpPr>
+              <p:spPr>
+                <a:xfrm>
+                  <a:off x="7598044" y="-2990850"/>
+                  <a:ext cx="3236520" cy="10934700"/>
+                </a:xfrm>
+                <a:prstGeom prst="roundRect">
+                  <a:avLst/>
+                </a:prstGeom>
+                <a:noFill/>
+                <a:ln w="57150">
+                  <a:solidFill>
+                    <a:schemeClr val="bg1">
+                      <a:lumMod val="50000"/>
+                    </a:schemeClr>
+                  </a:solidFill>
+                  <a:prstDash val="dash"/>
+                </a:ln>
+              </p:spPr>
+              <p:style>
+                <a:lnRef idx="2">
+                  <a:schemeClr val="accent1">
+                    <a:shade val="50000"/>
+                  </a:schemeClr>
+                </a:lnRef>
+                <a:fillRef idx="1">
+                  <a:schemeClr val="accent1"/>
+                </a:fillRef>
+                <a:effectRef idx="0">
+                  <a:schemeClr val="accent1"/>
+                </a:effectRef>
+                <a:fontRef idx="minor">
+                  <a:schemeClr val="lt1"/>
+                </a:fontRef>
+              </p:style>
+              <p:txBody>
+                <a:bodyPr rtlCol="0" anchor="t"/>
+                <a:lstStyle/>
+                <a:p>
+                  <a:pPr algn="ctr"/>
+                  <a:r>
+                    <a:rPr lang="pt-PT" sz="3200" dirty="0" err="1">
+                      <a:solidFill>
+                        <a:schemeClr val="tx1"/>
+                      </a:solidFill>
+                    </a:rPr>
+                    <a:t>Mirror</a:t>
+                  </a:r>
+                  <a:endParaRPr lang="en-US" sz="3200" dirty="0">
+                    <a:solidFill>
+                      <a:schemeClr val="tx1"/>
+                    </a:solidFill>
+                  </a:endParaRPr>
+                </a:p>
+              </p:txBody>
+            </p:sp>
+            <p:pic>
+              <p:nvPicPr>
+                <p:cNvPr id="13" name="Graphic 12" descr="Veterinarian">
+                  <a:extLst>
+                    <a:ext uri="{FF2B5EF4-FFF2-40B4-BE49-F238E27FC236}">
+                      <a16:creationId xmlns:a16="http://schemas.microsoft.com/office/drawing/2014/main" id="{45E1FDB9-3ABB-47DC-97DA-19C88609068A}"/>
+                    </a:ext>
+                  </a:extLst>
+                </p:cNvPr>
+                <p:cNvPicPr>
+                  <a:picLocks noChangeAspect="1"/>
+                </p:cNvPicPr>
+                <p:nvPr/>
+              </p:nvPicPr>
+              <p:blipFill>
+                <a:blip r:embed="rId5">
+                  <a:extLst>
+                    <a:ext uri="{28A0092B-C50C-407E-A947-70E740481C1C}">
+                      <a14:useLocalDpi xmlns:a14="http://schemas.microsoft.com/office/drawing/2010/main" val="0"/>
+                    </a:ext>
+                    <a:ext uri="{96DAC541-7B7A-43D3-8B79-37D633B846F1}">
+                      <asvg:svgBlip xmlns:asvg="http://schemas.microsoft.com/office/drawing/2016/SVG/main" r:embed="rId6"/>
+                    </a:ext>
+                  </a:extLst>
+                </a:blip>
+                <a:stretch>
+                  <a:fillRect/>
+                </a:stretch>
+              </p:blipFill>
+              <p:spPr>
+                <a:xfrm>
+                  <a:off x="-2800399" y="9017171"/>
+                  <a:ext cx="2343150" cy="2343150"/>
+                </a:xfrm>
+                <a:prstGeom prst="rect">
+                  <a:avLst/>
+                </a:prstGeom>
+              </p:spPr>
+            </p:pic>
+            <p:sp>
+              <p:nvSpPr>
+                <p:cNvPr id="21" name="Arrow: Up-Down 20">
+                  <a:extLst>
+                    <a:ext uri="{FF2B5EF4-FFF2-40B4-BE49-F238E27FC236}">
+                      <a16:creationId xmlns:a16="http://schemas.microsoft.com/office/drawing/2014/main" id="{CCBBF6BF-45DB-415E-88A6-FE9EB8B0195D}"/>
+                    </a:ext>
+                  </a:extLst>
+                </p:cNvPr>
+                <p:cNvSpPr/>
+                <p:nvPr/>
+              </p:nvSpPr>
+              <p:spPr>
+                <a:xfrm rot="16200000">
+                  <a:off x="-87663" y="9164826"/>
+                  <a:ext cx="1079500" cy="2343150"/>
+                </a:xfrm>
+                <a:prstGeom prst="upDownArrow">
+                  <a:avLst/>
+                </a:prstGeom>
+              </p:spPr>
+              <p:style>
+                <a:lnRef idx="2">
+                  <a:schemeClr val="accent3">
+                    <a:shade val="50000"/>
+                  </a:schemeClr>
+                </a:lnRef>
+                <a:fillRef idx="1">
+                  <a:schemeClr val="accent3"/>
+                </a:fillRef>
+                <a:effectRef idx="0">
+                  <a:schemeClr val="accent3"/>
+                </a:effectRef>
+                <a:fontRef idx="minor">
+                  <a:schemeClr val="lt1"/>
+                </a:fontRef>
+              </p:style>
+              <p:txBody>
+                <a:bodyPr vert="vert" rtlCol="0" anchor="ctr"/>
+                <a:lstStyle/>
+                <a:p>
+                  <a:pPr algn="ctr"/>
+                  <a:endParaRPr lang="en-US" sz="3200" dirty="0"/>
+                </a:p>
+              </p:txBody>
+            </p:sp>
             <p:grpSp>
               <p:nvGrpSpPr>
-                <p:cNvPr id="19" name="Group 18">
+                <p:cNvPr id="25" name="Group 24">
                   <a:extLst>
                     <a:ext uri="{FF2B5EF4-FFF2-40B4-BE49-F238E27FC236}">
-                      <a16:creationId xmlns:a16="http://schemas.microsoft.com/office/drawing/2014/main" id="{EF7BB9D6-DFD9-41B1-BDAE-4EC1F08015DE}"/>
+                      <a16:creationId xmlns:a16="http://schemas.microsoft.com/office/drawing/2014/main" id="{AB84C96E-54EA-438A-B9C5-0C0E0C68E355}"/>
                     </a:ext>
                   </a:extLst>
                 </p:cNvPr>
@@ -4110,18 +4110,464 @@
               </p:nvGrpSpPr>
               <p:grpSpPr>
                 <a:xfrm>
-                  <a:off x="7799970" y="2089489"/>
+                  <a:off x="7799970" y="1115763"/>
                   <a:ext cx="2743200" cy="6603543"/>
-                  <a:chOff x="5496061" y="2144522"/>
-                  <a:chExt cx="2743200" cy="5807453"/>
+                  <a:chOff x="7799970" y="2089489"/>
+                  <a:chExt cx="2743200" cy="6603543"/>
+                </a:xfrm>
+              </p:grpSpPr>
+              <p:grpSp>
+                <p:nvGrpSpPr>
+                  <p:cNvPr id="19" name="Group 18">
+                    <a:extLst>
+                      <a:ext uri="{FF2B5EF4-FFF2-40B4-BE49-F238E27FC236}">
+                        <a16:creationId xmlns:a16="http://schemas.microsoft.com/office/drawing/2014/main" id="{EF7BB9D6-DFD9-41B1-BDAE-4EC1F08015DE}"/>
+                      </a:ext>
+                    </a:extLst>
+                  </p:cNvPr>
+                  <p:cNvGrpSpPr/>
+                  <p:nvPr/>
+                </p:nvGrpSpPr>
+                <p:grpSpPr>
+                  <a:xfrm>
+                    <a:off x="7799970" y="2089489"/>
+                    <a:ext cx="2743200" cy="6603543"/>
+                    <a:chOff x="5496061" y="2144522"/>
+                    <a:chExt cx="2743200" cy="5807453"/>
+                  </a:xfrm>
+                </p:grpSpPr>
+                <p:sp>
+                  <p:nvSpPr>
+                    <p:cNvPr id="23" name="Rectangle: Rounded Corners 22">
+                      <a:extLst>
+                        <a:ext uri="{FF2B5EF4-FFF2-40B4-BE49-F238E27FC236}">
+                          <a16:creationId xmlns:a16="http://schemas.microsoft.com/office/drawing/2014/main" id="{97C0B273-4892-4C2D-8D6A-F02685D947C1}"/>
+                        </a:ext>
+                      </a:extLst>
+                    </p:cNvPr>
+                    <p:cNvSpPr/>
+                    <p:nvPr/>
+                  </p:nvSpPr>
+                  <p:spPr>
+                    <a:xfrm>
+                      <a:off x="5496061" y="2144522"/>
+                      <a:ext cx="2743200" cy="5807453"/>
+                    </a:xfrm>
+                    <a:prstGeom prst="roundRect">
+                      <a:avLst/>
+                    </a:prstGeom>
+                    <a:solidFill>
+                      <a:srgbClr val="C00000"/>
+                    </a:solidFill>
+                    <a:ln>
+                      <a:noFill/>
+                    </a:ln>
+                  </p:spPr>
+                  <p:style>
+                    <a:lnRef idx="2">
+                      <a:schemeClr val="accent1">
+                        <a:shade val="50000"/>
+                      </a:schemeClr>
+                    </a:lnRef>
+                    <a:fillRef idx="1">
+                      <a:schemeClr val="accent1"/>
+                    </a:fillRef>
+                    <a:effectRef idx="0">
+                      <a:schemeClr val="accent1"/>
+                    </a:effectRef>
+                    <a:fontRef idx="minor">
+                      <a:schemeClr val="lt1"/>
+                    </a:fontRef>
+                  </p:style>
+                  <p:txBody>
+                    <a:bodyPr rtlCol="0" anchor="t"/>
+                    <a:lstStyle/>
+                    <a:p>
+                      <a:pPr algn="ctr"/>
+                      <a:r>
+                        <a:rPr lang="pt-PT" sz="3200" dirty="0"/>
+                        <a:t>UI</a:t>
+                      </a:r>
+                    </a:p>
+                    <a:p>
+                      <a:pPr algn="ctr"/>
+                      <a:endParaRPr lang="pt-PT" sz="2400" dirty="0"/>
+                    </a:p>
+                    <a:p>
+                      <a:pPr algn="ctr"/>
+                      <a:endParaRPr lang="pt-PT" sz="2400" dirty="0"/>
+                    </a:p>
+                    <a:p>
+                      <a:pPr algn="ctr"/>
+                      <a:br>
+                        <a:rPr lang="pt-PT" sz="2400" dirty="0"/>
+                      </a:br>
+                      <a:endParaRPr lang="pt-PT" sz="2400" dirty="0"/>
+                    </a:p>
+                    <a:p>
+                      <a:pPr algn="ctr"/>
+                      <a:endParaRPr lang="en-US" sz="2400" dirty="0"/>
+                    </a:p>
+                  </p:txBody>
+                </p:sp>
+                <p:sp>
+                  <p:nvSpPr>
+                    <p:cNvPr id="24" name="Rectangle: Rounded Corners 23">
+                      <a:extLst>
+                        <a:ext uri="{FF2B5EF4-FFF2-40B4-BE49-F238E27FC236}">
+                          <a16:creationId xmlns:a16="http://schemas.microsoft.com/office/drawing/2014/main" id="{7D839843-6AC8-453B-BFE0-D4D60762B281}"/>
+                        </a:ext>
+                      </a:extLst>
+                    </p:cNvPr>
+                    <p:cNvSpPr/>
+                    <p:nvPr/>
+                  </p:nvSpPr>
+                  <p:spPr>
+                    <a:xfrm>
+                      <a:off x="5671689" y="5885823"/>
+                      <a:ext cx="2437095" cy="1869303"/>
+                    </a:xfrm>
+                    <a:prstGeom prst="roundRect">
+                      <a:avLst/>
+                    </a:prstGeom>
+                    <a:solidFill>
+                      <a:srgbClr val="FF0000"/>
+                    </a:solidFill>
+                    <a:ln>
+                      <a:noFill/>
+                    </a:ln>
+                  </p:spPr>
+                  <p:style>
+                    <a:lnRef idx="2">
+                      <a:schemeClr val="accent1">
+                        <a:shade val="50000"/>
+                      </a:schemeClr>
+                    </a:lnRef>
+                    <a:fillRef idx="1">
+                      <a:schemeClr val="accent1"/>
+                    </a:fillRef>
+                    <a:effectRef idx="0">
+                      <a:schemeClr val="accent1"/>
+                    </a:effectRef>
+                    <a:fontRef idx="minor">
+                      <a:schemeClr val="lt1"/>
+                    </a:fontRef>
+                  </p:style>
+                  <p:txBody>
+                    <a:bodyPr rtlCol="0" anchor="t"/>
+                    <a:lstStyle/>
+                    <a:p>
+                      <a:pPr algn="ctr"/>
+                      <a:r>
+                        <a:rPr lang="pt-PT" sz="2400" dirty="0" err="1"/>
+                        <a:t>Speech</a:t>
+                      </a:r>
+                      <a:r>
+                        <a:rPr lang="pt-PT" sz="2400" dirty="0"/>
+                        <a:t> </a:t>
+                      </a:r>
+                      <a:r>
+                        <a:rPr lang="pt-PT" sz="2400" dirty="0" err="1"/>
+                        <a:t>Recognition</a:t>
+                      </a:r>
+                      <a:endParaRPr lang="en-US" sz="2400" dirty="0"/>
+                    </a:p>
+                  </p:txBody>
+                </p:sp>
+                <p:pic>
+                  <p:nvPicPr>
+                    <p:cNvPr id="14" name="Picture 13">
+                      <a:extLst>
+                        <a:ext uri="{FF2B5EF4-FFF2-40B4-BE49-F238E27FC236}">
+                          <a16:creationId xmlns:a16="http://schemas.microsoft.com/office/drawing/2014/main" id="{E71AAF5D-AA91-4EDD-9D67-FAF784B9E03D}"/>
+                        </a:ext>
+                      </a:extLst>
+                    </p:cNvPr>
+                    <p:cNvPicPr>
+                      <a:picLocks noChangeAspect="1"/>
+                    </p:cNvPicPr>
+                    <p:nvPr/>
+                  </p:nvPicPr>
+                  <p:blipFill>
+                    <a:blip r:embed="rId7"/>
+                    <a:stretch>
+                      <a:fillRect/>
+                    </a:stretch>
+                  </p:blipFill>
+                  <p:spPr>
+                    <a:xfrm>
+                      <a:off x="5671690" y="3146803"/>
+                      <a:ext cx="2437095" cy="1215646"/>
+                    </a:xfrm>
+                    <a:prstGeom prst="rect">
+                      <a:avLst/>
+                    </a:prstGeom>
+                  </p:spPr>
+                </p:pic>
+                <p:pic>
+                  <p:nvPicPr>
+                    <p:cNvPr id="16" name="Picture 15">
+                      <a:extLst>
+                        <a:ext uri="{FF2B5EF4-FFF2-40B4-BE49-F238E27FC236}">
+                          <a16:creationId xmlns:a16="http://schemas.microsoft.com/office/drawing/2014/main" id="{52D24885-C3DF-4547-8206-418E04B7D592}"/>
+                        </a:ext>
+                      </a:extLst>
+                    </p:cNvPr>
+                    <p:cNvPicPr>
+                      <a:picLocks noChangeAspect="1"/>
+                    </p:cNvPicPr>
+                    <p:nvPr/>
+                  </p:nvPicPr>
+                  <p:blipFill>
+                    <a:blip r:embed="rId8"/>
+                    <a:stretch>
+                      <a:fillRect/>
+                    </a:stretch>
+                  </p:blipFill>
+                  <p:spPr>
+                    <a:xfrm>
+                      <a:off x="5578346" y="4765057"/>
+                      <a:ext cx="2578630" cy="638780"/>
+                    </a:xfrm>
+                    <a:prstGeom prst="rect">
+                      <a:avLst/>
+                    </a:prstGeom>
+                  </p:spPr>
+                </p:pic>
+              </p:grpSp>
+              <p:pic>
+                <p:nvPicPr>
+                  <p:cNvPr id="20" name="Picture 19">
+                    <a:extLst>
+                      <a:ext uri="{FF2B5EF4-FFF2-40B4-BE49-F238E27FC236}">
+                        <a16:creationId xmlns:a16="http://schemas.microsoft.com/office/drawing/2014/main" id="{69E079EF-11E5-45EF-8A97-1E3319D9B155}"/>
+                      </a:ext>
+                    </a:extLst>
+                  </p:cNvPr>
+                  <p:cNvPicPr>
+                    <a:picLocks noChangeAspect="1"/>
+                  </p:cNvPicPr>
+                  <p:nvPr/>
+                </p:nvPicPr>
+                <p:blipFill>
+                  <a:blip r:embed="rId9"/>
+                  <a:stretch>
+                    <a:fillRect/>
+                  </a:stretch>
+                </p:blipFill>
+                <p:spPr>
+                  <a:xfrm>
+                    <a:off x="8019916" y="7469807"/>
+                    <a:ext cx="2392777" cy="609924"/>
+                  </a:xfrm>
+                  <a:prstGeom prst="rect">
+                    <a:avLst/>
+                  </a:prstGeom>
+                </p:spPr>
+              </p:pic>
+            </p:grpSp>
+            <p:pic>
+              <p:nvPicPr>
+                <p:cNvPr id="1027" name="Picture 1026">
+                  <a:extLst>
+                    <a:ext uri="{FF2B5EF4-FFF2-40B4-BE49-F238E27FC236}">
+                      <a16:creationId xmlns:a16="http://schemas.microsoft.com/office/drawing/2014/main" id="{3479D25C-B55D-47E5-97C0-9BCE3658A41C}"/>
+                    </a:ext>
+                  </a:extLst>
+                </p:cNvPr>
+                <p:cNvPicPr>
+                  <a:picLocks noChangeAspect="1"/>
+                </p:cNvPicPr>
+                <p:nvPr/>
+              </p:nvPicPr>
+              <p:blipFill>
+                <a:blip r:embed="rId10"/>
+                <a:stretch>
+                  <a:fillRect/>
+                </a:stretch>
+              </p:blipFill>
+              <p:spPr>
+                <a:xfrm>
+                  <a:off x="8179580" y="9195556"/>
+                  <a:ext cx="2746102" cy="2748794"/>
+                </a:xfrm>
+                <a:prstGeom prst="rect">
+                  <a:avLst/>
+                </a:prstGeom>
+              </p:spPr>
+            </p:pic>
+            <p:sp>
+              <p:nvSpPr>
+                <p:cNvPr id="39" name="Arrow: Up-Down 38">
+                  <a:extLst>
+                    <a:ext uri="{FF2B5EF4-FFF2-40B4-BE49-F238E27FC236}">
+                      <a16:creationId xmlns:a16="http://schemas.microsoft.com/office/drawing/2014/main" id="{C6D2E027-8F6C-4009-BEA3-29A37D7B862A}"/>
+                    </a:ext>
+                  </a:extLst>
+                </p:cNvPr>
+                <p:cNvSpPr/>
+                <p:nvPr/>
+              </p:nvSpPr>
+              <p:spPr>
+                <a:xfrm>
+                  <a:off x="8631820" y="7495473"/>
+                  <a:ext cx="1079500" cy="2057668"/>
+                </a:xfrm>
+                <a:prstGeom prst="upDownArrow">
+                  <a:avLst/>
+                </a:prstGeom>
+              </p:spPr>
+              <p:style>
+                <a:lnRef idx="2">
+                  <a:schemeClr val="accent3">
+                    <a:shade val="50000"/>
+                  </a:schemeClr>
+                </a:lnRef>
+                <a:fillRef idx="1">
+                  <a:schemeClr val="accent3"/>
+                </a:fillRef>
+                <a:effectRef idx="0">
+                  <a:schemeClr val="accent3"/>
+                </a:effectRef>
+                <a:fontRef idx="minor">
+                  <a:schemeClr val="lt1"/>
+                </a:fontRef>
+              </p:style>
+              <p:txBody>
+                <a:bodyPr rtlCol="0" anchor="ctr"/>
+                <a:lstStyle/>
+                <a:p>
+                  <a:pPr algn="ctr"/>
+                  <a:endParaRPr lang="en-US" sz="3200" dirty="0"/>
+                </a:p>
+              </p:txBody>
+            </p:sp>
+            <p:sp>
+              <p:nvSpPr>
+                <p:cNvPr id="41" name="Arrow: Up-Down 40">
+                  <a:extLst>
+                    <a:ext uri="{FF2B5EF4-FFF2-40B4-BE49-F238E27FC236}">
+                      <a16:creationId xmlns:a16="http://schemas.microsoft.com/office/drawing/2014/main" id="{41EB99D4-B044-4AA1-B7FE-7804D79FFEB4}"/>
+                    </a:ext>
+                  </a:extLst>
+                </p:cNvPr>
+                <p:cNvSpPr/>
+                <p:nvPr/>
+              </p:nvSpPr>
+              <p:spPr>
+                <a:xfrm rot="14499413">
+                  <a:off x="-122761" y="5046224"/>
+                  <a:ext cx="1079500" cy="2792602"/>
+                </a:xfrm>
+                <a:prstGeom prst="upDownArrow">
+                  <a:avLst/>
+                </a:prstGeom>
+              </p:spPr>
+              <p:style>
+                <a:lnRef idx="2">
+                  <a:schemeClr val="accent3">
+                    <a:shade val="50000"/>
+                  </a:schemeClr>
+                </a:lnRef>
+                <a:fillRef idx="1">
+                  <a:schemeClr val="accent3"/>
+                </a:fillRef>
+                <a:effectRef idx="0">
+                  <a:schemeClr val="accent3"/>
+                </a:effectRef>
+                <a:fontRef idx="minor">
+                  <a:schemeClr val="lt1"/>
+                </a:fontRef>
+              </p:style>
+              <p:txBody>
+                <a:bodyPr vert="vert" rtlCol="0" anchor="ctr"/>
+                <a:lstStyle/>
+                <a:p>
+                  <a:pPr algn="ctr"/>
+                  <a:r>
+                    <a:rPr lang="pt-PT" sz="3200" dirty="0" err="1"/>
+                    <a:t>logs</a:t>
+                  </a:r>
+                  <a:endParaRPr lang="en-US" sz="3200" dirty="0"/>
+                </a:p>
+              </p:txBody>
+            </p:sp>
+            <p:sp>
+              <p:nvSpPr>
+                <p:cNvPr id="42" name="Arrow: Up-Down 41">
+                  <a:extLst>
+                    <a:ext uri="{FF2B5EF4-FFF2-40B4-BE49-F238E27FC236}">
+                      <a16:creationId xmlns:a16="http://schemas.microsoft.com/office/drawing/2014/main" id="{8E80CADA-7209-4902-983C-4ED9AD3AE77C}"/>
+                    </a:ext>
+                  </a:extLst>
+                </p:cNvPr>
+                <p:cNvSpPr/>
+                <p:nvPr/>
+              </p:nvSpPr>
+              <p:spPr>
+                <a:xfrm rot="7100587" flipH="1">
+                  <a:off x="-69169" y="2311060"/>
+                  <a:ext cx="1079500" cy="2792602"/>
+                </a:xfrm>
+                <a:prstGeom prst="upDownArrow">
+                  <a:avLst/>
+                </a:prstGeom>
+              </p:spPr>
+              <p:style>
+                <a:lnRef idx="2">
+                  <a:schemeClr val="accent3">
+                    <a:shade val="50000"/>
+                  </a:schemeClr>
+                </a:lnRef>
+                <a:fillRef idx="1">
+                  <a:schemeClr val="accent3"/>
+                </a:fillRef>
+                <a:effectRef idx="0">
+                  <a:schemeClr val="accent3"/>
+                </a:effectRef>
+                <a:fontRef idx="minor">
+                  <a:schemeClr val="lt1"/>
+                </a:fontRef>
+              </p:style>
+              <p:txBody>
+                <a:bodyPr vert="vert270" rtlCol="0" anchor="ctr"/>
+                <a:lstStyle/>
+                <a:p>
+                  <a:pPr algn="ctr"/>
+                  <a:r>
+                    <a:rPr lang="pt-PT" sz="3200" dirty="0" err="1"/>
+                    <a:t>emotions</a:t>
+                  </a:r>
+                  <a:endParaRPr lang="en-US" sz="3200" dirty="0"/>
+                </a:p>
+              </p:txBody>
+            </p:sp>
+            <p:grpSp>
+              <p:nvGrpSpPr>
+                <p:cNvPr id="1034" name="Group 1033">
+                  <a:extLst>
+                    <a:ext uri="{FF2B5EF4-FFF2-40B4-BE49-F238E27FC236}">
+                      <a16:creationId xmlns:a16="http://schemas.microsoft.com/office/drawing/2014/main" id="{F7E45A58-AF74-4D27-879A-BE14B1BD7B0A}"/>
+                    </a:ext>
+                  </a:extLst>
+                </p:cNvPr>
+                <p:cNvGrpSpPr/>
+                <p:nvPr/>
+              </p:nvGrpSpPr>
+              <p:grpSpPr>
+                <a:xfrm>
+                  <a:off x="-3563015" y="5757018"/>
+                  <a:ext cx="2743200" cy="2743200"/>
+                  <a:chOff x="-3581917" y="5297072"/>
+                  <a:chExt cx="2743200" cy="2743200"/>
                 </a:xfrm>
               </p:grpSpPr>
               <p:sp>
                 <p:nvSpPr>
-                  <p:cNvPr id="23" name="Rectangle: Rounded Corners 22">
+                  <p:cNvPr id="44" name="Rectangle: Rounded Corners 43">
                     <a:extLst>
                       <a:ext uri="{FF2B5EF4-FFF2-40B4-BE49-F238E27FC236}">
-                        <a16:creationId xmlns:a16="http://schemas.microsoft.com/office/drawing/2014/main" id="{97C0B273-4892-4C2D-8D6A-F02685D947C1}"/>
+                        <a16:creationId xmlns:a16="http://schemas.microsoft.com/office/drawing/2014/main" id="{2D418C21-8AE3-4376-8B13-6DC1169DDC3D}"/>
                       </a:ext>
                     </a:extLst>
                   </p:cNvPr>
@@ -4130,14 +4576,14 @@
                 </p:nvSpPr>
                 <p:spPr>
                   <a:xfrm>
-                    <a:off x="5496061" y="2144522"/>
-                    <a:ext cx="2743200" cy="5807453"/>
+                    <a:off x="-3581917" y="5297072"/>
+                    <a:ext cx="2743200" cy="2743200"/>
                   </a:xfrm>
                   <a:prstGeom prst="roundRect">
                     <a:avLst/>
                   </a:prstGeom>
                   <a:solidFill>
-                    <a:srgbClr val="C00000"/>
+                    <a:schemeClr val="accent6"/>
                   </a:solidFill>
                   <a:ln>
                     <a:noFill/>
@@ -4160,14 +4606,11 @@
                   </a:fontRef>
                 </p:style>
                 <p:txBody>
-                  <a:bodyPr rtlCol="0" anchor="t"/>
+                  <a:bodyPr rtlCol="0" anchor="ctr"/>
                   <a:lstStyle/>
                   <a:p>
                     <a:pPr algn="ctr"/>
-                    <a:r>
-                      <a:rPr lang="pt-PT" sz="3200" dirty="0"/>
-                      <a:t>UI</a:t>
-                    </a:r>
+                    <a:endParaRPr lang="pt-PT" sz="2400" dirty="0"/>
                   </a:p>
                   <a:p>
                     <a:pPr algn="ctr"/>
@@ -4186,16 +4629,92 @@
                   </a:p>
                   <a:p>
                     <a:pPr algn="ctr"/>
+                    <a:r>
+                      <a:rPr lang="pt-PT" sz="3600" dirty="0"/>
+                      <a:t>ELK </a:t>
+                    </a:r>
+                    <a:r>
+                      <a:rPr lang="pt-PT" sz="3600" dirty="0" err="1"/>
+                      <a:t>Stack</a:t>
+                    </a:r>
                     <a:endParaRPr lang="en-US" sz="2400" dirty="0"/>
                   </a:p>
                 </p:txBody>
               </p:sp>
+              <p:pic>
+                <p:nvPicPr>
+                  <p:cNvPr id="1040" name="Picture 16" descr="How To Install ELK Stack on Debian 9 - idroot">
+                    <a:extLst>
+                      <a:ext uri="{FF2B5EF4-FFF2-40B4-BE49-F238E27FC236}">
+                        <a16:creationId xmlns:a16="http://schemas.microsoft.com/office/drawing/2014/main" id="{07B78632-3A6A-4A14-8489-4E20E5CB4D29}"/>
+                      </a:ext>
+                    </a:extLst>
+                  </p:cNvPr>
+                  <p:cNvPicPr>
+                    <a:picLocks noChangeAspect="1" noChangeArrowheads="1"/>
+                  </p:cNvPicPr>
+                  <p:nvPr/>
+                </p:nvPicPr>
+                <p:blipFill>
+                  <a:blip r:embed="rId11">
+                    <a:extLst>
+                      <a:ext uri="{28A0092B-C50C-407E-A947-70E740481C1C}">
+                        <a14:useLocalDpi xmlns:a14="http://schemas.microsoft.com/office/drawing/2010/main" val="0"/>
+                      </a:ext>
+                    </a:extLst>
+                  </a:blip>
+                  <a:srcRect/>
+                  <a:stretch>
+                    <a:fillRect/>
+                  </a:stretch>
+                </p:blipFill>
+                <p:spPr bwMode="auto">
+                  <a:xfrm>
+                    <a:off x="-3380659" y="5513730"/>
+                    <a:ext cx="2313596" cy="1831597"/>
+                  </a:xfrm>
+                  <a:prstGeom prst="rect">
+                    <a:avLst/>
+                  </a:prstGeom>
+                  <a:noFill/>
+                  <a:extLst>
+                    <a:ext uri="{909E8E84-426E-40DD-AFC4-6F175D3DCCD1}">
+                      <a14:hiddenFill xmlns:a14="http://schemas.microsoft.com/office/drawing/2010/main">
+                        <a:solidFill>
+                          <a:srgbClr val="FFFFFF"/>
+                        </a:solidFill>
+                      </a14:hiddenFill>
+                    </a:ext>
+                  </a:extLst>
+                </p:spPr>
+              </p:pic>
+            </p:grpSp>
+            <p:grpSp>
+              <p:nvGrpSpPr>
+                <p:cNvPr id="1033" name="Group 1032">
+                  <a:extLst>
+                    <a:ext uri="{FF2B5EF4-FFF2-40B4-BE49-F238E27FC236}">
+                      <a16:creationId xmlns:a16="http://schemas.microsoft.com/office/drawing/2014/main" id="{0CB962AA-F7AC-4FFC-8E27-66A50D371B96}"/>
+                    </a:ext>
+                  </a:extLst>
+                </p:cNvPr>
+                <p:cNvGrpSpPr/>
+                <p:nvPr/>
+              </p:nvGrpSpPr>
+              <p:grpSpPr>
+                <a:xfrm>
+                  <a:off x="-3558558" y="1639576"/>
+                  <a:ext cx="2825485" cy="2743200"/>
+                  <a:chOff x="-3564126" y="2076602"/>
+                  <a:chExt cx="2825485" cy="2743200"/>
+                </a:xfrm>
+              </p:grpSpPr>
               <p:sp>
                 <p:nvSpPr>
-                  <p:cNvPr id="24" name="Rectangle: Rounded Corners 23">
+                  <p:cNvPr id="43" name="Rectangle: Rounded Corners 42">
                     <a:extLst>
                       <a:ext uri="{FF2B5EF4-FFF2-40B4-BE49-F238E27FC236}">
-                        <a16:creationId xmlns:a16="http://schemas.microsoft.com/office/drawing/2014/main" id="{7D839843-6AC8-453B-BFE0-D4D60762B281}"/>
+                        <a16:creationId xmlns:a16="http://schemas.microsoft.com/office/drawing/2014/main" id="{A1520B54-A5E6-4034-933C-A7C5AB6E3EE9}"/>
                       </a:ext>
                     </a:extLst>
                   </p:cNvPr>
@@ -4204,14 +4723,14 @@
                 </p:nvSpPr>
                 <p:spPr>
                   <a:xfrm>
-                    <a:off x="5671689" y="5885823"/>
-                    <a:ext cx="2437095" cy="1869303"/>
+                    <a:off x="-3564126" y="2076602"/>
+                    <a:ext cx="2743200" cy="2743200"/>
                   </a:xfrm>
                   <a:prstGeom prst="roundRect">
                     <a:avLst/>
                   </a:prstGeom>
                   <a:solidFill>
-                    <a:srgbClr val="FF0000"/>
+                    <a:schemeClr val="accent6"/>
                   </a:solidFill>
                   <a:ln>
                     <a:noFill/>
@@ -4234,21 +4753,32 @@
                   </a:fontRef>
                 </p:style>
                 <p:txBody>
-                  <a:bodyPr rtlCol="0" anchor="t"/>
+                  <a:bodyPr rtlCol="0" anchor="ctr"/>
                   <a:lstStyle/>
                   <a:p>
                     <a:pPr algn="ctr"/>
+                    <a:endParaRPr lang="pt-PT" sz="2400" dirty="0"/>
+                  </a:p>
+                  <a:p>
+                    <a:pPr algn="ctr"/>
+                    <a:endParaRPr lang="pt-PT" sz="2400" dirty="0"/>
+                  </a:p>
+                  <a:p>
+                    <a:pPr algn="ctr"/>
+                    <a:endParaRPr lang="pt-PT" sz="2400" dirty="0"/>
+                  </a:p>
+                  <a:p>
+                    <a:pPr algn="ctr"/>
+                    <a:br>
+                      <a:rPr lang="pt-PT" sz="2400" dirty="0"/>
+                    </a:br>
+                    <a:endParaRPr lang="pt-PT" sz="2400" dirty="0"/>
+                  </a:p>
+                  <a:p>
+                    <a:pPr algn="ctr"/>
                     <a:r>
-                      <a:rPr lang="pt-PT" sz="2400" dirty="0" err="1"/>
-                      <a:t>Speech</a:t>
-                    </a:r>
-                    <a:r>
-                      <a:rPr lang="pt-PT" sz="2400" dirty="0"/>
-                      <a:t> </a:t>
-                    </a:r>
-                    <a:r>
-                      <a:rPr lang="pt-PT" sz="2400" dirty="0" err="1"/>
-                      <a:t>Recognition</a:t>
+                      <a:rPr lang="pt-PT" sz="3600" dirty="0" err="1"/>
+                      <a:t>Database</a:t>
                     </a:r>
                     <a:endParaRPr lang="en-US" sz="2400" dirty="0"/>
                   </a:p>
@@ -4256,10 +4786,10 @@
               </p:sp>
               <p:pic>
                 <p:nvPicPr>
-                  <p:cNvPr id="14" name="Picture 13">
+                  <p:cNvPr id="1031" name="Picture 1030">
                     <a:extLst>
                       <a:ext uri="{FF2B5EF4-FFF2-40B4-BE49-F238E27FC236}">
-                        <a16:creationId xmlns:a16="http://schemas.microsoft.com/office/drawing/2014/main" id="{E71AAF5D-AA91-4EDD-9D67-FAF784B9E03D}"/>
+                        <a16:creationId xmlns:a16="http://schemas.microsoft.com/office/drawing/2014/main" id="{B50F3CC7-1367-48A3-BAEC-FBEF3653B1AE}"/>
                       </a:ext>
                     </a:extLst>
                   </p:cNvPr>
@@ -4269,45 +4799,15 @@
                   <p:nvPr/>
                 </p:nvPicPr>
                 <p:blipFill>
-                  <a:blip r:embed="rId7"/>
+                  <a:blip r:embed="rId12"/>
                   <a:stretch>
                     <a:fillRect/>
                   </a:stretch>
                 </p:blipFill>
                 <p:spPr>
                   <a:xfrm>
-                    <a:off x="5671690" y="3146803"/>
-                    <a:ext cx="2437095" cy="1215646"/>
-                  </a:xfrm>
-                  <a:prstGeom prst="rect">
-                    <a:avLst/>
-                  </a:prstGeom>
-                </p:spPr>
-              </p:pic>
-              <p:pic>
-                <p:nvPicPr>
-                  <p:cNvPr id="16" name="Picture 15">
-                    <a:extLst>
-                      <a:ext uri="{FF2B5EF4-FFF2-40B4-BE49-F238E27FC236}">
-                        <a16:creationId xmlns:a16="http://schemas.microsoft.com/office/drawing/2014/main" id="{52D24885-C3DF-4547-8206-418E04B7D592}"/>
-                      </a:ext>
-                    </a:extLst>
-                  </p:cNvPr>
-                  <p:cNvPicPr>
-                    <a:picLocks noChangeAspect="1"/>
-                  </p:cNvPicPr>
-                  <p:nvPr/>
-                </p:nvPicPr>
-                <p:blipFill>
-                  <a:blip r:embed="rId8"/>
-                  <a:stretch>
-                    <a:fillRect/>
-                  </a:stretch>
-                </p:blipFill>
-                <p:spPr>
-                  <a:xfrm>
-                    <a:off x="5578346" y="4765057"/>
-                    <a:ext cx="2578630" cy="638780"/>
+                    <a:off x="-3544530" y="2187100"/>
+                    <a:ext cx="2805889" cy="1945042"/>
                   </a:xfrm>
                   <a:prstGeom prst="rect">
                     <a:avLst/>
@@ -4315,12 +4815,181 @@
                 </p:spPr>
               </p:pic>
             </p:grpSp>
+            <p:sp>
+              <p:nvSpPr>
+                <p:cNvPr id="1035" name="TextBox 1034">
+                  <a:extLst>
+                    <a:ext uri="{FF2B5EF4-FFF2-40B4-BE49-F238E27FC236}">
+                      <a16:creationId xmlns:a16="http://schemas.microsoft.com/office/drawing/2014/main" id="{B6DF67A5-E1A6-4491-B741-12806068FF9C}"/>
+                    </a:ext>
+                  </a:extLst>
+                </p:cNvPr>
+                <p:cNvSpPr txBox="1"/>
+                <p:nvPr/>
+              </p:nvSpPr>
+              <p:spPr>
+                <a:xfrm>
+                  <a:off x="-3199338" y="11115848"/>
+                  <a:ext cx="3067715" cy="646331"/>
+                </a:xfrm>
+                <a:prstGeom prst="rect">
+                  <a:avLst/>
+                </a:prstGeom>
+                <a:noFill/>
+              </p:spPr>
+              <p:txBody>
+                <a:bodyPr wrap="square" rtlCol="0">
+                  <a:spAutoFit/>
+                </a:bodyPr>
+                <a:lstStyle/>
+                <a:p>
+                  <a:pPr algn="ctr"/>
+                  <a:r>
+                    <a:rPr lang="pt-PT" sz="3600" dirty="0"/>
+                    <a:t>e.g. </a:t>
+                  </a:r>
+                  <a:r>
+                    <a:rPr lang="pt-PT" sz="3600" dirty="0" err="1"/>
+                    <a:t>Doctor</a:t>
+                  </a:r>
+                  <a:endParaRPr lang="en-US" sz="3600" dirty="0"/>
+                </a:p>
+              </p:txBody>
+            </p:sp>
+            <p:sp>
+              <p:nvSpPr>
+                <p:cNvPr id="51" name="TextBox 50">
+                  <a:extLst>
+                    <a:ext uri="{FF2B5EF4-FFF2-40B4-BE49-F238E27FC236}">
+                      <a16:creationId xmlns:a16="http://schemas.microsoft.com/office/drawing/2014/main" id="{62883D7C-676A-4AFC-92DB-E1E158E6EB8F}"/>
+                    </a:ext>
+                  </a:extLst>
+                </p:cNvPr>
+                <p:cNvSpPr txBox="1"/>
+                <p:nvPr/>
+              </p:nvSpPr>
+              <p:spPr>
+                <a:xfrm>
+                  <a:off x="10403675" y="10274298"/>
+                  <a:ext cx="3067715" cy="1200329"/>
+                </a:xfrm>
+                <a:prstGeom prst="rect">
+                  <a:avLst/>
+                </a:prstGeom>
+                <a:noFill/>
+              </p:spPr>
+              <p:txBody>
+                <a:bodyPr wrap="square" rtlCol="0">
+                  <a:spAutoFit/>
+                </a:bodyPr>
+                <a:lstStyle/>
+                <a:p>
+                  <a:pPr algn="ctr"/>
+                  <a:r>
+                    <a:rPr lang="pt-PT" sz="3600" dirty="0"/>
+                    <a:t>User</a:t>
+                  </a:r>
+                </a:p>
+                <a:p>
+                  <a:pPr algn="ctr"/>
+                  <a:r>
+                    <a:rPr lang="pt-PT" sz="3600" dirty="0"/>
+                    <a:t>e.g. a </a:t>
+                  </a:r>
+                  <a:r>
+                    <a:rPr lang="pt-PT" sz="3600" dirty="0" err="1"/>
+                    <a:t>Patient</a:t>
+                  </a:r>
+                  <a:endParaRPr lang="en-US" sz="3600" dirty="0"/>
+                </a:p>
+              </p:txBody>
+            </p:sp>
+            <p:sp>
+              <p:nvSpPr>
+                <p:cNvPr id="59" name="Rectangle: Rounded Corners 58">
+                  <a:extLst>
+                    <a:ext uri="{FF2B5EF4-FFF2-40B4-BE49-F238E27FC236}">
+                      <a16:creationId xmlns:a16="http://schemas.microsoft.com/office/drawing/2014/main" id="{78EF4760-00D9-42C0-9AFE-EE6DB8C14430}"/>
+                    </a:ext>
+                  </a:extLst>
+                </p:cNvPr>
+                <p:cNvSpPr/>
+                <p:nvPr/>
+              </p:nvSpPr>
+              <p:spPr>
+                <a:xfrm>
+                  <a:off x="7844704" y="-1859363"/>
+                  <a:ext cx="2743200" cy="2743200"/>
+                </a:xfrm>
+                <a:prstGeom prst="roundRect">
+                  <a:avLst/>
+                </a:prstGeom>
+                <a:solidFill>
+                  <a:schemeClr val="bg1">
+                    <a:lumMod val="50000"/>
+                  </a:schemeClr>
+                </a:solidFill>
+                <a:ln>
+                  <a:noFill/>
+                </a:ln>
+              </p:spPr>
+              <p:style>
+                <a:lnRef idx="2">
+                  <a:schemeClr val="accent1">
+                    <a:shade val="50000"/>
+                  </a:schemeClr>
+                </a:lnRef>
+                <a:fillRef idx="1">
+                  <a:schemeClr val="accent1"/>
+                </a:fillRef>
+                <a:effectRef idx="0">
+                  <a:schemeClr val="accent1"/>
+                </a:effectRef>
+                <a:fontRef idx="minor">
+                  <a:schemeClr val="lt1"/>
+                </a:fontRef>
+              </p:style>
+              <p:txBody>
+                <a:bodyPr rtlCol="0" anchor="ctr"/>
+                <a:lstStyle/>
+                <a:p>
+                  <a:pPr algn="ctr"/>
+                  <a:r>
+                    <a:rPr lang="pt-PT" sz="2400" dirty="0"/>
+                    <a:t>Sensor</a:t>
+                  </a:r>
+                </a:p>
+                <a:p>
+                  <a:pPr algn="ctr"/>
+                  <a:endParaRPr lang="pt-PT" sz="2400" dirty="0"/>
+                </a:p>
+                <a:p>
+                  <a:pPr algn="ctr"/>
+                  <a:endParaRPr lang="pt-PT" sz="2400" dirty="0"/>
+                </a:p>
+                <a:p>
+                  <a:pPr algn="ctr"/>
+                  <a:br>
+                    <a:rPr lang="pt-PT" sz="2400" dirty="0"/>
+                  </a:br>
+                  <a:endParaRPr lang="pt-PT" sz="2400" dirty="0"/>
+                </a:p>
+                <a:p>
+                  <a:pPr algn="ctr"/>
+                  <a:r>
+                    <a:rPr lang="pt-PT" sz="3600" dirty="0" err="1"/>
+                    <a:t>Camera</a:t>
+                  </a:r>
+                  <a:endParaRPr lang="en-US" sz="2400" dirty="0"/>
+                </a:p>
+              </p:txBody>
+            </p:sp>
             <p:pic>
               <p:nvPicPr>
-                <p:cNvPr id="20" name="Picture 19">
+                <p:cNvPr id="1037" name="Graphic 1036" descr="Web cam">
                   <a:extLst>
                     <a:ext uri="{FF2B5EF4-FFF2-40B4-BE49-F238E27FC236}">
-                      <a16:creationId xmlns:a16="http://schemas.microsoft.com/office/drawing/2014/main" id="{69E079EF-11E5-45EF-8A97-1E3319D9B155}"/>
+                      <a16:creationId xmlns:a16="http://schemas.microsoft.com/office/drawing/2014/main" id="{D74D3CD1-F119-49EB-94C3-A9966218A651}"/>
                     </a:ext>
                   </a:extLst>
                 </p:cNvPr>
@@ -4330,224 +4999,86 @@
                 <p:nvPr/>
               </p:nvPicPr>
               <p:blipFill>
-                <a:blip r:embed="rId9"/>
+                <a:blip r:embed="rId13">
+                  <a:extLst>
+                    <a:ext uri="{28A0092B-C50C-407E-A947-70E740481C1C}">
+                      <a14:useLocalDpi xmlns:a14="http://schemas.microsoft.com/office/drawing/2010/main" val="0"/>
+                    </a:ext>
+                    <a:ext uri="{96DAC541-7B7A-43D3-8B79-37D633B846F1}">
+                      <asvg:svgBlip xmlns:asvg="http://schemas.microsoft.com/office/drawing/2016/SVG/main" r:embed="rId14"/>
+                    </a:ext>
+                  </a:extLst>
+                </a:blip>
                 <a:stretch>
                   <a:fillRect/>
                 </a:stretch>
               </p:blipFill>
               <p:spPr>
                 <a:xfrm>
-                  <a:off x="8019916" y="7469807"/>
-                  <a:ext cx="2392777" cy="609924"/>
+                  <a:off x="8401050" y="-1303017"/>
+                  <a:ext cx="1605020" cy="1605020"/>
                 </a:xfrm>
                 <a:prstGeom prst="rect">
                   <a:avLst/>
                 </a:prstGeom>
               </p:spPr>
             </p:pic>
-          </p:grpSp>
-          <p:pic>
-            <p:nvPicPr>
-              <p:cNvPr id="1027" name="Picture 1026">
-                <a:extLst>
-                  <a:ext uri="{FF2B5EF4-FFF2-40B4-BE49-F238E27FC236}">
-                    <a16:creationId xmlns:a16="http://schemas.microsoft.com/office/drawing/2014/main" id="{3479D25C-B55D-47E5-97C0-9BCE3658A41C}"/>
-                  </a:ext>
-                </a:extLst>
-              </p:cNvPr>
-              <p:cNvPicPr>
-                <a:picLocks noChangeAspect="1"/>
-              </p:cNvPicPr>
-              <p:nvPr/>
-            </p:nvPicPr>
-            <p:blipFill>
-              <a:blip r:embed="rId10"/>
-              <a:stretch>
-                <a:fillRect/>
-              </a:stretch>
-            </p:blipFill>
-            <p:spPr>
-              <a:xfrm>
-                <a:off x="8179580" y="9195556"/>
-                <a:ext cx="2746102" cy="2748794"/>
-              </a:xfrm>
-              <a:prstGeom prst="rect">
-                <a:avLst/>
-              </a:prstGeom>
-            </p:spPr>
-          </p:pic>
-          <p:sp>
-            <p:nvSpPr>
-              <p:cNvPr id="39" name="Arrow: Up-Down 38">
-                <a:extLst>
-                  <a:ext uri="{FF2B5EF4-FFF2-40B4-BE49-F238E27FC236}">
-                    <a16:creationId xmlns:a16="http://schemas.microsoft.com/office/drawing/2014/main" id="{C6D2E027-8F6C-4009-BEA3-29A37D7B862A}"/>
-                  </a:ext>
-                </a:extLst>
-              </p:cNvPr>
-              <p:cNvSpPr/>
-              <p:nvPr/>
-            </p:nvSpPr>
-            <p:spPr>
-              <a:xfrm>
-                <a:off x="8631820" y="7495473"/>
-                <a:ext cx="1079500" cy="2057668"/>
-              </a:xfrm>
-              <a:prstGeom prst="upDownArrow">
-                <a:avLst/>
-              </a:prstGeom>
-            </p:spPr>
-            <p:style>
-              <a:lnRef idx="2">
-                <a:schemeClr val="accent3">
-                  <a:shade val="50000"/>
-                </a:schemeClr>
-              </a:lnRef>
-              <a:fillRef idx="1">
-                <a:schemeClr val="accent3"/>
-              </a:fillRef>
-              <a:effectRef idx="0">
-                <a:schemeClr val="accent3"/>
-              </a:effectRef>
-              <a:fontRef idx="minor">
-                <a:schemeClr val="lt1"/>
-              </a:fontRef>
-            </p:style>
-            <p:txBody>
-              <a:bodyPr rtlCol="0" anchor="ctr"/>
-              <a:lstStyle/>
-              <a:p>
-                <a:pPr algn="ctr"/>
-                <a:endParaRPr lang="en-US" sz="3200" dirty="0"/>
-              </a:p>
-            </p:txBody>
-          </p:sp>
-          <p:sp>
-            <p:nvSpPr>
-              <p:cNvPr id="41" name="Arrow: Up-Down 40">
-                <a:extLst>
-                  <a:ext uri="{FF2B5EF4-FFF2-40B4-BE49-F238E27FC236}">
-                    <a16:creationId xmlns:a16="http://schemas.microsoft.com/office/drawing/2014/main" id="{41EB99D4-B044-4AA1-B7FE-7804D79FFEB4}"/>
-                  </a:ext>
-                </a:extLst>
-              </p:cNvPr>
-              <p:cNvSpPr/>
-              <p:nvPr/>
-            </p:nvSpPr>
-            <p:spPr>
-              <a:xfrm rot="14499413">
-                <a:off x="-122761" y="5046224"/>
-                <a:ext cx="1079500" cy="2792602"/>
-              </a:xfrm>
-              <a:prstGeom prst="upDownArrow">
-                <a:avLst/>
-              </a:prstGeom>
-            </p:spPr>
-            <p:style>
-              <a:lnRef idx="2">
-                <a:schemeClr val="accent3">
-                  <a:shade val="50000"/>
-                </a:schemeClr>
-              </a:lnRef>
-              <a:fillRef idx="1">
-                <a:schemeClr val="accent3"/>
-              </a:fillRef>
-              <a:effectRef idx="0">
-                <a:schemeClr val="accent3"/>
-              </a:effectRef>
-              <a:fontRef idx="minor">
-                <a:schemeClr val="lt1"/>
-              </a:fontRef>
-            </p:style>
-            <p:txBody>
-              <a:bodyPr vert="vert" rtlCol="0" anchor="ctr"/>
-              <a:lstStyle/>
-              <a:p>
-                <a:pPr algn="ctr"/>
-                <a:r>
-                  <a:rPr lang="pt-PT" sz="3200" dirty="0" err="1"/>
-                  <a:t>logs</a:t>
-                </a:r>
-                <a:endParaRPr lang="en-US" sz="3200" dirty="0"/>
-              </a:p>
-            </p:txBody>
-          </p:sp>
-          <p:sp>
-            <p:nvSpPr>
-              <p:cNvPr id="42" name="Arrow: Up-Down 41">
-                <a:extLst>
-                  <a:ext uri="{FF2B5EF4-FFF2-40B4-BE49-F238E27FC236}">
-                    <a16:creationId xmlns:a16="http://schemas.microsoft.com/office/drawing/2014/main" id="{8E80CADA-7209-4902-983C-4ED9AD3AE77C}"/>
-                  </a:ext>
-                </a:extLst>
-              </p:cNvPr>
-              <p:cNvSpPr/>
-              <p:nvPr/>
-            </p:nvSpPr>
-            <p:spPr>
-              <a:xfrm rot="7100587" flipH="1">
-                <a:off x="-69169" y="2311060"/>
-                <a:ext cx="1079500" cy="2792602"/>
-              </a:xfrm>
-              <a:prstGeom prst="upDownArrow">
-                <a:avLst/>
-              </a:prstGeom>
-            </p:spPr>
-            <p:style>
-              <a:lnRef idx="2">
-                <a:schemeClr val="accent3">
-                  <a:shade val="50000"/>
-                </a:schemeClr>
-              </a:lnRef>
-              <a:fillRef idx="1">
-                <a:schemeClr val="accent3"/>
-              </a:fillRef>
-              <a:effectRef idx="0">
-                <a:schemeClr val="accent3"/>
-              </a:effectRef>
-              <a:fontRef idx="minor">
-                <a:schemeClr val="lt1"/>
-              </a:fontRef>
-            </p:style>
-            <p:txBody>
-              <a:bodyPr vert="vert270" rtlCol="0" anchor="ctr"/>
-              <a:lstStyle/>
-              <a:p>
-                <a:pPr algn="ctr"/>
-                <a:r>
-                  <a:rPr lang="pt-PT" sz="3200" dirty="0" err="1"/>
-                  <a:t>emotions</a:t>
-                </a:r>
-                <a:endParaRPr lang="en-US" sz="3200" dirty="0"/>
-              </a:p>
-            </p:txBody>
-          </p:sp>
-          <p:grpSp>
-            <p:nvGrpSpPr>
-              <p:cNvPr id="1034" name="Group 1033">
-                <a:extLst>
-                  <a:ext uri="{FF2B5EF4-FFF2-40B4-BE49-F238E27FC236}">
-                    <a16:creationId xmlns:a16="http://schemas.microsoft.com/office/drawing/2014/main" id="{F7E45A58-AF74-4D27-879A-BE14B1BD7B0A}"/>
-                  </a:ext>
-                </a:extLst>
-              </p:cNvPr>
-              <p:cNvGrpSpPr/>
-              <p:nvPr/>
-            </p:nvGrpSpPr>
-            <p:grpSpPr>
-              <a:xfrm>
-                <a:off x="-3563015" y="5757018"/>
-                <a:ext cx="2743200" cy="2743200"/>
-                <a:chOff x="-3581917" y="5297072"/>
-                <a:chExt cx="2743200" cy="2743200"/>
-              </a:xfrm>
-            </p:grpSpPr>
             <p:sp>
               <p:nvSpPr>
-                <p:cNvPr id="44" name="Rectangle: Rounded Corners 43">
+                <p:cNvPr id="63" name="Arrow: Up-Down 62">
                   <a:extLst>
                     <a:ext uri="{FF2B5EF4-FFF2-40B4-BE49-F238E27FC236}">
-                      <a16:creationId xmlns:a16="http://schemas.microsoft.com/office/drawing/2014/main" id="{2D418C21-8AE3-4376-8B13-6DC1169DDC3D}"/>
+                      <a16:creationId xmlns:a16="http://schemas.microsoft.com/office/drawing/2014/main" id="{54767FA8-B3DA-427A-A8E6-8948E5FE7BA0}"/>
+                    </a:ext>
+                  </a:extLst>
+                </p:cNvPr>
+                <p:cNvSpPr/>
+                <p:nvPr/>
+              </p:nvSpPr>
+              <p:spPr>
+                <a:xfrm rot="7100587" flipH="1">
+                  <a:off x="5730407" y="-3468475"/>
+                  <a:ext cx="1079500" cy="3398090"/>
+                </a:xfrm>
+                <a:prstGeom prst="upDownArrow">
+                  <a:avLst/>
+                </a:prstGeom>
+              </p:spPr>
+              <p:style>
+                <a:lnRef idx="2">
+                  <a:schemeClr val="accent3">
+                    <a:shade val="50000"/>
+                  </a:schemeClr>
+                </a:lnRef>
+                <a:fillRef idx="1">
+                  <a:schemeClr val="accent3"/>
+                </a:fillRef>
+                <a:effectRef idx="0">
+                  <a:schemeClr val="accent3"/>
+                </a:effectRef>
+                <a:fontRef idx="minor">
+                  <a:schemeClr val="lt1"/>
+                </a:fontRef>
+              </p:style>
+              <p:txBody>
+                <a:bodyPr vert="vert270" rtlCol="0" anchor="ctr"/>
+                <a:lstStyle/>
+                <a:p>
+                  <a:pPr algn="ctr"/>
+                  <a:r>
+                    <a:rPr lang="pt-PT" sz="3200" dirty="0" err="1"/>
+                    <a:t>image</a:t>
+                  </a:r>
+                  <a:endParaRPr lang="en-US" sz="3200" dirty="0"/>
+                </a:p>
+              </p:txBody>
+            </p:sp>
+            <p:sp>
+              <p:nvSpPr>
+                <p:cNvPr id="65" name="Rectangle: Rounded Corners 64">
+                  <a:extLst>
+                    <a:ext uri="{FF2B5EF4-FFF2-40B4-BE49-F238E27FC236}">
+                      <a16:creationId xmlns:a16="http://schemas.microsoft.com/office/drawing/2014/main" id="{C5900481-34D8-475F-B1F1-BFC6144E5E20}"/>
                     </a:ext>
                   </a:extLst>
                 </p:cNvPr>
@@ -4556,7 +5087,7 @@
               </p:nvSpPr>
               <p:spPr>
                 <a:xfrm>
-                  <a:off x="-3581917" y="5297072"/>
+                  <a:off x="1947790" y="-3817497"/>
                   <a:ext cx="2743200" cy="2743200"/>
                 </a:xfrm>
                 <a:prstGeom prst="roundRect">
@@ -4611,11 +5142,7 @@
                   <a:pPr algn="ctr"/>
                   <a:r>
                     <a:rPr lang="pt-PT" sz="3600" dirty="0"/>
-                    <a:t>ELK </a:t>
-                  </a:r>
-                  <a:r>
-                    <a:rPr lang="pt-PT" sz="3600" dirty="0" err="1"/>
-                    <a:t>Stack</a:t>
+                    <a:t>Broker</a:t>
                   </a:r>
                   <a:endParaRPr lang="en-US" sz="2400" dirty="0"/>
                 </a:p>
@@ -4623,10 +5150,10 @@
             </p:sp>
             <p:pic>
               <p:nvPicPr>
-                <p:cNvPr id="1040" name="Picture 16" descr="How To Install ELK Stack on Debian 9 - idroot">
+                <p:cNvPr id="1046" name="Picture 22" descr="asf - Revision 1878756: /kafka/site/logos">
                   <a:extLst>
                     <a:ext uri="{FF2B5EF4-FFF2-40B4-BE49-F238E27FC236}">
-                      <a16:creationId xmlns:a16="http://schemas.microsoft.com/office/drawing/2014/main" id="{07B78632-3A6A-4A14-8489-4E20E5CB4D29}"/>
+                      <a16:creationId xmlns:a16="http://schemas.microsoft.com/office/drawing/2014/main" id="{6BD39144-02E6-478E-8A07-80E92BB286C5}"/>
                     </a:ext>
                   </a:extLst>
                 </p:cNvPr>
@@ -4636,7 +5163,7 @@
                 <p:nvPr/>
               </p:nvPicPr>
               <p:blipFill>
-                <a:blip r:embed="rId11">
+                <a:blip r:embed="rId15">
                   <a:extLst>
                     <a:ext uri="{28A0092B-C50C-407E-A947-70E740481C1C}">
                       <a14:useLocalDpi xmlns:a14="http://schemas.microsoft.com/office/drawing/2010/main" val="0"/>
@@ -4650,8 +5177,8 @@
               </p:blipFill>
               <p:spPr bwMode="auto">
                 <a:xfrm>
-                  <a:off x="-3380659" y="5513730"/>
-                  <a:ext cx="2313596" cy="1831597"/>
+                  <a:off x="2368473" y="-3817498"/>
+                  <a:ext cx="1875992" cy="2042219"/>
                 </a:xfrm>
                 <a:prstGeom prst="rect">
                   <a:avLst/>
@@ -4668,33 +5195,12 @@
                 </a:extLst>
               </p:spPr>
             </p:pic>
-          </p:grpSp>
-          <p:grpSp>
-            <p:nvGrpSpPr>
-              <p:cNvPr id="1033" name="Group 1032">
-                <a:extLst>
-                  <a:ext uri="{FF2B5EF4-FFF2-40B4-BE49-F238E27FC236}">
-                    <a16:creationId xmlns:a16="http://schemas.microsoft.com/office/drawing/2014/main" id="{0CB962AA-F7AC-4FFC-8E27-66A50D371B96}"/>
-                  </a:ext>
-                </a:extLst>
-              </p:cNvPr>
-              <p:cNvGrpSpPr/>
-              <p:nvPr/>
-            </p:nvGrpSpPr>
-            <p:grpSpPr>
-              <a:xfrm>
-                <a:off x="-3558558" y="1639576"/>
-                <a:ext cx="2825485" cy="2743200"/>
-                <a:chOff x="-3564126" y="2076602"/>
-                <a:chExt cx="2825485" cy="2743200"/>
-              </a:xfrm>
-            </p:grpSpPr>
             <p:sp>
               <p:nvSpPr>
-                <p:cNvPr id="43" name="Rectangle: Rounded Corners 42">
+                <p:cNvPr id="1049" name="Arrow: Curved Right 1048">
                   <a:extLst>
                     <a:ext uri="{FF2B5EF4-FFF2-40B4-BE49-F238E27FC236}">
-                      <a16:creationId xmlns:a16="http://schemas.microsoft.com/office/drawing/2014/main" id="{A1520B54-A5E6-4034-933C-A7C5AB6E3EE9}"/>
+                      <a16:creationId xmlns:a16="http://schemas.microsoft.com/office/drawing/2014/main" id="{359233C0-E189-44C0-8A6C-6AF08CF43865}"/>
                     </a:ext>
                   </a:extLst>
                 </p:cNvPr>
@@ -4703,193 +5209,225 @@
               </p:nvSpPr>
               <p:spPr>
                 <a:xfrm>
-                  <a:off x="-3564126" y="2076602"/>
-                  <a:ext cx="2743200" cy="2743200"/>
+                  <a:off x="370424" y="-2212421"/>
+                  <a:ext cx="1532771" cy="3851997"/>
                 </a:xfrm>
-                <a:prstGeom prst="roundRect">
+                <a:prstGeom prst="curvedRightArrow">
                   <a:avLst/>
                 </a:prstGeom>
-                <a:solidFill>
-                  <a:schemeClr val="accent6"/>
-                </a:solidFill>
-                <a:ln>
-                  <a:noFill/>
-                </a:ln>
               </p:spPr>
               <p:style>
                 <a:lnRef idx="2">
-                  <a:schemeClr val="accent1">
+                  <a:schemeClr val="accent3">
                     <a:shade val="50000"/>
                   </a:schemeClr>
                 </a:lnRef>
                 <a:fillRef idx="1">
-                  <a:schemeClr val="accent1"/>
+                  <a:schemeClr val="accent3"/>
                 </a:fillRef>
                 <a:effectRef idx="0">
-                  <a:schemeClr val="accent1"/>
+                  <a:schemeClr val="accent3"/>
                 </a:effectRef>
                 <a:fontRef idx="minor">
                   <a:schemeClr val="lt1"/>
                 </a:fontRef>
               </p:style>
               <p:txBody>
-                <a:bodyPr rtlCol="0" anchor="ctr"/>
+                <a:bodyPr vert="horz" rtlCol="0" anchor="ctr"/>
                 <a:lstStyle/>
                 <a:p>
-                  <a:pPr algn="ctr"/>
-                  <a:endParaRPr lang="pt-PT" sz="2400" dirty="0"/>
+                  <a:r>
+                    <a:rPr lang="pt-PT" sz="3200" dirty="0"/>
+                    <a:t> </a:t>
+                  </a:r>
                 </a:p>
                 <a:p>
-                  <a:pPr algn="ctr"/>
-                  <a:endParaRPr lang="pt-PT" sz="2400" dirty="0"/>
+                  <a:r>
+                    <a:rPr lang="pt-PT" sz="3200" dirty="0">
+                      <a:solidFill>
+                        <a:schemeClr val="tx1"/>
+                      </a:solidFill>
+                    </a:rPr>
+                    <a:t> </a:t>
+                  </a:r>
+                  <a:r>
+                    <a:rPr lang="pt-PT" sz="3200" dirty="0" err="1">
+                      <a:solidFill>
+                        <a:schemeClr val="tx1"/>
+                      </a:solidFill>
+                    </a:rPr>
+                    <a:t>image</a:t>
+                  </a:r>
+                  <a:endParaRPr lang="pt-PT" sz="3200" dirty="0">
+                    <a:solidFill>
+                      <a:schemeClr val="tx1"/>
+                    </a:solidFill>
+                  </a:endParaRPr>
                 </a:p>
                 <a:p>
-                  <a:pPr algn="ctr"/>
-                  <a:endParaRPr lang="pt-PT" sz="2400" dirty="0"/>
+                  <a:endParaRPr lang="pt-PT" sz="3200" dirty="0">
+                    <a:solidFill>
+                      <a:schemeClr val="tx1"/>
+                    </a:solidFill>
+                  </a:endParaRPr>
                 </a:p>
                 <a:p>
-                  <a:pPr algn="ctr"/>
-                  <a:br>
-                    <a:rPr lang="pt-PT" sz="2400" dirty="0"/>
-                  </a:br>
-                  <a:endParaRPr lang="pt-PT" sz="2400" dirty="0"/>
-                </a:p>
-                <a:p>
-                  <a:pPr algn="ctr"/>
-                  <a:r>
-                    <a:rPr lang="pt-PT" sz="3600" dirty="0" err="1"/>
-                    <a:t>Database</a:t>
-                  </a:r>
-                  <a:endParaRPr lang="en-US" sz="2400" dirty="0"/>
+                  <a:endParaRPr lang="en-US" sz="3200" dirty="0">
+                    <a:solidFill>
+                      <a:schemeClr val="tx1"/>
+                    </a:solidFill>
+                  </a:endParaRPr>
                 </a:p>
               </p:txBody>
             </p:sp>
-            <p:pic>
-              <p:nvPicPr>
-                <p:cNvPr id="1031" name="Picture 1030">
+            <p:sp>
+              <p:nvSpPr>
+                <p:cNvPr id="80" name="Arrow: Curved Right 79">
                   <a:extLst>
                     <a:ext uri="{FF2B5EF4-FFF2-40B4-BE49-F238E27FC236}">
-                      <a16:creationId xmlns:a16="http://schemas.microsoft.com/office/drawing/2014/main" id="{B50F3CC7-1367-48A3-BAEC-FBEF3653B1AE}"/>
+                      <a16:creationId xmlns:a16="http://schemas.microsoft.com/office/drawing/2014/main" id="{C5700E91-0740-40D0-806D-FB97E0B28F8A}"/>
                     </a:ext>
                   </a:extLst>
                 </p:cNvPr>
-                <p:cNvPicPr>
-                  <a:picLocks noChangeAspect="1"/>
-                </p:cNvPicPr>
+                <p:cNvSpPr/>
                 <p:nvPr/>
-              </p:nvPicPr>
-              <p:blipFill>
-                <a:blip r:embed="rId12"/>
-                <a:stretch>
-                  <a:fillRect/>
-                </a:stretch>
-              </p:blipFill>
+              </p:nvSpPr>
+              <p:spPr>
+                <a:xfrm flipV="1">
+                  <a:off x="-338684" y="-3670049"/>
+                  <a:ext cx="2281443" cy="6447750"/>
+                </a:xfrm>
+                <a:prstGeom prst="curvedRightArrow">
+                  <a:avLst/>
+                </a:prstGeom>
+              </p:spPr>
+              <p:style>
+                <a:lnRef idx="2">
+                  <a:schemeClr val="accent3">
+                    <a:shade val="50000"/>
+                  </a:schemeClr>
+                </a:lnRef>
+                <a:fillRef idx="1">
+                  <a:schemeClr val="accent3"/>
+                </a:fillRef>
+                <a:effectRef idx="0">
+                  <a:schemeClr val="accent3"/>
+                </a:effectRef>
+                <a:fontRef idx="minor">
+                  <a:schemeClr val="lt1"/>
+                </a:fontRef>
+              </p:style>
+              <p:txBody>
+                <a:bodyPr vert="horz" rtlCol="0" anchor="ctr"/>
+                <a:lstStyle/>
+                <a:p>
+                  <a:r>
+                    <a:rPr lang="pt-PT" sz="3200" dirty="0"/>
+                    <a:t> </a:t>
+                  </a:r>
+                  <a:endParaRPr lang="en-US" sz="3200" dirty="0"/>
+                </a:p>
+              </p:txBody>
+            </p:sp>
+            <p:sp>
+              <p:nvSpPr>
+                <p:cNvPr id="82" name="TextBox 81">
+                  <a:extLst>
+                    <a:ext uri="{FF2B5EF4-FFF2-40B4-BE49-F238E27FC236}">
+                      <a16:creationId xmlns:a16="http://schemas.microsoft.com/office/drawing/2014/main" id="{AFBBD7EA-A2F1-493C-8592-E86B0577E56E}"/>
+                    </a:ext>
+                  </a:extLst>
+                </p:cNvPr>
+                <p:cNvSpPr txBox="1"/>
+                <p:nvPr/>
+              </p:nvSpPr>
               <p:spPr>
                 <a:xfrm>
-                  <a:off x="-3544530" y="2187100"/>
-                  <a:ext cx="2805889" cy="1945042"/>
+                  <a:off x="-3529729" y="-825032"/>
+                  <a:ext cx="3067715" cy="1815882"/>
                 </a:xfrm>
                 <a:prstGeom prst="rect">
                   <a:avLst/>
                 </a:prstGeom>
+                <a:noFill/>
               </p:spPr>
-            </p:pic>
+              <p:txBody>
+                <a:bodyPr wrap="square" rtlCol="0">
+                  <a:spAutoFit/>
+                </a:bodyPr>
+                <a:lstStyle/>
+                <a:p>
+                  <a:pPr algn="r"/>
+                  <a:r>
+                    <a:rPr lang="pt-PT" sz="3200" dirty="0" err="1"/>
+                    <a:t>emotion</a:t>
+                  </a:r>
+                  <a:r>
+                    <a:rPr lang="pt-PT" sz="3200" dirty="0"/>
+                    <a:t> (</a:t>
+                  </a:r>
+                  <a:r>
+                    <a:rPr lang="pt-PT" sz="3200" dirty="0" err="1"/>
+                    <a:t>Happy</a:t>
+                  </a:r>
+                  <a:r>
+                    <a:rPr lang="pt-PT" sz="3200" dirty="0"/>
+                    <a:t>/Neutral)</a:t>
+                  </a:r>
+                </a:p>
+                <a:p>
+                  <a:pPr algn="r"/>
+                  <a:r>
+                    <a:rPr lang="en-US" sz="2400" b="1" i="1" dirty="0"/>
+                    <a:t>Topic “p30-classification”</a:t>
+                  </a:r>
+                  <a:endParaRPr lang="en-US" sz="2400" i="1" dirty="0"/>
+                </a:p>
+              </p:txBody>
+            </p:sp>
           </p:grpSp>
           <p:sp>
             <p:nvSpPr>
-              <p:cNvPr id="1035" name="TextBox 1034">
+              <p:cNvPr id="4" name="Rectangle 3">
                 <a:extLst>
                   <a:ext uri="{FF2B5EF4-FFF2-40B4-BE49-F238E27FC236}">
-                    <a16:creationId xmlns:a16="http://schemas.microsoft.com/office/drawing/2014/main" id="{B6DF67A5-E1A6-4491-B741-12806068FF9C}"/>
+                    <a16:creationId xmlns:a16="http://schemas.microsoft.com/office/drawing/2014/main" id="{23032D02-3C07-471F-A89F-4404B66FA192}"/>
                   </a:ext>
                 </a:extLst>
               </p:cNvPr>
-              <p:cNvSpPr txBox="1"/>
+              <p:cNvSpPr/>
               <p:nvPr/>
             </p:nvSpPr>
             <p:spPr>
-              <a:xfrm>
-                <a:off x="-3199338" y="11115848"/>
-                <a:ext cx="3067715" cy="646331"/>
+              <a:xfrm rot="1648140">
+                <a:off x="5490563" y="-2397087"/>
+                <a:ext cx="2012410" cy="369332"/>
               </a:xfrm>
               <a:prstGeom prst="rect">
                 <a:avLst/>
               </a:prstGeom>
-              <a:noFill/>
             </p:spPr>
             <p:txBody>
-              <a:bodyPr wrap="square" rtlCol="0">
+              <a:bodyPr wrap="none">
                 <a:spAutoFit/>
               </a:bodyPr>
               <a:lstStyle/>
               <a:p>
-                <a:pPr algn="ctr"/>
+                <a:pPr algn="r"/>
                 <a:r>
-                  <a:rPr lang="pt-PT" sz="3600" dirty="0"/>
-                  <a:t>e.g. </a:t>
+                  <a:rPr lang="en-US" b="1" i="1" dirty="0"/>
+                  <a:t>Topic “p30-photos”</a:t>
                 </a:r>
-                <a:r>
-                  <a:rPr lang="pt-PT" sz="3600" dirty="0" err="1"/>
-                  <a:t>Doctor</a:t>
-                </a:r>
-                <a:endParaRPr lang="en-US" sz="3600" dirty="0"/>
+                <a:endParaRPr lang="en-US" i="1" dirty="0"/>
               </a:p>
             </p:txBody>
           </p:sp>
           <p:sp>
             <p:nvSpPr>
-              <p:cNvPr id="51" name="TextBox 50">
+              <p:cNvPr id="45" name="Rectangle 44">
                 <a:extLst>
                   <a:ext uri="{FF2B5EF4-FFF2-40B4-BE49-F238E27FC236}">
-                    <a16:creationId xmlns:a16="http://schemas.microsoft.com/office/drawing/2014/main" id="{62883D7C-676A-4AFC-92DB-E1E158E6EB8F}"/>
-                  </a:ext>
-                </a:extLst>
-              </p:cNvPr>
-              <p:cNvSpPr txBox="1"/>
-              <p:nvPr/>
-            </p:nvSpPr>
-            <p:spPr>
-              <a:xfrm>
-                <a:off x="10403675" y="10274298"/>
-                <a:ext cx="3067715" cy="1200329"/>
-              </a:xfrm>
-              <a:prstGeom prst="rect">
-                <a:avLst/>
-              </a:prstGeom>
-              <a:noFill/>
-            </p:spPr>
-            <p:txBody>
-              <a:bodyPr wrap="square" rtlCol="0">
-                <a:spAutoFit/>
-              </a:bodyPr>
-              <a:lstStyle/>
-              <a:p>
-                <a:pPr algn="ctr"/>
-                <a:r>
-                  <a:rPr lang="pt-PT" sz="3600" dirty="0"/>
-                  <a:t>User</a:t>
-                </a:r>
-              </a:p>
-              <a:p>
-                <a:pPr algn="ctr"/>
-                <a:r>
-                  <a:rPr lang="pt-PT" sz="3600" dirty="0"/>
-                  <a:t>e.g. a </a:t>
-                </a:r>
-                <a:r>
-                  <a:rPr lang="pt-PT" sz="3600" dirty="0" err="1"/>
-                  <a:t>Patient</a:t>
-                </a:r>
-                <a:endParaRPr lang="en-US" sz="3600" dirty="0"/>
-              </a:p>
-            </p:txBody>
-          </p:sp>
-          <p:sp>
-            <p:nvSpPr>
-              <p:cNvPr id="59" name="Rectangle: Rounded Corners 58">
-                <a:extLst>
-                  <a:ext uri="{FF2B5EF4-FFF2-40B4-BE49-F238E27FC236}">
-                    <a16:creationId xmlns:a16="http://schemas.microsoft.com/office/drawing/2014/main" id="{78EF4760-00D9-42C0-9AFE-EE6DB8C14430}"/>
+                    <a16:creationId xmlns:a16="http://schemas.microsoft.com/office/drawing/2014/main" id="{24867E3E-CFFE-4C70-A924-7A9FA7D3F479}"/>
                   </a:ext>
                 </a:extLst>
               </p:cNvPr>
@@ -4898,475 +5436,35 @@
             </p:nvSpPr>
             <p:spPr>
               <a:xfrm>
-                <a:off x="7844704" y="-1859363"/>
-                <a:ext cx="2743200" cy="2743200"/>
-              </a:xfrm>
-              <a:prstGeom prst="roundRect">
-                <a:avLst/>
-              </a:prstGeom>
-              <a:solidFill>
-                <a:schemeClr val="bg1">
-                  <a:lumMod val="50000"/>
-                </a:schemeClr>
-              </a:solidFill>
-              <a:ln>
-                <a:noFill/>
-              </a:ln>
-            </p:spPr>
-            <p:style>
-              <a:lnRef idx="2">
-                <a:schemeClr val="accent1">
-                  <a:shade val="50000"/>
-                </a:schemeClr>
-              </a:lnRef>
-              <a:fillRef idx="1">
-                <a:schemeClr val="accent1"/>
-              </a:fillRef>
-              <a:effectRef idx="0">
-                <a:schemeClr val="accent1"/>
-              </a:effectRef>
-              <a:fontRef idx="minor">
-                <a:schemeClr val="lt1"/>
-              </a:fontRef>
-            </p:style>
-            <p:txBody>
-              <a:bodyPr rtlCol="0" anchor="ctr"/>
-              <a:lstStyle/>
-              <a:p>
-                <a:pPr algn="ctr"/>
-                <a:r>
-                  <a:rPr lang="pt-PT" sz="2400" dirty="0"/>
-                  <a:t>Sensor</a:t>
-                </a:r>
-              </a:p>
-              <a:p>
-                <a:pPr algn="ctr"/>
-                <a:endParaRPr lang="pt-PT" sz="2400" dirty="0"/>
-              </a:p>
-              <a:p>
-                <a:pPr algn="ctr"/>
-                <a:endParaRPr lang="pt-PT" sz="2400" dirty="0"/>
-              </a:p>
-              <a:p>
-                <a:pPr algn="ctr"/>
-                <a:br>
-                  <a:rPr lang="pt-PT" sz="2400" dirty="0"/>
-                </a:br>
-                <a:endParaRPr lang="pt-PT" sz="2400" dirty="0"/>
-              </a:p>
-              <a:p>
-                <a:pPr algn="ctr"/>
-                <a:r>
-                  <a:rPr lang="pt-PT" sz="3600" dirty="0" err="1"/>
-                  <a:t>Camera</a:t>
-                </a:r>
-                <a:endParaRPr lang="en-US" sz="2400" dirty="0"/>
-              </a:p>
-            </p:txBody>
-          </p:sp>
-          <p:pic>
-            <p:nvPicPr>
-              <p:cNvPr id="1037" name="Graphic 1036" descr="Web cam">
-                <a:extLst>
-                  <a:ext uri="{FF2B5EF4-FFF2-40B4-BE49-F238E27FC236}">
-                    <a16:creationId xmlns:a16="http://schemas.microsoft.com/office/drawing/2014/main" id="{D74D3CD1-F119-49EB-94C3-A9966218A651}"/>
-                  </a:ext>
-                </a:extLst>
-              </p:cNvPr>
-              <p:cNvPicPr>
-                <a:picLocks noChangeAspect="1"/>
-              </p:cNvPicPr>
-              <p:nvPr/>
-            </p:nvPicPr>
-            <p:blipFill>
-              <a:blip r:embed="rId13">
-                <a:extLst>
-                  <a:ext uri="{28A0092B-C50C-407E-A947-70E740481C1C}">
-                    <a14:useLocalDpi xmlns:a14="http://schemas.microsoft.com/office/drawing/2010/main" val="0"/>
-                  </a:ext>
-                  <a:ext uri="{96DAC541-7B7A-43D3-8B79-37D633B846F1}">
-                    <asvg:svgBlip xmlns:asvg="http://schemas.microsoft.com/office/drawing/2016/SVG/main" r:embed="rId14"/>
-                  </a:ext>
-                </a:extLst>
-              </a:blip>
-              <a:stretch>
-                <a:fillRect/>
-              </a:stretch>
-            </p:blipFill>
-            <p:spPr>
-              <a:xfrm>
-                <a:off x="8401050" y="-1303017"/>
-                <a:ext cx="1605020" cy="1605020"/>
+                <a:off x="521438" y="-299123"/>
+                <a:ext cx="1129536" cy="923330"/>
               </a:xfrm>
               <a:prstGeom prst="rect">
                 <a:avLst/>
               </a:prstGeom>
             </p:spPr>
-          </p:pic>
-          <p:sp>
-            <p:nvSpPr>
-              <p:cNvPr id="63" name="Arrow: Up-Down 62">
-                <a:extLst>
-                  <a:ext uri="{FF2B5EF4-FFF2-40B4-BE49-F238E27FC236}">
-                    <a16:creationId xmlns:a16="http://schemas.microsoft.com/office/drawing/2014/main" id="{54767FA8-B3DA-427A-A8E6-8948E5FE7BA0}"/>
-                  </a:ext>
-                </a:extLst>
-              </p:cNvPr>
-              <p:cNvSpPr/>
-              <p:nvPr/>
-            </p:nvSpPr>
-            <p:spPr>
-              <a:xfrm rot="7100587" flipH="1">
-                <a:off x="5730407" y="-3468475"/>
-                <a:ext cx="1079500" cy="3398090"/>
-              </a:xfrm>
-              <a:prstGeom prst="upDownArrow">
-                <a:avLst/>
-              </a:prstGeom>
-            </p:spPr>
-            <p:style>
-              <a:lnRef idx="2">
-                <a:schemeClr val="accent3">
-                  <a:shade val="50000"/>
-                </a:schemeClr>
-              </a:lnRef>
-              <a:fillRef idx="1">
-                <a:schemeClr val="accent3"/>
-              </a:fillRef>
-              <a:effectRef idx="0">
-                <a:schemeClr val="accent3"/>
-              </a:effectRef>
-              <a:fontRef idx="minor">
-                <a:schemeClr val="lt1"/>
-              </a:fontRef>
-            </p:style>
             <p:txBody>
-              <a:bodyPr vert="vert270" rtlCol="0" anchor="ctr"/>
-              <a:lstStyle/>
-              <a:p>
-                <a:pPr algn="ctr"/>
-                <a:r>
-                  <a:rPr lang="pt-PT" sz="3200" dirty="0"/>
-                  <a:t>1. </a:t>
-                </a:r>
-                <a:r>
-                  <a:rPr lang="pt-PT" sz="3200" dirty="0" err="1"/>
-                  <a:t>image</a:t>
-                </a:r>
-                <a:endParaRPr lang="en-US" sz="3200" dirty="0"/>
-              </a:p>
-            </p:txBody>
-          </p:sp>
-          <p:sp>
-            <p:nvSpPr>
-              <p:cNvPr id="65" name="Rectangle: Rounded Corners 64">
-                <a:extLst>
-                  <a:ext uri="{FF2B5EF4-FFF2-40B4-BE49-F238E27FC236}">
-                    <a16:creationId xmlns:a16="http://schemas.microsoft.com/office/drawing/2014/main" id="{C5900481-34D8-475F-B1F1-BFC6144E5E20}"/>
-                  </a:ext>
-                </a:extLst>
-              </p:cNvPr>
-              <p:cNvSpPr/>
-              <p:nvPr/>
-            </p:nvSpPr>
-            <p:spPr>
-              <a:xfrm>
-                <a:off x="1947790" y="-3817497"/>
-                <a:ext cx="2743200" cy="2743200"/>
-              </a:xfrm>
-              <a:prstGeom prst="roundRect">
-                <a:avLst/>
-              </a:prstGeom>
-              <a:solidFill>
-                <a:schemeClr val="accent6"/>
-              </a:solidFill>
-              <a:ln>
-                <a:noFill/>
-              </a:ln>
-            </p:spPr>
-            <p:style>
-              <a:lnRef idx="2">
-                <a:schemeClr val="accent1">
-                  <a:shade val="50000"/>
-                </a:schemeClr>
-              </a:lnRef>
-              <a:fillRef idx="1">
-                <a:schemeClr val="accent1"/>
-              </a:fillRef>
-              <a:effectRef idx="0">
-                <a:schemeClr val="accent1"/>
-              </a:effectRef>
-              <a:fontRef idx="minor">
-                <a:schemeClr val="lt1"/>
-              </a:fontRef>
-            </p:style>
-            <p:txBody>
-              <a:bodyPr rtlCol="0" anchor="ctr"/>
-              <a:lstStyle/>
-              <a:p>
-                <a:pPr algn="ctr"/>
-                <a:endParaRPr lang="pt-PT" sz="2400" dirty="0"/>
-              </a:p>
-              <a:p>
-                <a:pPr algn="ctr"/>
-                <a:endParaRPr lang="pt-PT" sz="2400" dirty="0"/>
-              </a:p>
-              <a:p>
-                <a:pPr algn="ctr"/>
-                <a:endParaRPr lang="pt-PT" sz="2400" dirty="0"/>
-              </a:p>
-              <a:p>
-                <a:pPr algn="ctr"/>
-                <a:br>
-                  <a:rPr lang="pt-PT" sz="2400" dirty="0"/>
-                </a:br>
-                <a:endParaRPr lang="pt-PT" sz="2400" dirty="0"/>
-              </a:p>
-              <a:p>
-                <a:pPr algn="ctr"/>
-                <a:r>
-                  <a:rPr lang="pt-PT" sz="3600" dirty="0"/>
-                  <a:t>Broker</a:t>
-                </a:r>
-                <a:endParaRPr lang="en-US" sz="2400" dirty="0"/>
-              </a:p>
-            </p:txBody>
-          </p:sp>
-          <p:pic>
-            <p:nvPicPr>
-              <p:cNvPr id="1046" name="Picture 22" descr="asf - Revision 1878756: /kafka/site/logos">
-                <a:extLst>
-                  <a:ext uri="{FF2B5EF4-FFF2-40B4-BE49-F238E27FC236}">
-                    <a16:creationId xmlns:a16="http://schemas.microsoft.com/office/drawing/2014/main" id="{6BD39144-02E6-478E-8A07-80E92BB286C5}"/>
-                  </a:ext>
-                </a:extLst>
-              </p:cNvPr>
-              <p:cNvPicPr>
-                <a:picLocks noChangeAspect="1" noChangeArrowheads="1"/>
-              </p:cNvPicPr>
-              <p:nvPr/>
-            </p:nvPicPr>
-            <p:blipFill>
-              <a:blip r:embed="rId15">
-                <a:extLst>
-                  <a:ext uri="{28A0092B-C50C-407E-A947-70E740481C1C}">
-                    <a14:useLocalDpi xmlns:a14="http://schemas.microsoft.com/office/drawing/2010/main" val="0"/>
-                  </a:ext>
-                </a:extLst>
-              </a:blip>
-              <a:srcRect/>
-              <a:stretch>
-                <a:fillRect/>
-              </a:stretch>
-            </p:blipFill>
-            <p:spPr bwMode="auto">
-              <a:xfrm>
-                <a:off x="2368473" y="-3817498"/>
-                <a:ext cx="1875992" cy="2042219"/>
-              </a:xfrm>
-              <a:prstGeom prst="rect">
-                <a:avLst/>
-              </a:prstGeom>
-              <a:noFill/>
-              <a:extLst>
-                <a:ext uri="{909E8E84-426E-40DD-AFC4-6F175D3DCCD1}">
-                  <a14:hiddenFill xmlns:a14="http://schemas.microsoft.com/office/drawing/2010/main">
-                    <a:solidFill>
-                      <a:srgbClr val="FFFFFF"/>
-                    </a:solidFill>
-                  </a14:hiddenFill>
-                </a:ext>
-              </a:extLst>
-            </p:spPr>
-          </p:pic>
-          <p:sp>
-            <p:nvSpPr>
-              <p:cNvPr id="1049" name="Arrow: Curved Right 1048">
-                <a:extLst>
-                  <a:ext uri="{FF2B5EF4-FFF2-40B4-BE49-F238E27FC236}">
-                    <a16:creationId xmlns:a16="http://schemas.microsoft.com/office/drawing/2014/main" id="{359233C0-E189-44C0-8A6C-6AF08CF43865}"/>
-                  </a:ext>
-                </a:extLst>
-              </p:cNvPr>
-              <p:cNvSpPr/>
-              <p:nvPr/>
-            </p:nvSpPr>
-            <p:spPr>
-              <a:xfrm>
-                <a:off x="370424" y="-2212421"/>
-                <a:ext cx="1532771" cy="3851997"/>
-              </a:xfrm>
-              <a:prstGeom prst="curvedRightArrow">
-                <a:avLst/>
-              </a:prstGeom>
-            </p:spPr>
-            <p:style>
-              <a:lnRef idx="2">
-                <a:schemeClr val="accent3">
-                  <a:shade val="50000"/>
-                </a:schemeClr>
-              </a:lnRef>
-              <a:fillRef idx="1">
-                <a:schemeClr val="accent3"/>
-              </a:fillRef>
-              <a:effectRef idx="0">
-                <a:schemeClr val="accent3"/>
-              </a:effectRef>
-              <a:fontRef idx="minor">
-                <a:schemeClr val="lt1"/>
-              </a:fontRef>
-            </p:style>
-            <p:txBody>
-              <a:bodyPr vert="horz" rtlCol="0" anchor="ctr"/>
-              <a:lstStyle/>
-              <a:p>
-                <a:r>
-                  <a:rPr lang="pt-PT" sz="3200" dirty="0"/>
-                  <a:t> </a:t>
-                </a:r>
-              </a:p>
-              <a:p>
-                <a:r>
-                  <a:rPr lang="pt-PT" sz="3200" dirty="0">
-                    <a:solidFill>
-                      <a:schemeClr val="tx1"/>
-                    </a:solidFill>
-                  </a:rPr>
-                  <a:t>2.Image</a:t>
-                </a:r>
-              </a:p>
-              <a:p>
-                <a:endParaRPr lang="pt-PT" sz="3200" dirty="0">
-                  <a:solidFill>
-                    <a:schemeClr val="tx1"/>
-                  </a:solidFill>
-                </a:endParaRPr>
-              </a:p>
-              <a:p>
-                <a:endParaRPr lang="en-US" sz="3200" dirty="0">
-                  <a:solidFill>
-                    <a:schemeClr val="tx1"/>
-                  </a:solidFill>
-                </a:endParaRPr>
-              </a:p>
-            </p:txBody>
-          </p:sp>
-          <p:sp>
-            <p:nvSpPr>
-              <p:cNvPr id="80" name="Arrow: Curved Right 79">
-                <a:extLst>
-                  <a:ext uri="{FF2B5EF4-FFF2-40B4-BE49-F238E27FC236}">
-                    <a16:creationId xmlns:a16="http://schemas.microsoft.com/office/drawing/2014/main" id="{C5700E91-0740-40D0-806D-FB97E0B28F8A}"/>
-                  </a:ext>
-                </a:extLst>
-              </p:cNvPr>
-              <p:cNvSpPr/>
-              <p:nvPr/>
-            </p:nvSpPr>
-            <p:spPr>
-              <a:xfrm flipV="1">
-                <a:off x="-338684" y="-3670049"/>
-                <a:ext cx="2281443" cy="6447750"/>
-              </a:xfrm>
-              <a:prstGeom prst="curvedRightArrow">
-                <a:avLst/>
-              </a:prstGeom>
-            </p:spPr>
-            <p:style>
-              <a:lnRef idx="2">
-                <a:schemeClr val="accent3">
-                  <a:shade val="50000"/>
-                </a:schemeClr>
-              </a:lnRef>
-              <a:fillRef idx="1">
-                <a:schemeClr val="accent3"/>
-              </a:fillRef>
-              <a:effectRef idx="0">
-                <a:schemeClr val="accent3"/>
-              </a:effectRef>
-              <a:fontRef idx="minor">
-                <a:schemeClr val="lt1"/>
-              </a:fontRef>
-            </p:style>
-            <p:txBody>
-              <a:bodyPr vert="horz" rtlCol="0" anchor="ctr"/>
-              <a:lstStyle/>
-              <a:p>
-                <a:r>
-                  <a:rPr lang="pt-PT" sz="3200" dirty="0"/>
-                  <a:t> </a:t>
-                </a:r>
-                <a:endParaRPr lang="en-US" sz="3200" dirty="0"/>
-              </a:p>
-            </p:txBody>
-          </p:sp>
-          <p:sp>
-            <p:nvSpPr>
-              <p:cNvPr id="82" name="TextBox 81">
-                <a:extLst>
-                  <a:ext uri="{FF2B5EF4-FFF2-40B4-BE49-F238E27FC236}">
-                    <a16:creationId xmlns:a16="http://schemas.microsoft.com/office/drawing/2014/main" id="{AFBBD7EA-A2F1-493C-8592-E86B0577E56E}"/>
-                  </a:ext>
-                </a:extLst>
-              </p:cNvPr>
-              <p:cNvSpPr txBox="1"/>
-              <p:nvPr/>
-            </p:nvSpPr>
-            <p:spPr>
-              <a:xfrm>
-                <a:off x="-3529729" y="-825032"/>
-                <a:ext cx="3067715" cy="1815882"/>
-              </a:xfrm>
-              <a:prstGeom prst="rect">
-                <a:avLst/>
-              </a:prstGeom>
-              <a:noFill/>
-            </p:spPr>
-            <p:txBody>
-              <a:bodyPr wrap="square" rtlCol="0">
+              <a:bodyPr wrap="square">
                 <a:spAutoFit/>
               </a:bodyPr>
               <a:lstStyle/>
               <a:p>
                 <a:pPr algn="r"/>
                 <a:r>
-                  <a:rPr lang="pt-PT" sz="3200" dirty="0"/>
-                  <a:t>3. </a:t>
+                  <a:rPr lang="en-US" b="1" i="1" dirty="0"/>
+                  <a:t>Topic “p30-photos”</a:t>
                 </a:r>
-                <a:r>
-                  <a:rPr lang="pt-PT" sz="3200" dirty="0" err="1"/>
-                  <a:t>emotion</a:t>
-                </a:r>
-                <a:r>
-                  <a:rPr lang="pt-PT" sz="3200" dirty="0"/>
-                  <a:t> (</a:t>
-                </a:r>
-                <a:r>
-                  <a:rPr lang="pt-PT" sz="3200" dirty="0" err="1"/>
-                  <a:t>Happy</a:t>
-                </a:r>
-                <a:r>
-                  <a:rPr lang="pt-PT" sz="3200" dirty="0"/>
-                  <a:t>/Neutral)</a:t>
-                </a:r>
-              </a:p>
-              <a:p>
-                <a:pPr algn="r"/>
-                <a:r>
-                  <a:rPr lang="en-US" sz="2400" b="1" i="1" dirty="0"/>
-                  <a:t>Topic “p30-classification”</a:t>
-                </a:r>
-                <a:endParaRPr lang="en-US" sz="2400" i="1" dirty="0"/>
+                <a:endParaRPr lang="en-US" i="1" dirty="0"/>
               </a:p>
             </p:txBody>
           </p:sp>
         </p:grpSp>
         <p:sp>
           <p:nvSpPr>
-            <p:cNvPr id="4" name="Rectangle 3">
+            <p:cNvPr id="47" name="Arrow: Curved Right 46">
               <a:extLst>
                 <a:ext uri="{FF2B5EF4-FFF2-40B4-BE49-F238E27FC236}">
-                  <a16:creationId xmlns:a16="http://schemas.microsoft.com/office/drawing/2014/main" id="{23032D02-3C07-471F-A89F-4404B66FA192}"/>
+                  <a16:creationId xmlns:a16="http://schemas.microsoft.com/office/drawing/2014/main" id="{94BF2876-039B-4E90-B749-48C9F8C1B583}"/>
                 </a:ext>
               </a:extLst>
             </p:cNvPr>
@@ -5374,171 +5472,95 @@
             <p:nvPr/>
           </p:nvSpPr>
           <p:spPr>
-            <a:xfrm rot="1648140">
-              <a:off x="5490563" y="-2397087"/>
-              <a:ext cx="2012410" cy="369332"/>
+            <a:xfrm flipH="1">
+              <a:off x="4665147" y="-1859363"/>
+              <a:ext cx="2506814" cy="6097882"/>
+            </a:xfrm>
+            <a:prstGeom prst="curvedRightArrow">
+              <a:avLst>
+                <a:gd name="adj1" fmla="val 17393"/>
+                <a:gd name="adj2" fmla="val 50000"/>
+                <a:gd name="adj3" fmla="val 25000"/>
+              </a:avLst>
+            </a:prstGeom>
+          </p:spPr>
+          <p:style>
+            <a:lnRef idx="2">
+              <a:schemeClr val="accent3">
+                <a:shade val="50000"/>
+              </a:schemeClr>
+            </a:lnRef>
+            <a:fillRef idx="1">
+              <a:schemeClr val="accent3"/>
+            </a:fillRef>
+            <a:effectRef idx="0">
+              <a:schemeClr val="accent3"/>
+            </a:effectRef>
+            <a:fontRef idx="minor">
+              <a:schemeClr val="lt1"/>
+            </a:fontRef>
+          </p:style>
+          <p:txBody>
+            <a:bodyPr vert="horz" rtlCol="0" anchor="ctr"/>
+            <a:lstStyle/>
+            <a:p>
+              <a:r>
+                <a:rPr lang="pt-PT" sz="3200" dirty="0"/>
+                <a:t> </a:t>
+              </a:r>
+              <a:endParaRPr lang="en-US" sz="3200" dirty="0"/>
+            </a:p>
+          </p:txBody>
+        </p:sp>
+        <p:sp>
+          <p:nvSpPr>
+            <p:cNvPr id="48" name="TextBox 47">
+              <a:extLst>
+                <a:ext uri="{FF2B5EF4-FFF2-40B4-BE49-F238E27FC236}">
+                  <a16:creationId xmlns:a16="http://schemas.microsoft.com/office/drawing/2014/main" id="{ACB9D09A-B588-46FB-A587-12540E3755B1}"/>
+                </a:ext>
+              </a:extLst>
+            </p:cNvPr>
+            <p:cNvSpPr txBox="1"/>
+            <p:nvPr/>
+          </p:nvSpPr>
+          <p:spPr>
+            <a:xfrm>
+              <a:off x="3938561" y="261754"/>
+              <a:ext cx="3067715" cy="1323439"/>
             </a:xfrm>
             <a:prstGeom prst="rect">
               <a:avLst/>
             </a:prstGeom>
+            <a:noFill/>
           </p:spPr>
           <p:txBody>
-            <a:bodyPr wrap="none">
+            <a:bodyPr wrap="square" rtlCol="0">
               <a:spAutoFit/>
             </a:bodyPr>
             <a:lstStyle/>
             <a:p>
               <a:pPr algn="r"/>
               <a:r>
-                <a:rPr lang="en-US" b="1" i="1" dirty="0"/>
-                <a:t>Topic “p30-photos”</a:t>
+                <a:rPr lang="pt-PT" sz="3200" dirty="0" err="1"/>
+                <a:t>emotion</a:t>
               </a:r>
-              <a:endParaRPr lang="en-US" i="1" dirty="0"/>
+              <a:r>
+                <a:rPr lang="pt-PT" sz="3200" dirty="0"/>
+                <a:t> </a:t>
+              </a:r>
             </a:p>
-          </p:txBody>
-        </p:sp>
-        <p:sp>
-          <p:nvSpPr>
-            <p:cNvPr id="45" name="Rectangle 44">
-              <a:extLst>
-                <a:ext uri="{FF2B5EF4-FFF2-40B4-BE49-F238E27FC236}">
-                  <a16:creationId xmlns:a16="http://schemas.microsoft.com/office/drawing/2014/main" id="{24867E3E-CFFE-4C70-A924-7A9FA7D3F479}"/>
-                </a:ext>
-              </a:extLst>
-            </p:cNvPr>
-            <p:cNvSpPr/>
-            <p:nvPr/>
-          </p:nvSpPr>
-          <p:spPr>
-            <a:xfrm>
-              <a:off x="521438" y="-299123"/>
-              <a:ext cx="1129536" cy="923330"/>
-            </a:xfrm>
-            <a:prstGeom prst="rect">
-              <a:avLst/>
-            </a:prstGeom>
-          </p:spPr>
-          <p:txBody>
-            <a:bodyPr wrap="square">
-              <a:spAutoFit/>
-            </a:bodyPr>
-            <a:lstStyle/>
             <a:p>
               <a:pPr algn="r"/>
               <a:r>
-                <a:rPr lang="en-US" b="1" i="1" dirty="0"/>
-                <a:t>Topic “p30-photos”</a:t>
+                <a:rPr lang="en-US" sz="2400" b="1" i="1" dirty="0"/>
+                <a:t>Topic “p30-classification”</a:t>
               </a:r>
-              <a:endParaRPr lang="en-US" i="1" dirty="0"/>
+              <a:endParaRPr lang="en-US" sz="2400" i="1" dirty="0"/>
             </a:p>
           </p:txBody>
         </p:sp>
       </p:grpSp>
-      <p:sp>
-        <p:nvSpPr>
-          <p:cNvPr id="47" name="Arrow: Curved Right 46">
-            <a:extLst>
-              <a:ext uri="{FF2B5EF4-FFF2-40B4-BE49-F238E27FC236}">
-                <a16:creationId xmlns:a16="http://schemas.microsoft.com/office/drawing/2014/main" id="{94BF2876-039B-4E90-B749-48C9F8C1B583}"/>
-              </a:ext>
-            </a:extLst>
-          </p:cNvPr>
-          <p:cNvSpPr/>
-          <p:nvPr/>
-        </p:nvSpPr>
-        <p:spPr>
-          <a:xfrm flipH="1">
-            <a:off x="4665147" y="-1859363"/>
-            <a:ext cx="2506814" cy="6097882"/>
-          </a:xfrm>
-          <a:prstGeom prst="curvedRightArrow">
-            <a:avLst>
-              <a:gd name="adj1" fmla="val 17393"/>
-              <a:gd name="adj2" fmla="val 50000"/>
-              <a:gd name="adj3" fmla="val 25000"/>
-            </a:avLst>
-          </a:prstGeom>
-        </p:spPr>
-        <p:style>
-          <a:lnRef idx="2">
-            <a:schemeClr val="accent3">
-              <a:shade val="50000"/>
-            </a:schemeClr>
-          </a:lnRef>
-          <a:fillRef idx="1">
-            <a:schemeClr val="accent3"/>
-          </a:fillRef>
-          <a:effectRef idx="0">
-            <a:schemeClr val="accent3"/>
-          </a:effectRef>
-          <a:fontRef idx="minor">
-            <a:schemeClr val="lt1"/>
-          </a:fontRef>
-        </p:style>
-        <p:txBody>
-          <a:bodyPr vert="horz" rtlCol="0" anchor="ctr"/>
-          <a:lstStyle/>
-          <a:p>
-            <a:r>
-              <a:rPr lang="pt-PT" sz="3200" dirty="0"/>
-              <a:t> </a:t>
-            </a:r>
-            <a:endParaRPr lang="en-US" sz="3200" dirty="0"/>
-          </a:p>
-        </p:txBody>
-      </p:sp>
-      <p:sp>
-        <p:nvSpPr>
-          <p:cNvPr id="48" name="TextBox 47">
-            <a:extLst>
-              <a:ext uri="{FF2B5EF4-FFF2-40B4-BE49-F238E27FC236}">
-                <a16:creationId xmlns:a16="http://schemas.microsoft.com/office/drawing/2014/main" id="{ACB9D09A-B588-46FB-A587-12540E3755B1}"/>
-              </a:ext>
-            </a:extLst>
-          </p:cNvPr>
-          <p:cNvSpPr txBox="1"/>
-          <p:nvPr/>
-        </p:nvSpPr>
-        <p:spPr>
-          <a:xfrm>
-            <a:off x="3938561" y="261754"/>
-            <a:ext cx="3067715" cy="1323439"/>
-          </a:xfrm>
-          <a:prstGeom prst="rect">
-            <a:avLst/>
-          </a:prstGeom>
-          <a:noFill/>
-        </p:spPr>
-        <p:txBody>
-          <a:bodyPr wrap="square" rtlCol="0">
-            <a:spAutoFit/>
-          </a:bodyPr>
-          <a:lstStyle/>
-          <a:p>
-            <a:pPr algn="r"/>
-            <a:r>
-              <a:rPr lang="pt-PT" sz="3200" dirty="0"/>
-              <a:t>4. </a:t>
-            </a:r>
-            <a:r>
-              <a:rPr lang="pt-PT" sz="3200" dirty="0" err="1"/>
-              <a:t>emotion</a:t>
-            </a:r>
-            <a:r>
-              <a:rPr lang="pt-PT" sz="3200" dirty="0"/>
-              <a:t> </a:t>
-            </a:r>
-          </a:p>
-          <a:p>
-            <a:pPr algn="r"/>
-            <a:r>
-              <a:rPr lang="en-US" sz="2400" b="1" i="1" dirty="0"/>
-              <a:t>Topic “p30-classification”</a:t>
-            </a:r>
-            <a:endParaRPr lang="en-US" sz="2400" i="1" dirty="0"/>
-          </a:p>
-        </p:txBody>
-      </p:sp>
     </p:spTree>
     <p:extLst>
       <p:ext uri="{BB962C8B-B14F-4D97-AF65-F5344CB8AC3E}">
